--- a/ppt_FLER.pptx
+++ b/ppt_FLER.pptx
@@ -233,7 +233,7 @@
           <a:p>
             <a:fld id="{FE5B4EDC-59C0-49C7-8ADA-5A781B329E02}" type="datetimeFigureOut">
               <a:rPr lang="en-US"/>
-              <a:t>09-Oct-18</a:t>
+              <a:t>10/9/2018</a:t>
             </a:fld>
             <a:endParaRPr/>
           </a:p>
@@ -299,7 +299,7 @@
           <a:p>
             <a:fld id="{79429053-DC2A-4342-ADD4-2FD729D91E2C}" type="slidenum">
               <a:rPr/>
-              <a:t>‹#›</a:t>
+              <a:t>‹Nº›</a:t>
             </a:fld>
             <a:endParaRPr/>
           </a:p>
@@ -398,7 +398,7 @@
           <a:p>
             <a:fld id="{F2D8D46A-B586-417D-BFBD-8C8FE0AAF762}" type="datetimeFigureOut">
               <a:rPr lang="en-US"/>
-              <a:t>09-Oct-18</a:t>
+              <a:t>10/9/2018</a:t>
             </a:fld>
             <a:endParaRPr/>
           </a:p>
@@ -556,7 +556,7 @@
           <a:p>
             <a:fld id="{3EBA5BD7-F043-4D1B-AA17-CD412FC534DE}" type="slidenum">
               <a:rPr/>
-              <a:t>‹#›</a:t>
+              <a:t>‹Nº›</a:t>
             </a:fld>
             <a:endParaRPr/>
           </a:p>
@@ -1421,7 +1421,7 @@
           <a:p>
             <a:fld id="{F0DFD029-FB74-4578-B929-F66AA97659CA}" type="datetimeFigureOut">
               <a:rPr lang="en-US"/>
-              <a:t>09-Oct-18</a:t>
+              <a:t>10/9/2018</a:t>
             </a:fld>
             <a:endParaRPr/>
           </a:p>
@@ -1463,7 +1463,7 @@
           <a:p>
             <a:fld id="{C014DD1E-5D91-48A3-AD6D-45FBA980D106}" type="slidenum">
               <a:rPr/>
-              <a:t>‹#›</a:t>
+              <a:t>‹Nº›</a:t>
             </a:fld>
             <a:endParaRPr/>
           </a:p>
@@ -1619,7 +1619,7 @@
           <a:p>
             <a:fld id="{F0DFD029-FB74-4578-B929-F66AA97659CA}" type="datetimeFigureOut">
               <a:rPr lang="en-US"/>
-              <a:t>09-Oct-18</a:t>
+              <a:t>10/9/2018</a:t>
             </a:fld>
             <a:endParaRPr/>
           </a:p>
@@ -1661,7 +1661,7 @@
           <a:p>
             <a:fld id="{C014DD1E-5D91-48A3-AD6D-45FBA980D106}" type="slidenum">
               <a:rPr/>
-              <a:t>‹#›</a:t>
+              <a:t>‹Nº›</a:t>
             </a:fld>
             <a:endParaRPr/>
           </a:p>
@@ -1827,7 +1827,7 @@
           <a:p>
             <a:fld id="{F0DFD029-FB74-4578-B929-F66AA97659CA}" type="datetimeFigureOut">
               <a:rPr lang="en-US"/>
-              <a:t>09-Oct-18</a:t>
+              <a:t>10/9/2018</a:t>
             </a:fld>
             <a:endParaRPr/>
           </a:p>
@@ -1869,7 +1869,7 @@
           <a:p>
             <a:fld id="{C014DD1E-5D91-48A3-AD6D-45FBA980D106}" type="slidenum">
               <a:rPr/>
-              <a:t>‹#›</a:t>
+              <a:t>‹Nº›</a:t>
             </a:fld>
             <a:endParaRPr/>
           </a:p>
@@ -2025,7 +2025,7 @@
           <a:p>
             <a:fld id="{F0DFD029-FB74-4578-B929-F66AA97659CA}" type="datetimeFigureOut">
               <a:rPr lang="en-US"/>
-              <a:t>09-Oct-18</a:t>
+              <a:t>10/9/2018</a:t>
             </a:fld>
             <a:endParaRPr/>
           </a:p>
@@ -2067,7 +2067,7 @@
           <a:p>
             <a:fld id="{C014DD1E-5D91-48A3-AD6D-45FBA980D106}" type="slidenum">
               <a:rPr/>
-              <a:t>‹#›</a:t>
+              <a:t>‹Nº›</a:t>
             </a:fld>
             <a:endParaRPr/>
           </a:p>
@@ -2457,7 +2457,7 @@
           <a:p>
             <a:fld id="{F0DFD029-FB74-4578-B929-F66AA97659CA}" type="datetimeFigureOut">
               <a:rPr lang="en-US"/>
-              <a:t>09-Oct-18</a:t>
+              <a:t>10/9/2018</a:t>
             </a:fld>
             <a:endParaRPr/>
           </a:p>
@@ -2499,7 +2499,7 @@
           <a:p>
             <a:fld id="{C014DD1E-5D91-48A3-AD6D-45FBA980D106}" type="slidenum">
               <a:rPr/>
-              <a:t>‹#›</a:t>
+              <a:t>‹Nº›</a:t>
             </a:fld>
             <a:endParaRPr/>
           </a:p>
@@ -2761,7 +2761,7 @@
           <a:p>
             <a:fld id="{F0DFD029-FB74-4578-B929-F66AA97659CA}" type="datetimeFigureOut">
               <a:rPr lang="en-US"/>
-              <a:t>09-Oct-18</a:t>
+              <a:t>10/9/2018</a:t>
             </a:fld>
             <a:endParaRPr/>
           </a:p>
@@ -2803,7 +2803,7 @@
           <a:p>
             <a:fld id="{C014DD1E-5D91-48A3-AD6D-45FBA980D106}" type="slidenum">
               <a:rPr/>
-              <a:t>‹#›</a:t>
+              <a:t>‹Nº›</a:t>
             </a:fld>
             <a:endParaRPr/>
           </a:p>
@@ -3217,7 +3217,7 @@
           <a:p>
             <a:fld id="{F0DFD029-FB74-4578-B929-F66AA97659CA}" type="datetimeFigureOut">
               <a:rPr lang="en-US"/>
-              <a:t>09-Oct-18</a:t>
+              <a:t>10/9/2018</a:t>
             </a:fld>
             <a:endParaRPr/>
           </a:p>
@@ -3259,7 +3259,7 @@
           <a:p>
             <a:fld id="{C014DD1E-5D91-48A3-AD6D-45FBA980D106}" type="slidenum">
               <a:rPr/>
-              <a:t>‹#›</a:t>
+              <a:t>‹Nº›</a:t>
             </a:fld>
             <a:endParaRPr/>
           </a:p>
@@ -3347,7 +3347,7 @@
           <a:p>
             <a:fld id="{F0DFD029-FB74-4578-B929-F66AA97659CA}" type="datetimeFigureOut">
               <a:rPr lang="en-US"/>
-              <a:t>09-Oct-18</a:t>
+              <a:t>10/9/2018</a:t>
             </a:fld>
             <a:endParaRPr/>
           </a:p>
@@ -3389,7 +3389,7 @@
           <a:p>
             <a:fld id="{C014DD1E-5D91-48A3-AD6D-45FBA980D106}" type="slidenum">
               <a:rPr/>
-              <a:t>‹#›</a:t>
+              <a:t>‹Nº›</a:t>
             </a:fld>
             <a:endParaRPr/>
           </a:p>
@@ -3454,7 +3454,7 @@
           <a:p>
             <a:fld id="{F0DFD029-FB74-4578-B929-F66AA97659CA}" type="datetimeFigureOut">
               <a:rPr lang="en-US"/>
-              <a:t>09-Oct-18</a:t>
+              <a:t>10/9/2018</a:t>
             </a:fld>
             <a:endParaRPr/>
           </a:p>
@@ -3496,7 +3496,7 @@
           <a:p>
             <a:fld id="{C014DD1E-5D91-48A3-AD6D-45FBA980D106}" type="slidenum">
               <a:rPr/>
-              <a:t>‹#›</a:t>
+              <a:t>‹Nº›</a:t>
             </a:fld>
             <a:endParaRPr/>
           </a:p>
@@ -3753,7 +3753,7 @@
           <a:p>
             <a:fld id="{F0DFD029-FB74-4578-B929-F66AA97659CA}" type="datetimeFigureOut">
               <a:rPr lang="en-US"/>
-              <a:t>09-Oct-18</a:t>
+              <a:t>10/9/2018</a:t>
             </a:fld>
             <a:endParaRPr/>
           </a:p>
@@ -3795,7 +3795,7 @@
           <a:p>
             <a:fld id="{C014DD1E-5D91-48A3-AD6D-45FBA980D106}" type="slidenum">
               <a:rPr/>
-              <a:t>‹#›</a:t>
+              <a:t>‹Nº›</a:t>
             </a:fld>
             <a:endParaRPr/>
           </a:p>
@@ -4041,7 +4041,7 @@
           <a:p>
             <a:fld id="{F0DFD029-FB74-4578-B929-F66AA97659CA}" type="datetimeFigureOut">
               <a:rPr lang="en-US"/>
-              <a:t>09-Oct-18</a:t>
+              <a:t>10/9/2018</a:t>
             </a:fld>
             <a:endParaRPr/>
           </a:p>
@@ -4083,7 +4083,7 @@
           <a:p>
             <a:fld id="{C014DD1E-5D91-48A3-AD6D-45FBA980D106}" type="slidenum">
               <a:rPr/>
-              <a:t>‹#›</a:t>
+              <a:t>‹Nº›</a:t>
             </a:fld>
             <a:endParaRPr/>
           </a:p>
@@ -4664,7 +4664,7 @@
             <a:fld id="{F0DFD029-FB74-4578-B929-F66AA97659CA}" type="datetimeFigureOut">
               <a:rPr lang="en-US"/>
               <a:pPr/>
-              <a:t>09-Oct-18</a:t>
+              <a:t>10/9/2018</a:t>
             </a:fld>
             <a:endParaRPr/>
           </a:p>
@@ -4743,7 +4743,7 @@
             <a:fld id="{C014DD1E-5D91-48A3-AD6D-45FBA980D106}" type="slidenum">
               <a:rPr/>
               <a:pPr/>
-              <a:t>‹#›</a:t>
+              <a:t>‹Nº›</a:t>
             </a:fld>
             <a:endParaRPr/>
           </a:p>
@@ -5153,7 +5153,11 @@
           <a:p>
             <a:r>
               <a:rPr lang="en-US" sz="8000" dirty="0" smtClean="0"/>
-              <a:t>FLER</a:t>
+              <a:t>FLER </a:t>
+            </a:r>
+            <a:r>
+              <a:rPr lang="en-US" sz="2400" dirty="0" smtClean="0"/>
+              <a:t>(Four Leg Explorer Robot)</a:t>
             </a:r>
             <a:endParaRPr lang="en-US" sz="8000" dirty="0"/>
           </a:p>
@@ -5230,7 +5234,7 @@
         </p:blipFill>
         <p:spPr bwMode="auto">
           <a:xfrm>
-            <a:off x="5103812" y="1066800"/>
+            <a:off x="5789612" y="1295400"/>
             <a:ext cx="4647089" cy="4647089"/>
           </a:xfrm>
           <a:prstGeom prst="rect">
@@ -5369,7 +5373,6 @@
               <a:rPr lang="es-CR" dirty="0" smtClean="0"/>
               <a:t>Avances</a:t>
             </a:r>
-            <a:endParaRPr lang="es-CR" dirty="0" smtClean="0"/>
           </a:p>
           <a:p>
             <a:endParaRPr lang="en-US" dirty="0" smtClean="0"/>
@@ -5662,7 +5665,7 @@
           <a:bodyPr/>
           <a:lstStyle/>
           <a:p>
-            <a:endParaRPr lang="es-CR"/>
+            <a:endParaRPr lang="es-CR" dirty="0"/>
           </a:p>
         </p:txBody>
       </p:sp>
@@ -5757,8 +5760,20 @@
                 <a:tableStyleId>{5C22544A-7EE6-4342-B048-85BDC9FD1C3A}</a:tableStyleId>
               </a:tblPr>
               <a:tblGrid>
-                <a:gridCol w="5180013"/>
-                <a:gridCol w="5180013"/>
+                <a:gridCol w="5180013">
+                  <a:extLst>
+                    <a:ext uri="{9D8B030D-6E8A-4147-A177-3AD203B41FA5}">
+                      <a16:colId xmlns:a16="http://schemas.microsoft.com/office/drawing/2014/main" val="20000"/>
+                    </a:ext>
+                  </a:extLst>
+                </a:gridCol>
+                <a:gridCol w="5180013">
+                  <a:extLst>
+                    <a:ext uri="{9D8B030D-6E8A-4147-A177-3AD203B41FA5}">
+                      <a16:colId xmlns:a16="http://schemas.microsoft.com/office/drawing/2014/main" val="20001"/>
+                    </a:ext>
+                  </a:extLst>
+                </a:gridCol>
               </a:tblGrid>
               <a:tr h="450850">
                 <a:tc gridSpan="2">
@@ -5781,6 +5796,11 @@
                   </a:txBody>
                   <a:tcPr/>
                 </a:tc>
+                <a:extLst>
+                  <a:ext uri="{0D108BD9-81ED-4DB2-BD59-A6C34878D82A}">
+                    <a16:rowId xmlns:a16="http://schemas.microsoft.com/office/drawing/2014/main" val="10000"/>
+                  </a:ext>
+                </a:extLst>
               </a:tr>
               <a:tr h="450850">
                 <a:tc>
@@ -5811,6 +5831,11 @@
                   </a:txBody>
                   <a:tcPr/>
                 </a:tc>
+                <a:extLst>
+                  <a:ext uri="{0D108BD9-81ED-4DB2-BD59-A6C34878D82A}">
+                    <a16:rowId xmlns:a16="http://schemas.microsoft.com/office/drawing/2014/main" val="10001"/>
+                  </a:ext>
+                </a:extLst>
               </a:tr>
               <a:tr h="450850">
                 <a:tc>
@@ -5845,6 +5870,11 @@
                   </a:txBody>
                   <a:tcPr/>
                 </a:tc>
+                <a:extLst>
+                  <a:ext uri="{0D108BD9-81ED-4DB2-BD59-A6C34878D82A}">
+                    <a16:rowId xmlns:a16="http://schemas.microsoft.com/office/drawing/2014/main" val="10002"/>
+                  </a:ext>
+                </a:extLst>
               </a:tr>
               <a:tr h="450850">
                 <a:tc>
@@ -5871,6 +5901,11 @@
                   </a:txBody>
                   <a:tcPr/>
                 </a:tc>
+                <a:extLst>
+                  <a:ext uri="{0D108BD9-81ED-4DB2-BD59-A6C34878D82A}">
+                    <a16:rowId xmlns:a16="http://schemas.microsoft.com/office/drawing/2014/main" val="10003"/>
+                  </a:ext>
+                </a:extLst>
               </a:tr>
               <a:tr h="450850">
                 <a:tc>
@@ -5897,6 +5932,11 @@
                   </a:txBody>
                   <a:tcPr/>
                 </a:tc>
+                <a:extLst>
+                  <a:ext uri="{0D108BD9-81ED-4DB2-BD59-A6C34878D82A}">
+                    <a16:rowId xmlns:a16="http://schemas.microsoft.com/office/drawing/2014/main" val="10004"/>
+                  </a:ext>
+                </a:extLst>
               </a:tr>
               <a:tr h="450850">
                 <a:tc>
@@ -5927,6 +5967,11 @@
                   </a:txBody>
                   <a:tcPr/>
                 </a:tc>
+                <a:extLst>
+                  <a:ext uri="{0D108BD9-81ED-4DB2-BD59-A6C34878D82A}">
+                    <a16:rowId xmlns:a16="http://schemas.microsoft.com/office/drawing/2014/main" val="10005"/>
+                  </a:ext>
+                </a:extLst>
               </a:tr>
               <a:tr h="450850">
                 <a:tc>
@@ -5957,6 +6002,11 @@
                   </a:txBody>
                   <a:tcPr/>
                 </a:tc>
+                <a:extLst>
+                  <a:ext uri="{0D108BD9-81ED-4DB2-BD59-A6C34878D82A}">
+                    <a16:rowId xmlns:a16="http://schemas.microsoft.com/office/drawing/2014/main" val="10006"/>
+                  </a:ext>
+                </a:extLst>
               </a:tr>
               <a:tr h="450850">
                 <a:tc>
@@ -5987,6 +6037,11 @@
                   </a:txBody>
                   <a:tcPr/>
                 </a:tc>
+                <a:extLst>
+                  <a:ext uri="{0D108BD9-81ED-4DB2-BD59-A6C34878D82A}">
+                    <a16:rowId xmlns:a16="http://schemas.microsoft.com/office/drawing/2014/main" val="10007"/>
+                  </a:ext>
+                </a:extLst>
               </a:tr>
             </a:tbl>
           </a:graphicData>
@@ -7408,6 +7463,15 @@
 </file>
 
 <file path=customXml/item1.xml><?xml version="1.0" encoding="utf-8"?>
+<?mso-contentType ?>
+<FormTemplates xmlns="http://schemas.microsoft.com/sharepoint/v3/contenttype/forms">
+  <Display>DocumentLibraryForm</Display>
+  <Edit>AssetEditForm</Edit>
+  <New>DocumentLibraryForm</New>
+</FormTemplates>
+</file>
+
+<file path=customXml/item2.xml><?xml version="1.0" encoding="utf-8"?>
 <ct:contentTypeSchema xmlns:ct="http://schemas.microsoft.com/office/2006/metadata/contentType" xmlns:ma="http://schemas.microsoft.com/office/2006/metadata/properties/metaAttributes" ct:_="" ma:_="" ma:contentTypeName="TemplateFile" ma:contentTypeID="0x0101006EDDDB5EE6D98C44930B742096920B300400F5B6D36B3EF94B4E9A635CDF2A18F5B8" ma:contentTypeVersion="72" ma:contentTypeDescription="Create a new document." ma:contentTypeScope="" ma:versionID="a23e56308344d904b51738559c3d67c9">
   <xsd:schema xmlns:xsd="http://www.w3.org/2001/XMLSchema" xmlns:xs="http://www.w3.org/2001/XMLSchema" xmlns:p="http://schemas.microsoft.com/office/2006/metadata/properties" xmlns:ns2="4873beb7-5857-4685-be1f-d57550cc96cc" targetNamespace="http://schemas.microsoft.com/office/2006/metadata/properties" ma:root="true" ma:fieldsID="cd0908cc4600e77bf5da051303e00c8d" ns2:_="">
     <xsd:import namespace="4873beb7-5857-4685-be1f-d57550cc96cc"/>
@@ -8445,15 +8509,6 @@
     <xs:element name="TermId" type="xs:string"/>
   </xs:schema>
 </ct:contentTypeSchema>
-</file>
-
-<file path=customXml/item2.xml><?xml version="1.0" encoding="utf-8"?>
-<?mso-contentType ?>
-<FormTemplates xmlns="http://schemas.microsoft.com/sharepoint/v3/contenttype/forms">
-  <Display>DocumentLibraryForm</Display>
-  <Edit>AssetEditForm</Edit>
-  <New>DocumentLibraryForm</New>
-</FormTemplates>
 </file>
 
 <file path=customXml/item3.xml><?xml version="1.0" encoding="utf-8"?>
@@ -8593,6 +8648,14 @@
 </file>
 
 <file path=customXml/itemProps1.xml><?xml version="1.0" encoding="utf-8"?>
+<ds:datastoreItem xmlns:ds="http://schemas.openxmlformats.org/officeDocument/2006/customXml" ds:itemID="{3836F65B-1B07-41EE-A0E8-BC6EF3855225}">
+  <ds:schemaRefs>
+    <ds:schemaRef ds:uri="http://schemas.microsoft.com/sharepoint/v3/contenttype/forms"/>
+  </ds:schemaRefs>
+</ds:datastoreItem>
+</file>
+
+<file path=customXml/itemProps2.xml><?xml version="1.0" encoding="utf-8"?>
 <ds:datastoreItem xmlns:ds="http://schemas.openxmlformats.org/officeDocument/2006/customXml" ds:itemID="{A09BF4D4-EF60-4196-BFC3-9462D607978C}">
   <ds:schemaRefs>
     <ds:schemaRef ds:uri="http://schemas.microsoft.com/office/2006/metadata/contentType"/>
@@ -8606,14 +8669,6 @@
     <ds:schemaRef ds:uri="http://purl.org/dc/elements/1.1/"/>
     <ds:schemaRef ds:uri="http://purl.org/dc/terms/"/>
     <ds:schemaRef ds:uri="http://schemas.microsoft.com/internal/obd"/>
-  </ds:schemaRefs>
-</ds:datastoreItem>
-</file>
-
-<file path=customXml/itemProps2.xml><?xml version="1.0" encoding="utf-8"?>
-<ds:datastoreItem xmlns:ds="http://schemas.openxmlformats.org/officeDocument/2006/customXml" ds:itemID="{3836F65B-1B07-41EE-A0E8-BC6EF3855225}">
-  <ds:schemaRefs>
-    <ds:schemaRef ds:uri="http://schemas.microsoft.com/sharepoint/v3/contenttype/forms"/>
   </ds:schemaRefs>
 </ds:datastoreItem>
 </file>

--- a/ppt_FLER.pptx
+++ b/ppt_FLER.pptx
@@ -5,10 +5,10 @@
     <p:sldMasterId id="2147483660" r:id="rId4"/>
   </p:sldMasterIdLst>
   <p:notesMasterIdLst>
-    <p:notesMasterId r:id="rId14"/>
+    <p:notesMasterId r:id="rId19"/>
   </p:notesMasterIdLst>
   <p:handoutMasterIdLst>
-    <p:handoutMasterId r:id="rId15"/>
+    <p:handoutMasterId r:id="rId20"/>
   </p:handoutMasterIdLst>
   <p:sldIdLst>
     <p:sldId id="257" r:id="rId5"/>
@@ -20,6 +20,11 @@
     <p:sldId id="273" r:id="rId11"/>
     <p:sldId id="274" r:id="rId12"/>
     <p:sldId id="275" r:id="rId13"/>
+    <p:sldId id="276" r:id="rId14"/>
+    <p:sldId id="277" r:id="rId15"/>
+    <p:sldId id="278" r:id="rId16"/>
+    <p:sldId id="280" r:id="rId17"/>
+    <p:sldId id="279" r:id="rId18"/>
   </p:sldIdLst>
   <p:sldSz cx="12188825" cy="6858000"/>
   <p:notesSz cx="6858000" cy="9144000"/>
@@ -462,35 +467,30 @@
           <a:p>
             <a:pPr lvl="0"/>
             <a:r>
-              <a:rPr/>
               <a:t>Click to edit Master text styles</a:t>
             </a:r>
           </a:p>
           <a:p>
             <a:pPr lvl="1"/>
             <a:r>
-              <a:rPr/>
               <a:t>Second level</a:t>
             </a:r>
           </a:p>
           <a:p>
             <a:pPr lvl="2"/>
             <a:r>
-              <a:rPr/>
               <a:t>Third level</a:t>
             </a:r>
           </a:p>
           <a:p>
             <a:pPr lvl="3"/>
             <a:r>
-              <a:rPr/>
               <a:t>Fourth level</a:t>
             </a:r>
           </a:p>
           <a:p>
             <a:pPr lvl="4"/>
             <a:r>
-              <a:rPr/>
               <a:t>Fifth level</a:t>
             </a:r>
           </a:p>
@@ -1275,7 +1275,7 @@
           </a:lstStyle>
           <a:p>
             <a:r>
-              <a:rPr lang="en-US" smtClean="0"/>
+              <a:rPr lang="en-US"/>
               <a:t>Click to edit Master title style</a:t>
             </a:r>
             <a:endParaRPr/>
@@ -1397,7 +1397,7 @@
           </a:lstStyle>
           <a:p>
             <a:r>
-              <a:rPr lang="en-US" smtClean="0"/>
+              <a:rPr lang="en-US"/>
               <a:t>Click to edit Master subtitle style</a:t>
             </a:r>
             <a:endParaRPr/>
@@ -1527,7 +1527,7 @@
           <a:lstStyle/>
           <a:p>
             <a:r>
-              <a:rPr lang="en-US" smtClean="0"/>
+              <a:rPr lang="en-US"/>
               <a:t>Click to edit Master title style</a:t>
             </a:r>
             <a:endParaRPr/>
@@ -1567,35 +1567,35 @@
           <a:p>
             <a:pPr lvl="0"/>
             <a:r>
-              <a:rPr lang="en-US" smtClean="0"/>
+              <a:rPr lang="en-US"/>
               <a:t>Click to edit Master text styles</a:t>
             </a:r>
           </a:p>
           <a:p>
             <a:pPr lvl="1"/>
             <a:r>
-              <a:rPr lang="en-US" smtClean="0"/>
+              <a:rPr lang="en-US"/>
               <a:t>Second level</a:t>
             </a:r>
           </a:p>
           <a:p>
             <a:pPr lvl="2"/>
             <a:r>
-              <a:rPr lang="en-US" smtClean="0"/>
+              <a:rPr lang="en-US"/>
               <a:t>Third level</a:t>
             </a:r>
           </a:p>
           <a:p>
             <a:pPr lvl="3"/>
             <a:r>
-              <a:rPr lang="en-US" smtClean="0"/>
+              <a:rPr lang="en-US"/>
               <a:t>Fourth level</a:t>
             </a:r>
           </a:p>
           <a:p>
             <a:pPr lvl="4"/>
             <a:r>
-              <a:rPr lang="en-US" smtClean="0"/>
+              <a:rPr lang="en-US"/>
               <a:t>Fifth level</a:t>
             </a:r>
             <a:endParaRPr/>
@@ -1730,7 +1730,7 @@
           <a:lstStyle/>
           <a:p>
             <a:r>
-              <a:rPr lang="en-US" smtClean="0"/>
+              <a:rPr lang="en-US"/>
               <a:t>Click to edit Master title style</a:t>
             </a:r>
             <a:endParaRPr/>
@@ -1775,35 +1775,35 @@
           <a:p>
             <a:pPr lvl="0"/>
             <a:r>
-              <a:rPr lang="en-US" smtClean="0"/>
+              <a:rPr lang="en-US"/>
               <a:t>Click to edit Master text styles</a:t>
             </a:r>
           </a:p>
           <a:p>
             <a:pPr lvl="1"/>
             <a:r>
-              <a:rPr lang="en-US" smtClean="0"/>
+              <a:rPr lang="en-US"/>
               <a:t>Second level</a:t>
             </a:r>
           </a:p>
           <a:p>
             <a:pPr lvl="2"/>
             <a:r>
-              <a:rPr lang="en-US" smtClean="0"/>
+              <a:rPr lang="en-US"/>
               <a:t>Third level</a:t>
             </a:r>
           </a:p>
           <a:p>
             <a:pPr lvl="3"/>
             <a:r>
-              <a:rPr lang="en-US" smtClean="0"/>
+              <a:rPr lang="en-US"/>
               <a:t>Fourth level</a:t>
             </a:r>
           </a:p>
           <a:p>
             <a:pPr lvl="4"/>
             <a:r>
-              <a:rPr lang="en-US" smtClean="0"/>
+              <a:rPr lang="en-US"/>
               <a:t>Fifth level</a:t>
             </a:r>
             <a:endParaRPr/>
@@ -1933,7 +1933,7 @@
           <a:lstStyle/>
           <a:p>
             <a:r>
-              <a:rPr lang="en-US" smtClean="0"/>
+              <a:rPr lang="en-US"/>
               <a:t>Click to edit Master title style</a:t>
             </a:r>
             <a:endParaRPr/>
@@ -1973,35 +1973,35 @@
           <a:p>
             <a:pPr lvl="0"/>
             <a:r>
-              <a:rPr lang="en-US" smtClean="0"/>
+              <a:rPr lang="en-US"/>
               <a:t>Click to edit Master text styles</a:t>
             </a:r>
           </a:p>
           <a:p>
             <a:pPr lvl="1"/>
             <a:r>
-              <a:rPr lang="en-US" smtClean="0"/>
+              <a:rPr lang="en-US"/>
               <a:t>Second level</a:t>
             </a:r>
           </a:p>
           <a:p>
             <a:pPr lvl="2"/>
             <a:r>
-              <a:rPr lang="en-US" smtClean="0"/>
+              <a:rPr lang="en-US"/>
               <a:t>Third level</a:t>
             </a:r>
           </a:p>
           <a:p>
             <a:pPr lvl="3"/>
             <a:r>
-              <a:rPr lang="en-US" smtClean="0"/>
+              <a:rPr lang="en-US"/>
               <a:t>Fourth level</a:t>
             </a:r>
           </a:p>
           <a:p>
             <a:pPr lvl="4"/>
             <a:r>
-              <a:rPr lang="en-US" smtClean="0"/>
+              <a:rPr lang="en-US"/>
               <a:t>Fifth level</a:t>
             </a:r>
             <a:endParaRPr/>
@@ -2311,7 +2311,7 @@
           </a:lstStyle>
           <a:p>
             <a:r>
-              <a:rPr lang="en-US" smtClean="0"/>
+              <a:rPr lang="en-US"/>
               <a:t>Click to edit Master title style</a:t>
             </a:r>
             <a:endParaRPr/>
@@ -2434,7 +2434,7 @@
           <a:p>
             <a:pPr lvl="0"/>
             <a:r>
-              <a:rPr lang="en-US" smtClean="0"/>
+              <a:rPr lang="en-US"/>
               <a:t>Click to edit Master text styles</a:t>
             </a:r>
           </a:p>
@@ -2563,7 +2563,7 @@
           <a:lstStyle/>
           <a:p>
             <a:r>
-              <a:rPr lang="en-US" smtClean="0"/>
+              <a:rPr lang="en-US"/>
               <a:t>Click to edit Master title style</a:t>
             </a:r>
             <a:endParaRPr/>
@@ -2622,35 +2622,35 @@
           <a:p>
             <a:pPr lvl="0"/>
             <a:r>
-              <a:rPr lang="en-US" smtClean="0"/>
+              <a:rPr lang="en-US"/>
               <a:t>Click to edit Master text styles</a:t>
             </a:r>
           </a:p>
           <a:p>
             <a:pPr lvl="1"/>
             <a:r>
-              <a:rPr lang="en-US" smtClean="0"/>
+              <a:rPr lang="en-US"/>
               <a:t>Second level</a:t>
             </a:r>
           </a:p>
           <a:p>
             <a:pPr lvl="2"/>
             <a:r>
-              <a:rPr lang="en-US" smtClean="0"/>
+              <a:rPr lang="en-US"/>
               <a:t>Third level</a:t>
             </a:r>
           </a:p>
           <a:p>
             <a:pPr lvl="3"/>
             <a:r>
-              <a:rPr lang="en-US" smtClean="0"/>
+              <a:rPr lang="en-US"/>
               <a:t>Fourth level</a:t>
             </a:r>
           </a:p>
           <a:p>
             <a:pPr lvl="4"/>
             <a:r>
-              <a:rPr lang="en-US" smtClean="0"/>
+              <a:rPr lang="en-US"/>
               <a:t>Fifth level</a:t>
             </a:r>
             <a:endParaRPr/>
@@ -2709,35 +2709,35 @@
           <a:p>
             <a:pPr lvl="0"/>
             <a:r>
-              <a:rPr lang="en-US" smtClean="0"/>
+              <a:rPr lang="en-US"/>
               <a:t>Click to edit Master text styles</a:t>
             </a:r>
           </a:p>
           <a:p>
             <a:pPr lvl="1"/>
             <a:r>
-              <a:rPr lang="en-US" smtClean="0"/>
+              <a:rPr lang="en-US"/>
               <a:t>Second level</a:t>
             </a:r>
           </a:p>
           <a:p>
             <a:pPr lvl="2"/>
             <a:r>
-              <a:rPr lang="en-US" smtClean="0"/>
+              <a:rPr lang="en-US"/>
               <a:t>Third level</a:t>
             </a:r>
           </a:p>
           <a:p>
             <a:pPr lvl="3"/>
             <a:r>
-              <a:rPr lang="en-US" smtClean="0"/>
+              <a:rPr lang="en-US"/>
               <a:t>Fourth level</a:t>
             </a:r>
           </a:p>
           <a:p>
             <a:pPr lvl="4"/>
             <a:r>
-              <a:rPr lang="en-US" smtClean="0"/>
+              <a:rPr lang="en-US"/>
               <a:t>Fifth level</a:t>
             </a:r>
             <a:endParaRPr/>
@@ -2871,7 +2871,7 @@
           </a:lstStyle>
           <a:p>
             <a:r>
-              <a:rPr lang="en-US" smtClean="0"/>
+              <a:rPr lang="en-US"/>
               <a:t>Click to edit Master title style</a:t>
             </a:r>
             <a:endParaRPr/>
@@ -2946,7 +2946,7 @@
           <a:p>
             <a:pPr lvl="0"/>
             <a:r>
-              <a:rPr lang="en-US" smtClean="0"/>
+              <a:rPr lang="en-US"/>
               <a:t>Click to edit Master text styles</a:t>
             </a:r>
           </a:p>
@@ -3004,35 +3004,35 @@
           <a:p>
             <a:pPr lvl="0"/>
             <a:r>
-              <a:rPr lang="en-US" smtClean="0"/>
+              <a:rPr lang="en-US"/>
               <a:t>Click to edit Master text styles</a:t>
             </a:r>
           </a:p>
           <a:p>
             <a:pPr lvl="1"/>
             <a:r>
-              <a:rPr lang="en-US" smtClean="0"/>
+              <a:rPr lang="en-US"/>
               <a:t>Second level</a:t>
             </a:r>
           </a:p>
           <a:p>
             <a:pPr lvl="2"/>
             <a:r>
-              <a:rPr lang="en-US" smtClean="0"/>
+              <a:rPr lang="en-US"/>
               <a:t>Third level</a:t>
             </a:r>
           </a:p>
           <a:p>
             <a:pPr lvl="3"/>
             <a:r>
-              <a:rPr lang="en-US" smtClean="0"/>
+              <a:rPr lang="en-US"/>
               <a:t>Fourth level</a:t>
             </a:r>
           </a:p>
           <a:p>
             <a:pPr lvl="4"/>
             <a:r>
-              <a:rPr lang="en-US" smtClean="0"/>
+              <a:rPr lang="en-US"/>
               <a:t>Fifth level</a:t>
             </a:r>
             <a:endParaRPr/>
@@ -3107,7 +3107,7 @@
           <a:p>
             <a:pPr lvl="0"/>
             <a:r>
-              <a:rPr lang="en-US" smtClean="0"/>
+              <a:rPr lang="en-US"/>
               <a:t>Click to edit Master text styles</a:t>
             </a:r>
           </a:p>
@@ -3165,35 +3165,35 @@
           <a:p>
             <a:pPr lvl="0"/>
             <a:r>
-              <a:rPr lang="en-US" smtClean="0"/>
+              <a:rPr lang="en-US"/>
               <a:t>Click to edit Master text styles</a:t>
             </a:r>
           </a:p>
           <a:p>
             <a:pPr lvl="1"/>
             <a:r>
-              <a:rPr lang="en-US" smtClean="0"/>
+              <a:rPr lang="en-US"/>
               <a:t>Second level</a:t>
             </a:r>
           </a:p>
           <a:p>
             <a:pPr lvl="2"/>
             <a:r>
-              <a:rPr lang="en-US" smtClean="0"/>
+              <a:rPr lang="en-US"/>
               <a:t>Third level</a:t>
             </a:r>
           </a:p>
           <a:p>
             <a:pPr lvl="3"/>
             <a:r>
-              <a:rPr lang="en-US" smtClean="0"/>
+              <a:rPr lang="en-US"/>
               <a:t>Fourth level</a:t>
             </a:r>
           </a:p>
           <a:p>
             <a:pPr lvl="4"/>
             <a:r>
-              <a:rPr lang="en-US" smtClean="0"/>
+              <a:rPr lang="en-US"/>
               <a:t>Fifth level</a:t>
             </a:r>
             <a:endParaRPr/>
@@ -3323,7 +3323,7 @@
           <a:lstStyle/>
           <a:p>
             <a:r>
-              <a:rPr lang="en-US" smtClean="0"/>
+              <a:rPr lang="en-US"/>
               <a:t>Click to edit Master title style</a:t>
             </a:r>
             <a:endParaRPr/>
@@ -3575,7 +3575,7 @@
           </a:lstStyle>
           <a:p>
             <a:r>
-              <a:rPr lang="en-US" smtClean="0"/>
+              <a:rPr lang="en-US"/>
               <a:t>Click to edit Master title style</a:t>
             </a:r>
             <a:endParaRPr/>
@@ -3643,7 +3643,7 @@
           <a:p>
             <a:pPr lvl="0"/>
             <a:r>
-              <a:rPr lang="en-US" smtClean="0"/>
+              <a:rPr lang="en-US"/>
               <a:t>Click to edit Master text styles</a:t>
             </a:r>
           </a:p>
@@ -3701,35 +3701,35 @@
           <a:p>
             <a:pPr lvl="0"/>
             <a:r>
-              <a:rPr lang="en-US" smtClean="0"/>
+              <a:rPr lang="en-US"/>
               <a:t>Click to edit Master text styles</a:t>
             </a:r>
           </a:p>
           <a:p>
             <a:pPr lvl="1"/>
             <a:r>
-              <a:rPr lang="en-US" smtClean="0"/>
+              <a:rPr lang="en-US"/>
               <a:t>Second level</a:t>
             </a:r>
           </a:p>
           <a:p>
             <a:pPr lvl="2"/>
             <a:r>
-              <a:rPr lang="en-US" smtClean="0"/>
+              <a:rPr lang="en-US"/>
               <a:t>Third level</a:t>
             </a:r>
           </a:p>
           <a:p>
             <a:pPr lvl="3"/>
             <a:r>
-              <a:rPr lang="en-US" smtClean="0"/>
+              <a:rPr lang="en-US"/>
               <a:t>Fourth level</a:t>
             </a:r>
           </a:p>
           <a:p>
             <a:pPr lvl="4"/>
             <a:r>
-              <a:rPr lang="en-US" smtClean="0"/>
+              <a:rPr lang="en-US"/>
               <a:t>Fifth level</a:t>
             </a:r>
             <a:endParaRPr/>
@@ -3874,7 +3874,7 @@
           </a:lstStyle>
           <a:p>
             <a:r>
-              <a:rPr lang="en-US" smtClean="0"/>
+              <a:rPr lang="en-US"/>
               <a:t>Click to edit Master title style</a:t>
             </a:r>
             <a:endParaRPr/>
@@ -3942,7 +3942,7 @@
           <a:p>
             <a:pPr lvl="0"/>
             <a:r>
-              <a:rPr lang="en-US" smtClean="0"/>
+              <a:rPr lang="en-US"/>
               <a:t>Click to edit Master text styles</a:t>
             </a:r>
           </a:p>
@@ -4017,7 +4017,7 @@
           </a:lstStyle>
           <a:p>
             <a:r>
-              <a:rPr lang="en-US" smtClean="0"/>
+              <a:rPr lang="en-US"/>
               <a:t>Click icon to add picture</a:t>
             </a:r>
             <a:endParaRPr/>
@@ -4559,7 +4559,7 @@
           <a:lstStyle/>
           <a:p>
             <a:r>
-              <a:rPr lang="en-US" smtClean="0"/>
+              <a:rPr lang="en-US"/>
               <a:t>Click to edit Master title style</a:t>
             </a:r>
             <a:endParaRPr/>
@@ -5156,8 +5156,8 @@
               <a:t>FLER </a:t>
             </a:r>
             <a:r>
-              <a:rPr lang="en-US" sz="2400" dirty="0" smtClean="0"/>
-              <a:t>(Four Leg Explorer Robot)</a:t>
+              <a:rPr lang="en-US" sz="2000" dirty="0" smtClean="0"/>
+              <a:t>(four leg explorer robot)</a:t>
             </a:r>
             <a:endParaRPr lang="en-US" sz="8000" dirty="0"/>
           </a:p>
@@ -5176,7 +5176,7 @@
         <p:spPr>
           <a:xfrm>
             <a:off x="1632687" y="4800600"/>
-            <a:ext cx="2640435" cy="1397000"/>
+            <a:ext cx="3471125" cy="1397000"/>
           </a:xfrm>
         </p:spPr>
         <p:txBody>
@@ -5186,28 +5186,27 @@
           <a:lstStyle/>
           <a:p>
             <a:r>
-              <a:rPr lang="en-US" sz="2000" dirty="0" smtClean="0"/>
+              <a:rPr lang="en-US" sz="2000" dirty="0"/>
               <a:t>Alison Lisby</a:t>
             </a:r>
           </a:p>
           <a:p>
             <a:r>
-              <a:rPr lang="en-US" sz="2000" dirty="0" smtClean="0"/>
-              <a:t>Emmanuel </a:t>
-            </a:r>
-          </a:p>
-          <a:p>
-            <a:r>
-              <a:rPr lang="en-US" sz="2000" dirty="0" smtClean="0"/>
+              <a:rPr lang="en-US" sz="2000" dirty="0"/>
+              <a:t>Emmanuel Rodríguez </a:t>
+            </a:r>
+          </a:p>
+          <a:p>
+            <a:r>
+              <a:rPr lang="en-US" sz="2000" dirty="0"/>
               <a:t>Harry Lisby</a:t>
             </a:r>
           </a:p>
           <a:p>
             <a:r>
-              <a:rPr lang="en-US" sz="2000" dirty="0" smtClean="0"/>
+              <a:rPr lang="en-US" sz="2000" dirty="0"/>
               <a:t>Kenneth leiva</a:t>
             </a:r>
-            <a:endParaRPr lang="en-US" sz="2000" dirty="0"/>
           </a:p>
         </p:txBody>
       </p:sp>
@@ -5234,7 +5233,7 @@
         </p:blipFill>
         <p:spPr bwMode="auto">
           <a:xfrm>
-            <a:off x="5789612" y="1295400"/>
+            <a:off x="5103812" y="1066800"/>
             <a:ext cx="4647089" cy="4647089"/>
           </a:xfrm>
           <a:prstGeom prst="rect">
@@ -5290,6 +5289,1330 @@
 </p:sld>
 </file>
 
+<file path=ppt/slides/slide10.xml><?xml version="1.0" encoding="utf-8"?>
+<p:sld xmlns:a="http://schemas.openxmlformats.org/drawingml/2006/main" xmlns:r="http://schemas.openxmlformats.org/officeDocument/2006/relationships" xmlns:p="http://schemas.openxmlformats.org/presentationml/2006/main">
+  <p:cSld>
+    <p:spTree>
+      <p:nvGrpSpPr>
+        <p:cNvPr id="1" name=""/>
+        <p:cNvGrpSpPr/>
+        <p:nvPr/>
+      </p:nvGrpSpPr>
+      <p:grpSpPr>
+        <a:xfrm>
+          <a:off x="0" y="0"/>
+          <a:ext cx="0" cy="0"/>
+          <a:chOff x="0" y="0"/>
+          <a:chExt cx="0" cy="0"/>
+        </a:xfrm>
+      </p:grpSpPr>
+      <p:sp>
+        <p:nvSpPr>
+          <p:cNvPr id="2" name="Title 1">
+            <a:extLst>
+              <a:ext uri="{FF2B5EF4-FFF2-40B4-BE49-F238E27FC236}">
+                <a16:creationId xmlns:a16="http://schemas.microsoft.com/office/drawing/2014/main" id="{77A892EB-A73D-4027-A437-797E17E8D736}"/>
+              </a:ext>
+            </a:extLst>
+          </p:cNvPr>
+          <p:cNvSpPr>
+            <a:spLocks noGrp="1"/>
+          </p:cNvSpPr>
+          <p:nvPr>
+            <p:ph type="title"/>
+          </p:nvPr>
+        </p:nvSpPr>
+        <p:spPr/>
+        <p:txBody>
+          <a:bodyPr/>
+          <a:lstStyle/>
+          <a:p>
+            <a:r>
+              <a:rPr lang="en-US" dirty="0"/>
+              <a:t>Control </a:t>
+            </a:r>
+            <a:r>
+              <a:rPr lang="en-US" dirty="0" err="1"/>
+              <a:t>básico</a:t>
+            </a:r>
+            <a:r>
+              <a:rPr lang="en-US" dirty="0"/>
+              <a:t> de </a:t>
+            </a:r>
+            <a:r>
+              <a:rPr lang="en-US" dirty="0" err="1"/>
+              <a:t>motores</a:t>
+            </a:r>
+            <a:endParaRPr lang="es-CR" dirty="0"/>
+          </a:p>
+        </p:txBody>
+      </p:sp>
+      <p:sp>
+        <p:nvSpPr>
+          <p:cNvPr id="3" name="Content Placeholder 2">
+            <a:extLst>
+              <a:ext uri="{FF2B5EF4-FFF2-40B4-BE49-F238E27FC236}">
+                <a16:creationId xmlns:a16="http://schemas.microsoft.com/office/drawing/2014/main" id="{AB86B88E-9FCF-40CD-A80D-BB43197116B3}"/>
+              </a:ext>
+            </a:extLst>
+          </p:cNvPr>
+          <p:cNvSpPr>
+            <a:spLocks noGrp="1"/>
+          </p:cNvSpPr>
+          <p:nvPr>
+            <p:ph idx="1"/>
+          </p:nvPr>
+        </p:nvSpPr>
+        <p:spPr>
+          <a:xfrm>
+            <a:off x="1218883" y="1981200"/>
+            <a:ext cx="10360501" cy="1295400"/>
+          </a:xfrm>
+        </p:spPr>
+        <p:txBody>
+          <a:bodyPr>
+            <a:normAutofit/>
+          </a:bodyPr>
+          <a:lstStyle/>
+          <a:p>
+            <a:r>
+              <a:rPr lang="en-US" dirty="0"/>
+              <a:t>Sensor </a:t>
+            </a:r>
+            <a:r>
+              <a:rPr lang="en-US" dirty="0" err="1"/>
+              <a:t>Ultrasónico</a:t>
+            </a:r>
+            <a:r>
+              <a:rPr lang="en-US" dirty="0"/>
+              <a:t> HC-SR04</a:t>
+            </a:r>
+          </a:p>
+          <a:p>
+            <a:r>
+              <a:rPr lang="en-US" dirty="0" err="1"/>
+              <a:t>Módulo</a:t>
+            </a:r>
+            <a:r>
+              <a:rPr lang="en-US" dirty="0"/>
+              <a:t> Driver L298</a:t>
+            </a:r>
+          </a:p>
+          <a:p>
+            <a:endParaRPr lang="es-CR" dirty="0"/>
+          </a:p>
+        </p:txBody>
+      </p:sp>
+      <p:pic>
+        <p:nvPicPr>
+          <p:cNvPr id="1028" name="Picture 4" descr="Resultado de imagen para sensor ultrasonico hc-sr04">
+            <a:extLst>
+              <a:ext uri="{FF2B5EF4-FFF2-40B4-BE49-F238E27FC236}">
+                <a16:creationId xmlns:a16="http://schemas.microsoft.com/office/drawing/2014/main" id="{AD48F4B3-3A86-4E62-BB20-1E8288B06A29}"/>
+              </a:ext>
+            </a:extLst>
+          </p:cNvPr>
+          <p:cNvPicPr>
+            <a:picLocks noChangeAspect="1" noChangeArrowheads="1"/>
+          </p:cNvPicPr>
+          <p:nvPr/>
+        </p:nvPicPr>
+        <p:blipFill>
+          <a:blip r:embed="rId2">
+            <a:extLst>
+              <a:ext uri="{28A0092B-C50C-407E-A947-70E740481C1C}">
+                <a14:useLocalDpi xmlns:a14="http://schemas.microsoft.com/office/drawing/2010/main" val="0"/>
+              </a:ext>
+            </a:extLst>
+          </a:blip>
+          <a:srcRect/>
+          <a:stretch>
+            <a:fillRect/>
+          </a:stretch>
+        </p:blipFill>
+        <p:spPr bwMode="auto">
+          <a:xfrm>
+            <a:off x="7237412" y="1843088"/>
+            <a:ext cx="3171824" cy="3171824"/>
+          </a:xfrm>
+          <a:prstGeom prst="rect">
+            <a:avLst/>
+          </a:prstGeom>
+          <a:noFill/>
+          <a:extLst>
+            <a:ext uri="{909E8E84-426E-40DD-AFC4-6F175D3DCCD1}">
+              <a14:hiddenFill xmlns:a14="http://schemas.microsoft.com/office/drawing/2010/main">
+                <a:solidFill>
+                  <a:srgbClr val="FFFFFF"/>
+                </a:solidFill>
+              </a14:hiddenFill>
+            </a:ext>
+          </a:extLst>
+        </p:spPr>
+      </p:pic>
+      <p:pic>
+        <p:nvPicPr>
+          <p:cNvPr id="1030" name="Picture 6" descr="Resultado de imagen para l298">
+            <a:extLst>
+              <a:ext uri="{FF2B5EF4-FFF2-40B4-BE49-F238E27FC236}">
+                <a16:creationId xmlns:a16="http://schemas.microsoft.com/office/drawing/2014/main" id="{FD30A832-880F-4A46-8B17-113B9FBAAC9B}"/>
+              </a:ext>
+            </a:extLst>
+          </p:cNvPr>
+          <p:cNvPicPr>
+            <a:picLocks noChangeAspect="1" noChangeArrowheads="1"/>
+          </p:cNvPicPr>
+          <p:nvPr/>
+        </p:nvPicPr>
+        <p:blipFill>
+          <a:blip r:embed="rId3" cstate="print">
+            <a:extLst>
+              <a:ext uri="{28A0092B-C50C-407E-A947-70E740481C1C}">
+                <a14:useLocalDpi xmlns:a14="http://schemas.microsoft.com/office/drawing/2010/main" val="0"/>
+              </a:ext>
+            </a:extLst>
+          </a:blip>
+          <a:srcRect/>
+          <a:stretch>
+            <a:fillRect/>
+          </a:stretch>
+        </p:blipFill>
+        <p:spPr bwMode="auto">
+          <a:xfrm>
+            <a:off x="2284412" y="3429000"/>
+            <a:ext cx="3061855" cy="3061855"/>
+          </a:xfrm>
+          <a:prstGeom prst="rect">
+            <a:avLst/>
+          </a:prstGeom>
+          <a:noFill/>
+          <a:extLst>
+            <a:ext uri="{909E8E84-426E-40DD-AFC4-6F175D3DCCD1}">
+              <a14:hiddenFill xmlns:a14="http://schemas.microsoft.com/office/drawing/2010/main">
+                <a:solidFill>
+                  <a:srgbClr val="FFFFFF"/>
+                </a:solidFill>
+              </a14:hiddenFill>
+            </a:ext>
+          </a:extLst>
+        </p:spPr>
+      </p:pic>
+    </p:spTree>
+    <p:extLst>
+      <p:ext uri="{BB962C8B-B14F-4D97-AF65-F5344CB8AC3E}">
+        <p14:creationId xmlns:p14="http://schemas.microsoft.com/office/powerpoint/2010/main" val="1453214578"/>
+      </p:ext>
+    </p:extLst>
+  </p:cSld>
+  <p:clrMapOvr>
+    <a:masterClrMapping/>
+  </p:clrMapOvr>
+  <mc:AlternateContent xmlns:mc="http://schemas.openxmlformats.org/markup-compatibility/2006" xmlns:p14="http://schemas.microsoft.com/office/powerpoint/2010/main">
+    <mc:Choice Requires="p14">
+      <p:transition spd="med" p14:dur="700">
+        <p:fade/>
+      </p:transition>
+    </mc:Choice>
+    <mc:Fallback xmlns="">
+      <p:transition spd="med">
+        <p:fade/>
+      </p:transition>
+    </mc:Fallback>
+  </mc:AlternateContent>
+</p:sld>
+</file>
+
+<file path=ppt/slides/slide11.xml><?xml version="1.0" encoding="utf-8"?>
+<p:sld xmlns:a="http://schemas.openxmlformats.org/drawingml/2006/main" xmlns:r="http://schemas.openxmlformats.org/officeDocument/2006/relationships" xmlns:p="http://schemas.openxmlformats.org/presentationml/2006/main">
+  <p:cSld>
+    <p:spTree>
+      <p:nvGrpSpPr>
+        <p:cNvPr id="1" name=""/>
+        <p:cNvGrpSpPr/>
+        <p:nvPr/>
+      </p:nvGrpSpPr>
+      <p:grpSpPr>
+        <a:xfrm>
+          <a:off x="0" y="0"/>
+          <a:ext cx="0" cy="0"/>
+          <a:chOff x="0" y="0"/>
+          <a:chExt cx="0" cy="0"/>
+        </a:xfrm>
+      </p:grpSpPr>
+      <p:pic>
+        <p:nvPicPr>
+          <p:cNvPr id="4" name="Picture 3">
+            <a:extLst>
+              <a:ext uri="{FF2B5EF4-FFF2-40B4-BE49-F238E27FC236}">
+                <a16:creationId xmlns:a16="http://schemas.microsoft.com/office/drawing/2014/main" id="{C89469C3-A7A1-4CBF-913C-364D973A82D7}"/>
+              </a:ext>
+            </a:extLst>
+          </p:cNvPr>
+          <p:cNvPicPr>
+            <a:picLocks noChangeAspect="1"/>
+          </p:cNvPicPr>
+          <p:nvPr/>
+        </p:nvPicPr>
+        <p:blipFill>
+          <a:blip r:embed="rId2"/>
+          <a:stretch>
+            <a:fillRect/>
+          </a:stretch>
+        </p:blipFill>
+        <p:spPr>
+          <a:xfrm>
+            <a:off x="1141412" y="381000"/>
+            <a:ext cx="7059706" cy="2800350"/>
+          </a:xfrm>
+          <a:prstGeom prst="rect">
+            <a:avLst/>
+          </a:prstGeom>
+        </p:spPr>
+      </p:pic>
+      <p:pic>
+        <p:nvPicPr>
+          <p:cNvPr id="6" name="Picture 2" descr="Resultado de imagen para l298">
+            <a:extLst>
+              <a:ext uri="{FF2B5EF4-FFF2-40B4-BE49-F238E27FC236}">
+                <a16:creationId xmlns:a16="http://schemas.microsoft.com/office/drawing/2014/main" id="{C646D9CD-6C74-44C1-90CB-1EE8FDB6BA15}"/>
+              </a:ext>
+            </a:extLst>
+          </p:cNvPr>
+          <p:cNvPicPr>
+            <a:picLocks noChangeAspect="1" noChangeArrowheads="1"/>
+          </p:cNvPicPr>
+          <p:nvPr/>
+        </p:nvPicPr>
+        <p:blipFill>
+          <a:blip r:embed="rId3">
+            <a:extLst>
+              <a:ext uri="{28A0092B-C50C-407E-A947-70E740481C1C}">
+                <a14:useLocalDpi xmlns:a14="http://schemas.microsoft.com/office/drawing/2010/main" val="0"/>
+              </a:ext>
+            </a:extLst>
+          </a:blip>
+          <a:srcRect/>
+          <a:stretch>
+            <a:fillRect/>
+          </a:stretch>
+        </p:blipFill>
+        <p:spPr bwMode="auto">
+          <a:xfrm>
+            <a:off x="6475412" y="2061151"/>
+            <a:ext cx="4762500" cy="4238625"/>
+          </a:xfrm>
+          <a:prstGeom prst="rect">
+            <a:avLst/>
+          </a:prstGeom>
+          <a:noFill/>
+          <a:extLst>
+            <a:ext uri="{909E8E84-426E-40DD-AFC4-6F175D3DCCD1}">
+              <a14:hiddenFill xmlns:a14="http://schemas.microsoft.com/office/drawing/2010/main">
+                <a:solidFill>
+                  <a:srgbClr val="FFFFFF"/>
+                </a:solidFill>
+              </a14:hiddenFill>
+            </a:ext>
+          </a:extLst>
+        </p:spPr>
+      </p:pic>
+    </p:spTree>
+    <p:extLst>
+      <p:ext uri="{BB962C8B-B14F-4D97-AF65-F5344CB8AC3E}">
+        <p14:creationId xmlns:p14="http://schemas.microsoft.com/office/powerpoint/2010/main" val="2946324565"/>
+      </p:ext>
+    </p:extLst>
+  </p:cSld>
+  <p:clrMapOvr>
+    <a:masterClrMapping/>
+  </p:clrMapOvr>
+  <mc:AlternateContent xmlns:mc="http://schemas.openxmlformats.org/markup-compatibility/2006" xmlns:p14="http://schemas.microsoft.com/office/powerpoint/2010/main">
+    <mc:Choice Requires="p14">
+      <p:transition spd="med" p14:dur="700">
+        <p:fade/>
+      </p:transition>
+    </mc:Choice>
+    <mc:Fallback xmlns="">
+      <p:transition spd="med">
+        <p:fade/>
+      </p:transition>
+    </mc:Fallback>
+  </mc:AlternateContent>
+</p:sld>
+</file>
+
+<file path=ppt/slides/slide12.xml><?xml version="1.0" encoding="utf-8"?>
+<p:sld xmlns:a="http://schemas.openxmlformats.org/drawingml/2006/main" xmlns:r="http://schemas.openxmlformats.org/officeDocument/2006/relationships" xmlns:p="http://schemas.openxmlformats.org/presentationml/2006/main">
+  <p:cSld>
+    <p:spTree>
+      <p:nvGrpSpPr>
+        <p:cNvPr id="1" name=""/>
+        <p:cNvGrpSpPr/>
+        <p:nvPr/>
+      </p:nvGrpSpPr>
+      <p:grpSpPr>
+        <a:xfrm>
+          <a:off x="0" y="0"/>
+          <a:ext cx="0" cy="0"/>
+          <a:chOff x="0" y="0"/>
+          <a:chExt cx="0" cy="0"/>
+        </a:xfrm>
+      </p:grpSpPr>
+      <p:sp>
+        <p:nvSpPr>
+          <p:cNvPr id="2" name="Title 1">
+            <a:extLst>
+              <a:ext uri="{FF2B5EF4-FFF2-40B4-BE49-F238E27FC236}">
+                <a16:creationId xmlns:a16="http://schemas.microsoft.com/office/drawing/2014/main" id="{77E2FA4E-403B-446B-A73D-9FCE85CD1C54}"/>
+              </a:ext>
+            </a:extLst>
+          </p:cNvPr>
+          <p:cNvSpPr>
+            <a:spLocks noGrp="1"/>
+          </p:cNvSpPr>
+          <p:nvPr>
+            <p:ph type="title"/>
+          </p:nvPr>
+        </p:nvSpPr>
+        <p:spPr/>
+        <p:txBody>
+          <a:bodyPr/>
+          <a:lstStyle/>
+          <a:p>
+            <a:r>
+              <a:rPr lang="es-CR" dirty="0"/>
+              <a:t>Monitoreo de condiciones Ambientales </a:t>
+            </a:r>
+          </a:p>
+        </p:txBody>
+      </p:sp>
+      <p:sp>
+        <p:nvSpPr>
+          <p:cNvPr id="3" name="Content Placeholder 2">
+            <a:extLst>
+              <a:ext uri="{FF2B5EF4-FFF2-40B4-BE49-F238E27FC236}">
+                <a16:creationId xmlns:a16="http://schemas.microsoft.com/office/drawing/2014/main" id="{24B5D7BA-B6ED-4C2A-AAA4-281C1E3FE289}"/>
+              </a:ext>
+            </a:extLst>
+          </p:cNvPr>
+          <p:cNvSpPr>
+            <a:spLocks noGrp="1"/>
+          </p:cNvSpPr>
+          <p:nvPr>
+            <p:ph idx="1"/>
+          </p:nvPr>
+        </p:nvSpPr>
+        <p:spPr>
+          <a:xfrm>
+            <a:off x="6480371" y="1854198"/>
+            <a:ext cx="2970529" cy="3048004"/>
+          </a:xfrm>
+        </p:spPr>
+        <p:txBody>
+          <a:bodyPr/>
+          <a:lstStyle/>
+          <a:p>
+            <a:r>
+              <a:rPr lang="es-CR" dirty="0"/>
+              <a:t>Sensor DTH22</a:t>
+            </a:r>
+          </a:p>
+          <a:p>
+            <a:endParaRPr lang="es-CR" dirty="0"/>
+          </a:p>
+        </p:txBody>
+      </p:sp>
+      <p:pic>
+        <p:nvPicPr>
+          <p:cNvPr id="4" name="Picture 3">
+            <a:extLst>
+              <a:ext uri="{FF2B5EF4-FFF2-40B4-BE49-F238E27FC236}">
+                <a16:creationId xmlns:a16="http://schemas.microsoft.com/office/drawing/2014/main" id="{42A048BA-86B3-498C-8DD9-D9F120C26C13}"/>
+              </a:ext>
+            </a:extLst>
+          </p:cNvPr>
+          <p:cNvPicPr>
+            <a:picLocks noChangeAspect="1"/>
+          </p:cNvPicPr>
+          <p:nvPr/>
+        </p:nvPicPr>
+        <p:blipFill>
+          <a:blip r:embed="rId2"/>
+          <a:stretch>
+            <a:fillRect/>
+          </a:stretch>
+        </p:blipFill>
+        <p:spPr>
+          <a:xfrm>
+            <a:off x="1468871" y="2444494"/>
+            <a:ext cx="2538108" cy="2159495"/>
+          </a:xfrm>
+          <a:prstGeom prst="rect">
+            <a:avLst/>
+          </a:prstGeom>
+        </p:spPr>
+      </p:pic>
+      <p:sp>
+        <p:nvSpPr>
+          <p:cNvPr id="5" name="Content Placeholder 2">
+            <a:extLst>
+              <a:ext uri="{FF2B5EF4-FFF2-40B4-BE49-F238E27FC236}">
+                <a16:creationId xmlns:a16="http://schemas.microsoft.com/office/drawing/2014/main" id="{1BEA1432-AEC1-4F8D-B1DC-F21649C21E56}"/>
+              </a:ext>
+            </a:extLst>
+          </p:cNvPr>
+          <p:cNvSpPr txBox="1">
+            <a:spLocks/>
+          </p:cNvSpPr>
+          <p:nvPr/>
+        </p:nvSpPr>
+        <p:spPr>
+          <a:xfrm>
+            <a:off x="1371283" y="1854197"/>
+            <a:ext cx="2970529" cy="2946403"/>
+          </a:xfrm>
+          <a:prstGeom prst="rect">
+            <a:avLst/>
+          </a:prstGeom>
+        </p:spPr>
+        <p:txBody>
+          <a:bodyPr vert="horz" lIns="121899" tIns="60949" rIns="121899" bIns="60949" rtlCol="0">
+            <a:normAutofit/>
+          </a:bodyPr>
+          <a:lstStyle>
+            <a:lvl1pPr marL="304747" indent="-304747" algn="l" defTabSz="1218987" rtl="0" eaLnBrk="1" latinLnBrk="0" hangingPunct="1">
+              <a:lnSpc>
+                <a:spcPct val="90000"/>
+              </a:lnSpc>
+              <a:spcBef>
+                <a:spcPts val="1600"/>
+              </a:spcBef>
+              <a:buClr>
+                <a:schemeClr val="accent1"/>
+              </a:buClr>
+              <a:buSzPct val="100000"/>
+              <a:buFont typeface="Arial" pitchFamily="34" charset="0"/>
+              <a:buChar char="•"/>
+              <a:defRPr sz="2800" kern="1200">
+                <a:solidFill>
+                  <a:schemeClr val="tx1"/>
+                </a:solidFill>
+                <a:latin typeface="+mn-lt"/>
+                <a:ea typeface="+mn-ea"/>
+                <a:cs typeface="+mn-cs"/>
+              </a:defRPr>
+            </a:lvl1pPr>
+            <a:lvl2pPr marL="609493" indent="-231607" algn="l" defTabSz="1218987" rtl="0" eaLnBrk="1" latinLnBrk="0" hangingPunct="1">
+              <a:lnSpc>
+                <a:spcPct val="90000"/>
+              </a:lnSpc>
+              <a:spcBef>
+                <a:spcPts val="800"/>
+              </a:spcBef>
+              <a:buClr>
+                <a:schemeClr val="accent1"/>
+              </a:buClr>
+              <a:buSzPct val="80000"/>
+              <a:buFont typeface="Arial" pitchFamily="34" charset="0"/>
+              <a:buChar char="•"/>
+              <a:defRPr sz="2400" kern="1200">
+                <a:solidFill>
+                  <a:schemeClr val="tx1"/>
+                </a:solidFill>
+                <a:latin typeface="+mn-lt"/>
+                <a:ea typeface="+mn-ea"/>
+                <a:cs typeface="+mn-cs"/>
+              </a:defRPr>
+            </a:lvl2pPr>
+            <a:lvl3pPr marL="914240" indent="-231607" algn="l" defTabSz="1218987" rtl="0" eaLnBrk="1" latinLnBrk="0" hangingPunct="1">
+              <a:lnSpc>
+                <a:spcPct val="90000"/>
+              </a:lnSpc>
+              <a:spcBef>
+                <a:spcPts val="800"/>
+              </a:spcBef>
+              <a:buClr>
+                <a:schemeClr val="accent1"/>
+              </a:buClr>
+              <a:buSzPct val="80000"/>
+              <a:buFont typeface="Arial" pitchFamily="34" charset="0"/>
+              <a:buChar char="•"/>
+              <a:defRPr sz="2000" kern="1200">
+                <a:solidFill>
+                  <a:schemeClr val="tx1"/>
+                </a:solidFill>
+                <a:latin typeface="+mn-lt"/>
+                <a:ea typeface="+mn-ea"/>
+                <a:cs typeface="+mn-cs"/>
+              </a:defRPr>
+            </a:lvl3pPr>
+            <a:lvl4pPr marL="1218987" indent="-231607" algn="l" defTabSz="1218987" rtl="0" eaLnBrk="1" latinLnBrk="0" hangingPunct="1">
+              <a:lnSpc>
+                <a:spcPct val="90000"/>
+              </a:lnSpc>
+              <a:spcBef>
+                <a:spcPts val="800"/>
+              </a:spcBef>
+              <a:buClr>
+                <a:schemeClr val="accent1"/>
+              </a:buClr>
+              <a:buSzPct val="80000"/>
+              <a:buFont typeface="Arial" pitchFamily="34" charset="0"/>
+              <a:buChar char="•"/>
+              <a:defRPr sz="2000" kern="1200">
+                <a:solidFill>
+                  <a:schemeClr val="tx1"/>
+                </a:solidFill>
+                <a:latin typeface="+mn-lt"/>
+                <a:ea typeface="+mn-ea"/>
+                <a:cs typeface="+mn-cs"/>
+              </a:defRPr>
+            </a:lvl4pPr>
+            <a:lvl5pPr marL="1523733" indent="-231607" algn="l" defTabSz="1218987" rtl="0" eaLnBrk="1" latinLnBrk="0" hangingPunct="1">
+              <a:lnSpc>
+                <a:spcPct val="90000"/>
+              </a:lnSpc>
+              <a:spcBef>
+                <a:spcPts val="800"/>
+              </a:spcBef>
+              <a:buClr>
+                <a:schemeClr val="accent1"/>
+              </a:buClr>
+              <a:buSzPct val="80000"/>
+              <a:buFont typeface="Arial" pitchFamily="34" charset="0"/>
+              <a:buChar char="•"/>
+              <a:defRPr sz="2000" kern="1200">
+                <a:solidFill>
+                  <a:schemeClr val="tx1"/>
+                </a:solidFill>
+                <a:latin typeface="+mn-lt"/>
+                <a:ea typeface="+mn-ea"/>
+                <a:cs typeface="+mn-cs"/>
+              </a:defRPr>
+            </a:lvl5pPr>
+            <a:lvl6pPr marL="1828480" indent="-231607" algn="l" defTabSz="1218987" rtl="0" eaLnBrk="1" latinLnBrk="0" hangingPunct="1">
+              <a:lnSpc>
+                <a:spcPct val="90000"/>
+              </a:lnSpc>
+              <a:spcBef>
+                <a:spcPts val="800"/>
+              </a:spcBef>
+              <a:buClr>
+                <a:schemeClr val="accent1"/>
+              </a:buClr>
+              <a:buSzPct val="80000"/>
+              <a:buFont typeface="Arial" pitchFamily="34" charset="0"/>
+              <a:buChar char="•"/>
+              <a:defRPr sz="2000" kern="1200">
+                <a:solidFill>
+                  <a:schemeClr val="tx1"/>
+                </a:solidFill>
+                <a:latin typeface="+mn-lt"/>
+                <a:ea typeface="+mn-ea"/>
+                <a:cs typeface="+mn-cs"/>
+              </a:defRPr>
+            </a:lvl6pPr>
+            <a:lvl7pPr marL="2133227" indent="-231607" algn="l" defTabSz="1218987" rtl="0" eaLnBrk="1" latinLnBrk="0" hangingPunct="1">
+              <a:lnSpc>
+                <a:spcPct val="90000"/>
+              </a:lnSpc>
+              <a:spcBef>
+                <a:spcPts val="800"/>
+              </a:spcBef>
+              <a:buClr>
+                <a:schemeClr val="accent1"/>
+              </a:buClr>
+              <a:buSzPct val="80000"/>
+              <a:buFont typeface="Arial" pitchFamily="34" charset="0"/>
+              <a:buChar char="•"/>
+              <a:defRPr sz="2000" kern="1200">
+                <a:solidFill>
+                  <a:schemeClr val="tx1"/>
+                </a:solidFill>
+                <a:latin typeface="+mn-lt"/>
+                <a:ea typeface="+mn-ea"/>
+                <a:cs typeface="+mn-cs"/>
+              </a:defRPr>
+            </a:lvl7pPr>
+            <a:lvl8pPr marL="2437973" indent="-231607" algn="l" defTabSz="1218987" rtl="0" eaLnBrk="1" latinLnBrk="0" hangingPunct="1">
+              <a:lnSpc>
+                <a:spcPct val="90000"/>
+              </a:lnSpc>
+              <a:spcBef>
+                <a:spcPts val="800"/>
+              </a:spcBef>
+              <a:buClr>
+                <a:schemeClr val="accent1"/>
+              </a:buClr>
+              <a:buSzPct val="80000"/>
+              <a:buFont typeface="Arial" pitchFamily="34" charset="0"/>
+              <a:buChar char="•"/>
+              <a:defRPr sz="2000" kern="1200" baseline="0">
+                <a:solidFill>
+                  <a:schemeClr val="tx1"/>
+                </a:solidFill>
+                <a:latin typeface="+mn-lt"/>
+                <a:ea typeface="+mn-ea"/>
+                <a:cs typeface="+mn-cs"/>
+              </a:defRPr>
+            </a:lvl8pPr>
+            <a:lvl9pPr marL="2742720" indent="-231607" algn="l" defTabSz="1218987" rtl="0" eaLnBrk="1" latinLnBrk="0" hangingPunct="1">
+              <a:lnSpc>
+                <a:spcPct val="90000"/>
+              </a:lnSpc>
+              <a:spcBef>
+                <a:spcPts val="800"/>
+              </a:spcBef>
+              <a:buClr>
+                <a:schemeClr val="accent1"/>
+              </a:buClr>
+              <a:buSzPct val="80000"/>
+              <a:buFont typeface="Arial" pitchFamily="34" charset="0"/>
+              <a:buChar char="•"/>
+              <a:defRPr sz="2000" kern="1200" baseline="0">
+                <a:solidFill>
+                  <a:schemeClr val="tx1"/>
+                </a:solidFill>
+                <a:latin typeface="+mn-lt"/>
+                <a:ea typeface="+mn-ea"/>
+                <a:cs typeface="+mn-cs"/>
+              </a:defRPr>
+            </a:lvl9pPr>
+          </a:lstStyle>
+          <a:p>
+            <a:r>
+              <a:rPr lang="es-CR" dirty="0"/>
+              <a:t>Sensor MQ-2</a:t>
+            </a:r>
+          </a:p>
+          <a:p>
+            <a:endParaRPr lang="es-CR" dirty="0"/>
+          </a:p>
+        </p:txBody>
+      </p:sp>
+      <p:pic>
+        <p:nvPicPr>
+          <p:cNvPr id="7" name="Picture 6">
+            <a:extLst>
+              <a:ext uri="{FF2B5EF4-FFF2-40B4-BE49-F238E27FC236}">
+                <a16:creationId xmlns:a16="http://schemas.microsoft.com/office/drawing/2014/main" id="{A668C1E4-EBAD-4D51-99E9-37BE1739C429}"/>
+              </a:ext>
+            </a:extLst>
+          </p:cNvPr>
+          <p:cNvPicPr>
+            <a:picLocks noChangeAspect="1"/>
+          </p:cNvPicPr>
+          <p:nvPr/>
+        </p:nvPicPr>
+        <p:blipFill>
+          <a:blip r:embed="rId3"/>
+          <a:stretch>
+            <a:fillRect/>
+          </a:stretch>
+        </p:blipFill>
+        <p:spPr>
+          <a:xfrm>
+            <a:off x="6879105" y="2492202"/>
+            <a:ext cx="2173060" cy="2138291"/>
+          </a:xfrm>
+          <a:prstGeom prst="rect">
+            <a:avLst/>
+          </a:prstGeom>
+        </p:spPr>
+      </p:pic>
+    </p:spTree>
+    <p:extLst>
+      <p:ext uri="{BB962C8B-B14F-4D97-AF65-F5344CB8AC3E}">
+        <p14:creationId xmlns:p14="http://schemas.microsoft.com/office/powerpoint/2010/main" val="4235629512"/>
+      </p:ext>
+    </p:extLst>
+  </p:cSld>
+  <p:clrMapOvr>
+    <a:masterClrMapping/>
+  </p:clrMapOvr>
+  <mc:AlternateContent xmlns:mc="http://schemas.openxmlformats.org/markup-compatibility/2006" xmlns:p14="http://schemas.microsoft.com/office/powerpoint/2010/main">
+    <mc:Choice Requires="p14">
+      <p:transition spd="med" p14:dur="700">
+        <p:fade/>
+      </p:transition>
+    </mc:Choice>
+    <mc:Fallback xmlns="">
+      <p:transition spd="med">
+        <p:fade/>
+      </p:transition>
+    </mc:Fallback>
+  </mc:AlternateContent>
+</p:sld>
+</file>
+
+<file path=ppt/slides/slide13.xml><?xml version="1.0" encoding="utf-8"?>
+<p:sld xmlns:a="http://schemas.openxmlformats.org/drawingml/2006/main" xmlns:r="http://schemas.openxmlformats.org/officeDocument/2006/relationships" xmlns:p="http://schemas.openxmlformats.org/presentationml/2006/main">
+  <p:cSld>
+    <p:spTree>
+      <p:nvGrpSpPr>
+        <p:cNvPr id="1" name=""/>
+        <p:cNvGrpSpPr/>
+        <p:nvPr/>
+      </p:nvGrpSpPr>
+      <p:grpSpPr>
+        <a:xfrm>
+          <a:off x="0" y="0"/>
+          <a:ext cx="0" cy="0"/>
+          <a:chOff x="0" y="0"/>
+          <a:chExt cx="0" cy="0"/>
+        </a:xfrm>
+      </p:grpSpPr>
+      <p:sp>
+        <p:nvSpPr>
+          <p:cNvPr id="2" name="Title 1">
+            <a:extLst>
+              <a:ext uri="{FF2B5EF4-FFF2-40B4-BE49-F238E27FC236}">
+                <a16:creationId xmlns:a16="http://schemas.microsoft.com/office/drawing/2014/main" id="{06BBD028-B73A-424D-B5CE-8F1F5C0404A0}"/>
+              </a:ext>
+            </a:extLst>
+          </p:cNvPr>
+          <p:cNvSpPr>
+            <a:spLocks noGrp="1"/>
+          </p:cNvSpPr>
+          <p:nvPr>
+            <p:ph type="title"/>
+          </p:nvPr>
+        </p:nvSpPr>
+        <p:spPr/>
+        <p:txBody>
+          <a:bodyPr/>
+          <a:lstStyle/>
+          <a:p>
+            <a:r>
+              <a:rPr lang="es-CR" dirty="0"/>
+              <a:t>Monitoreo de condiciones Ambientales </a:t>
+            </a:r>
+          </a:p>
+        </p:txBody>
+      </p:sp>
+      <p:sp>
+        <p:nvSpPr>
+          <p:cNvPr id="3" name="Content Placeholder 2">
+            <a:extLst>
+              <a:ext uri="{FF2B5EF4-FFF2-40B4-BE49-F238E27FC236}">
+                <a16:creationId xmlns:a16="http://schemas.microsoft.com/office/drawing/2014/main" id="{3C06A2F6-F9C8-438E-9043-25302862CB10}"/>
+              </a:ext>
+            </a:extLst>
+          </p:cNvPr>
+          <p:cNvSpPr>
+            <a:spLocks noGrp="1"/>
+          </p:cNvSpPr>
+          <p:nvPr>
+            <p:ph idx="1"/>
+          </p:nvPr>
+        </p:nvSpPr>
+        <p:spPr>
+          <a:xfrm>
+            <a:off x="1218883" y="1701797"/>
+            <a:ext cx="5942329" cy="4394203"/>
+          </a:xfrm>
+        </p:spPr>
+        <p:txBody>
+          <a:bodyPr/>
+          <a:lstStyle/>
+          <a:p>
+            <a:r>
+              <a:rPr lang="es-CR" dirty="0"/>
+              <a:t>Microcontrolador ES8266 NodeMCU</a:t>
+            </a:r>
+          </a:p>
+        </p:txBody>
+      </p:sp>
+      <p:pic>
+        <p:nvPicPr>
+          <p:cNvPr id="4" name="Picture 3">
+            <a:extLst>
+              <a:ext uri="{FF2B5EF4-FFF2-40B4-BE49-F238E27FC236}">
+                <a16:creationId xmlns:a16="http://schemas.microsoft.com/office/drawing/2014/main" id="{F9D2ADE9-1FCB-4F3B-AA4E-0DC44745EFC7}"/>
+              </a:ext>
+            </a:extLst>
+          </p:cNvPr>
+          <p:cNvPicPr>
+            <a:picLocks noChangeAspect="1"/>
+          </p:cNvPicPr>
+          <p:nvPr/>
+        </p:nvPicPr>
+        <p:blipFill>
+          <a:blip r:embed="rId2"/>
+          <a:stretch>
+            <a:fillRect/>
+          </a:stretch>
+        </p:blipFill>
+        <p:spPr>
+          <a:xfrm>
+            <a:off x="1808083" y="2318445"/>
+            <a:ext cx="4591050" cy="3228975"/>
+          </a:xfrm>
+          <a:prstGeom prst="rect">
+            <a:avLst/>
+          </a:prstGeom>
+        </p:spPr>
+      </p:pic>
+      <p:sp>
+        <p:nvSpPr>
+          <p:cNvPr id="6" name="Content Placeholder 2">
+            <a:extLst>
+              <a:ext uri="{FF2B5EF4-FFF2-40B4-BE49-F238E27FC236}">
+                <a16:creationId xmlns:a16="http://schemas.microsoft.com/office/drawing/2014/main" id="{73F9AD4E-5114-49E0-80E3-49A708263ECD}"/>
+              </a:ext>
+            </a:extLst>
+          </p:cNvPr>
+          <p:cNvSpPr txBox="1">
+            <a:spLocks/>
+          </p:cNvSpPr>
+          <p:nvPr/>
+        </p:nvSpPr>
+        <p:spPr>
+          <a:xfrm>
+            <a:off x="7313612" y="2318445"/>
+            <a:ext cx="2948926" cy="2946403"/>
+          </a:xfrm>
+          <a:prstGeom prst="rect">
+            <a:avLst/>
+          </a:prstGeom>
+        </p:spPr>
+        <p:txBody>
+          <a:bodyPr vert="horz" lIns="121899" tIns="60949" rIns="121899" bIns="60949" rtlCol="0">
+            <a:normAutofit/>
+          </a:bodyPr>
+          <a:lstStyle>
+            <a:lvl1pPr marL="304747" indent="-304747" algn="l" defTabSz="1218987" rtl="0" eaLnBrk="1" latinLnBrk="0" hangingPunct="1">
+              <a:lnSpc>
+                <a:spcPct val="90000"/>
+              </a:lnSpc>
+              <a:spcBef>
+                <a:spcPts val="1600"/>
+              </a:spcBef>
+              <a:buClr>
+                <a:schemeClr val="accent1"/>
+              </a:buClr>
+              <a:buSzPct val="100000"/>
+              <a:buFont typeface="Arial" pitchFamily="34" charset="0"/>
+              <a:buChar char="•"/>
+              <a:defRPr sz="2800" kern="1200">
+                <a:solidFill>
+                  <a:schemeClr val="tx1"/>
+                </a:solidFill>
+                <a:latin typeface="+mn-lt"/>
+                <a:ea typeface="+mn-ea"/>
+                <a:cs typeface="+mn-cs"/>
+              </a:defRPr>
+            </a:lvl1pPr>
+            <a:lvl2pPr marL="609493" indent="-231607" algn="l" defTabSz="1218987" rtl="0" eaLnBrk="1" latinLnBrk="0" hangingPunct="1">
+              <a:lnSpc>
+                <a:spcPct val="90000"/>
+              </a:lnSpc>
+              <a:spcBef>
+                <a:spcPts val="800"/>
+              </a:spcBef>
+              <a:buClr>
+                <a:schemeClr val="accent1"/>
+              </a:buClr>
+              <a:buSzPct val="80000"/>
+              <a:buFont typeface="Arial" pitchFamily="34" charset="0"/>
+              <a:buChar char="•"/>
+              <a:defRPr sz="2400" kern="1200">
+                <a:solidFill>
+                  <a:schemeClr val="tx1"/>
+                </a:solidFill>
+                <a:latin typeface="+mn-lt"/>
+                <a:ea typeface="+mn-ea"/>
+                <a:cs typeface="+mn-cs"/>
+              </a:defRPr>
+            </a:lvl2pPr>
+            <a:lvl3pPr marL="914240" indent="-231607" algn="l" defTabSz="1218987" rtl="0" eaLnBrk="1" latinLnBrk="0" hangingPunct="1">
+              <a:lnSpc>
+                <a:spcPct val="90000"/>
+              </a:lnSpc>
+              <a:spcBef>
+                <a:spcPts val="800"/>
+              </a:spcBef>
+              <a:buClr>
+                <a:schemeClr val="accent1"/>
+              </a:buClr>
+              <a:buSzPct val="80000"/>
+              <a:buFont typeface="Arial" pitchFamily="34" charset="0"/>
+              <a:buChar char="•"/>
+              <a:defRPr sz="2000" kern="1200">
+                <a:solidFill>
+                  <a:schemeClr val="tx1"/>
+                </a:solidFill>
+                <a:latin typeface="+mn-lt"/>
+                <a:ea typeface="+mn-ea"/>
+                <a:cs typeface="+mn-cs"/>
+              </a:defRPr>
+            </a:lvl3pPr>
+            <a:lvl4pPr marL="1218987" indent="-231607" algn="l" defTabSz="1218987" rtl="0" eaLnBrk="1" latinLnBrk="0" hangingPunct="1">
+              <a:lnSpc>
+                <a:spcPct val="90000"/>
+              </a:lnSpc>
+              <a:spcBef>
+                <a:spcPts val="800"/>
+              </a:spcBef>
+              <a:buClr>
+                <a:schemeClr val="accent1"/>
+              </a:buClr>
+              <a:buSzPct val="80000"/>
+              <a:buFont typeface="Arial" pitchFamily="34" charset="0"/>
+              <a:buChar char="•"/>
+              <a:defRPr sz="2000" kern="1200">
+                <a:solidFill>
+                  <a:schemeClr val="tx1"/>
+                </a:solidFill>
+                <a:latin typeface="+mn-lt"/>
+                <a:ea typeface="+mn-ea"/>
+                <a:cs typeface="+mn-cs"/>
+              </a:defRPr>
+            </a:lvl4pPr>
+            <a:lvl5pPr marL="1523733" indent="-231607" algn="l" defTabSz="1218987" rtl="0" eaLnBrk="1" latinLnBrk="0" hangingPunct="1">
+              <a:lnSpc>
+                <a:spcPct val="90000"/>
+              </a:lnSpc>
+              <a:spcBef>
+                <a:spcPts val="800"/>
+              </a:spcBef>
+              <a:buClr>
+                <a:schemeClr val="accent1"/>
+              </a:buClr>
+              <a:buSzPct val="80000"/>
+              <a:buFont typeface="Arial" pitchFamily="34" charset="0"/>
+              <a:buChar char="•"/>
+              <a:defRPr sz="2000" kern="1200">
+                <a:solidFill>
+                  <a:schemeClr val="tx1"/>
+                </a:solidFill>
+                <a:latin typeface="+mn-lt"/>
+                <a:ea typeface="+mn-ea"/>
+                <a:cs typeface="+mn-cs"/>
+              </a:defRPr>
+            </a:lvl5pPr>
+            <a:lvl6pPr marL="1828480" indent="-231607" algn="l" defTabSz="1218987" rtl="0" eaLnBrk="1" latinLnBrk="0" hangingPunct="1">
+              <a:lnSpc>
+                <a:spcPct val="90000"/>
+              </a:lnSpc>
+              <a:spcBef>
+                <a:spcPts val="800"/>
+              </a:spcBef>
+              <a:buClr>
+                <a:schemeClr val="accent1"/>
+              </a:buClr>
+              <a:buSzPct val="80000"/>
+              <a:buFont typeface="Arial" pitchFamily="34" charset="0"/>
+              <a:buChar char="•"/>
+              <a:defRPr sz="2000" kern="1200">
+                <a:solidFill>
+                  <a:schemeClr val="tx1"/>
+                </a:solidFill>
+                <a:latin typeface="+mn-lt"/>
+                <a:ea typeface="+mn-ea"/>
+                <a:cs typeface="+mn-cs"/>
+              </a:defRPr>
+            </a:lvl6pPr>
+            <a:lvl7pPr marL="2133227" indent="-231607" algn="l" defTabSz="1218987" rtl="0" eaLnBrk="1" latinLnBrk="0" hangingPunct="1">
+              <a:lnSpc>
+                <a:spcPct val="90000"/>
+              </a:lnSpc>
+              <a:spcBef>
+                <a:spcPts val="800"/>
+              </a:spcBef>
+              <a:buClr>
+                <a:schemeClr val="accent1"/>
+              </a:buClr>
+              <a:buSzPct val="80000"/>
+              <a:buFont typeface="Arial" pitchFamily="34" charset="0"/>
+              <a:buChar char="•"/>
+              <a:defRPr sz="2000" kern="1200">
+                <a:solidFill>
+                  <a:schemeClr val="tx1"/>
+                </a:solidFill>
+                <a:latin typeface="+mn-lt"/>
+                <a:ea typeface="+mn-ea"/>
+                <a:cs typeface="+mn-cs"/>
+              </a:defRPr>
+            </a:lvl7pPr>
+            <a:lvl8pPr marL="2437973" indent="-231607" algn="l" defTabSz="1218987" rtl="0" eaLnBrk="1" latinLnBrk="0" hangingPunct="1">
+              <a:lnSpc>
+                <a:spcPct val="90000"/>
+              </a:lnSpc>
+              <a:spcBef>
+                <a:spcPts val="800"/>
+              </a:spcBef>
+              <a:buClr>
+                <a:schemeClr val="accent1"/>
+              </a:buClr>
+              <a:buSzPct val="80000"/>
+              <a:buFont typeface="Arial" pitchFamily="34" charset="0"/>
+              <a:buChar char="•"/>
+              <a:defRPr sz="2000" kern="1200" baseline="0">
+                <a:solidFill>
+                  <a:schemeClr val="tx1"/>
+                </a:solidFill>
+                <a:latin typeface="+mn-lt"/>
+                <a:ea typeface="+mn-ea"/>
+                <a:cs typeface="+mn-cs"/>
+              </a:defRPr>
+            </a:lvl8pPr>
+            <a:lvl9pPr marL="2742720" indent="-231607" algn="l" defTabSz="1218987" rtl="0" eaLnBrk="1" latinLnBrk="0" hangingPunct="1">
+              <a:lnSpc>
+                <a:spcPct val="90000"/>
+              </a:lnSpc>
+              <a:spcBef>
+                <a:spcPts val="800"/>
+              </a:spcBef>
+              <a:buClr>
+                <a:schemeClr val="accent1"/>
+              </a:buClr>
+              <a:buSzPct val="80000"/>
+              <a:buFont typeface="Arial" pitchFamily="34" charset="0"/>
+              <a:buChar char="•"/>
+              <a:defRPr sz="2000" kern="1200" baseline="0">
+                <a:solidFill>
+                  <a:schemeClr val="tx1"/>
+                </a:solidFill>
+                <a:latin typeface="+mn-lt"/>
+                <a:ea typeface="+mn-ea"/>
+                <a:cs typeface="+mn-cs"/>
+              </a:defRPr>
+            </a:lvl9pPr>
+          </a:lstStyle>
+          <a:p>
+            <a:r>
+              <a:rPr lang="es-CR" dirty="0"/>
+              <a:t>Display </a:t>
+            </a:r>
+            <a:r>
+              <a:rPr lang="es-CR" dirty="0" err="1"/>
+              <a:t>Nextion</a:t>
+            </a:r>
+            <a:r>
+              <a:rPr lang="es-CR" dirty="0"/>
+              <a:t> 2.4” </a:t>
+            </a:r>
+          </a:p>
+        </p:txBody>
+      </p:sp>
+      <p:pic>
+        <p:nvPicPr>
+          <p:cNvPr id="7" name="Picture 6">
+            <a:extLst>
+              <a:ext uri="{FF2B5EF4-FFF2-40B4-BE49-F238E27FC236}">
+                <a16:creationId xmlns:a16="http://schemas.microsoft.com/office/drawing/2014/main" id="{78D96371-A64F-4DD7-903D-9399151D5A05}"/>
+              </a:ext>
+            </a:extLst>
+          </p:cNvPr>
+          <p:cNvPicPr>
+            <a:picLocks noChangeAspect="1"/>
+          </p:cNvPicPr>
+          <p:nvPr/>
+        </p:nvPicPr>
+        <p:blipFill>
+          <a:blip r:embed="rId3"/>
+          <a:stretch>
+            <a:fillRect/>
+          </a:stretch>
+        </p:blipFill>
+        <p:spPr>
+          <a:xfrm>
+            <a:off x="7561234" y="3429000"/>
+            <a:ext cx="2676525" cy="1781175"/>
+          </a:xfrm>
+          <a:prstGeom prst="rect">
+            <a:avLst/>
+          </a:prstGeom>
+        </p:spPr>
+      </p:pic>
+    </p:spTree>
+    <p:extLst>
+      <p:ext uri="{BB962C8B-B14F-4D97-AF65-F5344CB8AC3E}">
+        <p14:creationId xmlns:p14="http://schemas.microsoft.com/office/powerpoint/2010/main" val="1521166438"/>
+      </p:ext>
+    </p:extLst>
+  </p:cSld>
+  <p:clrMapOvr>
+    <a:masterClrMapping/>
+  </p:clrMapOvr>
+  <mc:AlternateContent xmlns:mc="http://schemas.openxmlformats.org/markup-compatibility/2006" xmlns:p14="http://schemas.microsoft.com/office/powerpoint/2010/main">
+    <mc:Choice Requires="p14">
+      <p:transition spd="med" p14:dur="700">
+        <p:fade/>
+      </p:transition>
+    </mc:Choice>
+    <mc:Fallback xmlns="">
+      <p:transition spd="med">
+        <p:fade/>
+      </p:transition>
+    </mc:Fallback>
+  </mc:AlternateContent>
+</p:sld>
+</file>
+
+<file path=ppt/slides/slide14.xml><?xml version="1.0" encoding="utf-8"?>
+<p:sld xmlns:a="http://schemas.openxmlformats.org/drawingml/2006/main" xmlns:r="http://schemas.openxmlformats.org/officeDocument/2006/relationships" xmlns:p="http://schemas.openxmlformats.org/presentationml/2006/main">
+  <p:cSld>
+    <p:spTree>
+      <p:nvGrpSpPr>
+        <p:cNvPr id="1" name=""/>
+        <p:cNvGrpSpPr/>
+        <p:nvPr/>
+      </p:nvGrpSpPr>
+      <p:grpSpPr>
+        <a:xfrm>
+          <a:off x="0" y="0"/>
+          <a:ext cx="0" cy="0"/>
+          <a:chOff x="0" y="0"/>
+          <a:chExt cx="0" cy="0"/>
+        </a:xfrm>
+      </p:grpSpPr>
+      <p:sp>
+        <p:nvSpPr>
+          <p:cNvPr id="2" name="Title 1">
+            <a:extLst>
+              <a:ext uri="{FF2B5EF4-FFF2-40B4-BE49-F238E27FC236}">
+                <a16:creationId xmlns:a16="http://schemas.microsoft.com/office/drawing/2014/main" id="{03ABB1F5-1D96-4A76-A3DA-CD3F45CCF3A6}"/>
+              </a:ext>
+            </a:extLst>
+          </p:cNvPr>
+          <p:cNvSpPr>
+            <a:spLocks noGrp="1"/>
+          </p:cNvSpPr>
+          <p:nvPr>
+            <p:ph type="title"/>
+          </p:nvPr>
+        </p:nvSpPr>
+        <p:spPr/>
+        <p:txBody>
+          <a:bodyPr/>
+          <a:lstStyle/>
+          <a:p>
+            <a:r>
+              <a:rPr lang="es-CR" dirty="0"/>
+              <a:t>Monitoreo de condiciones Ambientales </a:t>
+            </a:r>
+          </a:p>
+        </p:txBody>
+      </p:sp>
+      <p:pic>
+        <p:nvPicPr>
+          <p:cNvPr id="4" name="Content Placeholder 3">
+            <a:extLst>
+              <a:ext uri="{FF2B5EF4-FFF2-40B4-BE49-F238E27FC236}">
+                <a16:creationId xmlns:a16="http://schemas.microsoft.com/office/drawing/2014/main" id="{BEC17566-3AB7-4A0A-96A8-A514E5CA6AAE}"/>
+              </a:ext>
+            </a:extLst>
+          </p:cNvPr>
+          <p:cNvPicPr>
+            <a:picLocks noGrp="1" noChangeAspect="1"/>
+          </p:cNvPicPr>
+          <p:nvPr>
+            <p:ph idx="1"/>
+          </p:nvPr>
+        </p:nvPicPr>
+        <p:blipFill>
+          <a:blip r:embed="rId2"/>
+          <a:stretch>
+            <a:fillRect/>
+          </a:stretch>
+        </p:blipFill>
+        <p:spPr>
+          <a:xfrm>
+            <a:off x="1370012" y="2170523"/>
+            <a:ext cx="2267362" cy="2249077"/>
+          </a:xfrm>
+          <a:prstGeom prst="rect">
+            <a:avLst/>
+          </a:prstGeom>
+        </p:spPr>
+      </p:pic>
+      <p:pic>
+        <p:nvPicPr>
+          <p:cNvPr id="5" name="Picture 4">
+            <a:extLst>
+              <a:ext uri="{FF2B5EF4-FFF2-40B4-BE49-F238E27FC236}">
+                <a16:creationId xmlns:a16="http://schemas.microsoft.com/office/drawing/2014/main" id="{AEDB7293-9AC5-403F-8016-5AEBE1F112A4}"/>
+              </a:ext>
+            </a:extLst>
+          </p:cNvPr>
+          <p:cNvPicPr>
+            <a:picLocks noChangeAspect="1"/>
+          </p:cNvPicPr>
+          <p:nvPr/>
+        </p:nvPicPr>
+        <p:blipFill>
+          <a:blip r:embed="rId3"/>
+          <a:stretch>
+            <a:fillRect/>
+          </a:stretch>
+        </p:blipFill>
+        <p:spPr>
+          <a:xfrm>
+            <a:off x="4189412" y="3886200"/>
+            <a:ext cx="3247737" cy="2300221"/>
+          </a:xfrm>
+          <a:prstGeom prst="rect">
+            <a:avLst/>
+          </a:prstGeom>
+        </p:spPr>
+      </p:pic>
+      <p:pic>
+        <p:nvPicPr>
+          <p:cNvPr id="6" name="Picture 5">
+            <a:extLst>
+              <a:ext uri="{FF2B5EF4-FFF2-40B4-BE49-F238E27FC236}">
+                <a16:creationId xmlns:a16="http://schemas.microsoft.com/office/drawing/2014/main" id="{928540CD-9B2D-4790-9487-F7F46D89F76A}"/>
+              </a:ext>
+            </a:extLst>
+          </p:cNvPr>
+          <p:cNvPicPr>
+            <a:picLocks noChangeAspect="1"/>
+          </p:cNvPicPr>
+          <p:nvPr/>
+        </p:nvPicPr>
+        <p:blipFill>
+          <a:blip r:embed="rId4"/>
+          <a:stretch>
+            <a:fillRect/>
+          </a:stretch>
+        </p:blipFill>
+        <p:spPr>
+          <a:xfrm>
+            <a:off x="7437149" y="1708884"/>
+            <a:ext cx="3838575" cy="1967031"/>
+          </a:xfrm>
+          <a:prstGeom prst="rect">
+            <a:avLst/>
+          </a:prstGeom>
+        </p:spPr>
+      </p:pic>
+    </p:spTree>
+    <p:extLst>
+      <p:ext uri="{BB962C8B-B14F-4D97-AF65-F5344CB8AC3E}">
+        <p14:creationId xmlns:p14="http://schemas.microsoft.com/office/powerpoint/2010/main" val="2376576526"/>
+      </p:ext>
+    </p:extLst>
+  </p:cSld>
+  <p:clrMapOvr>
+    <a:masterClrMapping/>
+  </p:clrMapOvr>
+  <mc:AlternateContent xmlns:mc="http://schemas.openxmlformats.org/markup-compatibility/2006" xmlns:p14="http://schemas.microsoft.com/office/powerpoint/2010/main">
+    <mc:Choice Requires="p14">
+      <p:transition spd="med" p14:dur="700">
+        <p:fade/>
+      </p:transition>
+    </mc:Choice>
+    <mc:Fallback xmlns="">
+      <p:transition spd="med">
+        <p:fade/>
+      </p:transition>
+    </mc:Fallback>
+  </mc:AlternateContent>
+</p:sld>
+</file>
+
 <file path=ppt/slides/slide2.xml><?xml version="1.0" encoding="utf-8"?>
 <p:sld xmlns:a="http://schemas.openxmlformats.org/drawingml/2006/main" xmlns:r="http://schemas.openxmlformats.org/officeDocument/2006/relationships" xmlns:p="http://schemas.openxmlformats.org/presentationml/2006/main">
   <p:cSld>
@@ -5323,10 +6646,9 @@
           <a:lstStyle/>
           <a:p>
             <a:r>
-              <a:rPr lang="en-US" dirty="0" smtClean="0"/>
+              <a:rPr lang="en-US" dirty="0"/>
               <a:t>Contenido</a:t>
             </a:r>
-            <a:endParaRPr lang="en-US" dirty="0"/>
           </a:p>
         </p:txBody>
       </p:sp>
@@ -5346,36 +6668,36 @@
           <a:lstStyle/>
           <a:p>
             <a:r>
-              <a:rPr lang="es-CR" dirty="0" smtClean="0"/>
+              <a:rPr lang="es-CR" dirty="0"/>
               <a:t>Objetivo</a:t>
             </a:r>
           </a:p>
           <a:p>
             <a:r>
-              <a:rPr lang="es-CR" dirty="0" smtClean="0"/>
+              <a:rPr lang="es-CR" dirty="0"/>
               <a:t>Capacidades de FLER</a:t>
             </a:r>
           </a:p>
           <a:p>
             <a:r>
-              <a:rPr lang="es-CR" dirty="0" smtClean="0"/>
+              <a:rPr lang="es-CR" dirty="0"/>
               <a:t>Lista de tareas</a:t>
             </a:r>
           </a:p>
           <a:p>
             <a:r>
-              <a:rPr lang="es-CR" dirty="0" smtClean="0"/>
+              <a:rPr lang="es-CR" dirty="0"/>
               <a:t>Materiales y equipo necesario</a:t>
             </a:r>
           </a:p>
           <a:p>
             <a:r>
-              <a:rPr lang="es-CR" dirty="0" smtClean="0"/>
+              <a:rPr lang="es-CR" dirty="0"/>
               <a:t>Avances</a:t>
             </a:r>
           </a:p>
           <a:p>
-            <a:endParaRPr lang="en-US" dirty="0" smtClean="0"/>
+            <a:endParaRPr lang="en-US" dirty="0"/>
           </a:p>
           <a:p>
             <a:endParaRPr lang="es-CR" dirty="0"/>
@@ -5440,10 +6762,9 @@
           <a:lstStyle/>
           <a:p>
             <a:r>
-              <a:rPr lang="es-CR" dirty="0" smtClean="0"/>
+              <a:rPr lang="es-CR" dirty="0"/>
               <a:t>Objetivo</a:t>
             </a:r>
-            <a:endParaRPr lang="es-CR" dirty="0"/>
           </a:p>
         </p:txBody>
       </p:sp>
@@ -5464,10 +6785,9 @@
           <a:p>
             <a:pPr algn="just"/>
             <a:r>
-              <a:rPr lang="es-CR" dirty="0" smtClean="0"/>
+              <a:rPr lang="es-CR" dirty="0"/>
               <a:t>Desarrollar un dispositivo que sea capaz de desplazarse de manera autónoma evitando obstáculos y que además tenga la capacidad de muestrear las condiciones ambientales de un área específica y compartirlas de manera remota con el usuario.</a:t>
             </a:r>
-            <a:endParaRPr lang="es-CR" dirty="0"/>
           </a:p>
         </p:txBody>
       </p:sp>
@@ -5529,10 +6849,9 @@
           <a:lstStyle/>
           <a:p>
             <a:r>
-              <a:rPr lang="es-CR" dirty="0" smtClean="0"/>
+              <a:rPr lang="es-CR" dirty="0"/>
               <a:t>Capacidades de FLER</a:t>
             </a:r>
-            <a:endParaRPr lang="es-CR" dirty="0"/>
           </a:p>
         </p:txBody>
       </p:sp>
@@ -5552,31 +6871,31 @@
           <a:lstStyle/>
           <a:p>
             <a:r>
-              <a:rPr lang="es-CR" dirty="0" smtClean="0"/>
+              <a:rPr lang="es-CR" dirty="0"/>
               <a:t>Desplazamiento autónomo (modelo quine mático)</a:t>
             </a:r>
           </a:p>
           <a:p>
             <a:r>
-              <a:rPr lang="es-CR" dirty="0" smtClean="0"/>
+              <a:rPr lang="es-CR" dirty="0"/>
               <a:t>Detección de obstáculos</a:t>
             </a:r>
           </a:p>
           <a:p>
             <a:r>
-              <a:rPr lang="es-CR" dirty="0" smtClean="0"/>
+              <a:rPr lang="es-CR" dirty="0"/>
               <a:t>Monitoreo de condiciones ambientales (temp, HR, gases)</a:t>
             </a:r>
           </a:p>
           <a:p>
             <a:r>
-              <a:rPr lang="es-CR" dirty="0" smtClean="0"/>
+              <a:rPr lang="es-CR" dirty="0"/>
               <a:t>Muestreo remoto de condiciones ambientales</a:t>
             </a:r>
           </a:p>
           <a:p>
             <a:r>
-              <a:rPr lang="es-CR" dirty="0" smtClean="0"/>
+              <a:rPr lang="es-CR" dirty="0"/>
               <a:t>Visión mediante cámara (tentativo)</a:t>
             </a:r>
           </a:p>
@@ -5643,10 +6962,9 @@
           <a:lstStyle/>
           <a:p>
             <a:r>
-              <a:rPr lang="es-CR" dirty="0" smtClean="0"/>
+              <a:rPr lang="es-CR" dirty="0"/>
               <a:t>Lista de tareas</a:t>
             </a:r>
-            <a:endParaRPr lang="es-CR" dirty="0"/>
           </a:p>
         </p:txBody>
       </p:sp>
@@ -5662,10 +6980,34 @@
         </p:nvSpPr>
         <p:spPr/>
         <p:txBody>
-          <a:bodyPr/>
+          <a:bodyPr>
+            <a:normAutofit/>
+          </a:bodyPr>
           <a:lstStyle/>
           <a:p>
-            <a:endParaRPr lang="es-CR" dirty="0"/>
+            <a:r>
+              <a:rPr lang="es-CR" sz="2400" dirty="0" smtClean="0"/>
+              <a:t>Instalar sensores HC-SR04, DTH22, MQ-2</a:t>
+            </a:r>
+          </a:p>
+          <a:p>
+            <a:r>
+              <a:rPr lang="es-CR" sz="2400" dirty="0" smtClean="0"/>
+              <a:t>Transmisión de datos mediante ES8266 NodeMCU</a:t>
+            </a:r>
+          </a:p>
+          <a:p>
+            <a:r>
+              <a:rPr lang="es-CR" sz="2400" dirty="0" smtClean="0"/>
+              <a:t>Control de motores y unidad principal mediante STM32F103</a:t>
+            </a:r>
+          </a:p>
+          <a:p>
+            <a:r>
+              <a:rPr lang="es-CR" sz="2400" dirty="0" smtClean="0"/>
+              <a:t>Mapeo de datos mediante WI-Fi</a:t>
+            </a:r>
+            <a:endParaRPr lang="es-CR" sz="2400" dirty="0" smtClean="0"/>
           </a:p>
         </p:txBody>
       </p:sp>
@@ -5727,10 +7069,9 @@
           <a:lstStyle/>
           <a:p>
             <a:r>
-              <a:rPr lang="es-CR" dirty="0" smtClean="0"/>
+              <a:rPr lang="es-CR" dirty="0"/>
               <a:t>Materiales y Equipos</a:t>
             </a:r>
-            <a:endParaRPr lang="es-CR" dirty="0"/>
           </a:p>
         </p:txBody>
       </p:sp>
@@ -5744,14 +7085,14 @@
             <p:ph idx="1"/>
             <p:extLst>
               <p:ext uri="{D42A27DB-BD31-4B8C-83A1-F6EECF244321}">
-                <p14:modId xmlns:p14="http://schemas.microsoft.com/office/powerpoint/2010/main" val="1948996242"/>
+                <p14:modId xmlns:p14="http://schemas.microsoft.com/office/powerpoint/2010/main" val="503379715"/>
               </p:ext>
             </p:extLst>
           </p:nvPr>
         </p:nvGraphicFramePr>
         <p:xfrm>
           <a:off x="1219200" y="1701800"/>
-          <a:ext cx="10360026" cy="3657600"/>
+          <a:ext cx="10360026" cy="4023360"/>
         </p:xfrm>
         <a:graphic>
           <a:graphicData uri="http://schemas.openxmlformats.org/drawingml/2006/table">
@@ -5809,10 +7150,9 @@
                     <a:lstStyle/>
                     <a:p>
                       <a:r>
-                        <a:rPr lang="es-CR" dirty="0" smtClean="0"/>
+                        <a:rPr lang="es-CR" dirty="0"/>
                         <a:t>Impresora 3D</a:t>
                       </a:r>
-                      <a:endParaRPr lang="es-CR" dirty="0"/>
                     </a:p>
                   </a:txBody>
                   <a:tcPr/>
@@ -5823,10 +7163,9 @@
                     <a:lstStyle/>
                     <a:p>
                       <a:r>
-                        <a:rPr lang="es-CR" dirty="0" smtClean="0"/>
+                        <a:rPr lang="es-CR" dirty="0"/>
                         <a:t>Aluminio</a:t>
                       </a:r>
-                      <a:endParaRPr lang="es-CR" dirty="0"/>
                     </a:p>
                   </a:txBody>
                   <a:tcPr/>
@@ -5844,10 +7183,9 @@
                     <a:lstStyle/>
                     <a:p>
                       <a:r>
-                        <a:rPr lang="es-CR" dirty="0" smtClean="0"/>
+                        <a:rPr lang="es-CR" dirty="0"/>
                         <a:t>Cortadora CNC </a:t>
                       </a:r>
-                      <a:endParaRPr lang="es-CR" dirty="0"/>
                     </a:p>
                   </a:txBody>
                   <a:tcPr/>
@@ -5858,11 +7196,11 @@
                     <a:lstStyle/>
                     <a:p>
                       <a:r>
-                        <a:rPr lang="es-CR" dirty="0" smtClean="0"/>
+                        <a:rPr lang="es-CR" dirty="0"/>
                         <a:t>Sensores (ultrasónico, temp, HR,</a:t>
                       </a:r>
                       <a:r>
-                        <a:rPr lang="es-CR" baseline="0" dirty="0" smtClean="0"/>
+                        <a:rPr lang="es-CR" baseline="0" dirty="0"/>
                         <a:t> gases)</a:t>
                       </a:r>
                       <a:endParaRPr lang="es-CR" dirty="0"/>
@@ -5883,10 +7221,18 @@
                     <a:lstStyle/>
                     <a:p>
                       <a:r>
+                        <a:rPr lang="es-CR" dirty="0"/>
+                        <a:t>Microcontrolador </a:t>
+                      </a:r>
+                      <a:r>
                         <a:rPr lang="es-CR" dirty="0" smtClean="0"/>
-                        <a:t>Microcontrolador ARM</a:t>
+                        <a:t>STM32F103 y ESP8266</a:t>
                       </a:r>
-                      <a:endParaRPr lang="es-CR" dirty="0"/>
+                      <a:r>
+                        <a:rPr lang="es-CR" baseline="0" dirty="0" smtClean="0"/>
+                        <a:t> NodeMCU</a:t>
+                      </a:r>
+                      <a:endParaRPr lang="es-CR" dirty="0" smtClean="0"/>
                     </a:p>
                   </a:txBody>
                   <a:tcPr/>
@@ -5914,10 +7260,9 @@
                     <a:lstStyle/>
                     <a:p>
                       <a:r>
-                        <a:rPr lang="es-CR" dirty="0" smtClean="0"/>
+                        <a:rPr lang="es-CR" dirty="0"/>
                         <a:t>Arduino UNO</a:t>
                       </a:r>
-                      <a:endParaRPr lang="es-CR" dirty="0"/>
                     </a:p>
                   </a:txBody>
                   <a:tcPr/>
@@ -5945,11 +7290,11 @@
                     <a:lstStyle/>
                     <a:p>
                       <a:r>
-                        <a:rPr lang="es-CR" dirty="0" smtClean="0"/>
+                        <a:rPr lang="es-CR" dirty="0"/>
                         <a:t>Motores</a:t>
                       </a:r>
                       <a:r>
-                        <a:rPr lang="es-CR" baseline="0" dirty="0" smtClean="0"/>
+                        <a:rPr lang="es-CR" baseline="0" dirty="0"/>
                         <a:t> DC</a:t>
                       </a:r>
                       <a:endParaRPr lang="es-CR" dirty="0"/>
@@ -5980,11 +7325,11 @@
                     <a:lstStyle/>
                     <a:p>
                       <a:r>
-                        <a:rPr lang="es-CR" dirty="0" smtClean="0"/>
+                        <a:rPr lang="es-CR" dirty="0"/>
                         <a:t>Drivers</a:t>
                       </a:r>
                       <a:r>
-                        <a:rPr lang="es-CR" baseline="0" dirty="0" smtClean="0"/>
+                        <a:rPr lang="es-CR" baseline="0" dirty="0"/>
                         <a:t> L298</a:t>
                       </a:r>
                       <a:endParaRPr lang="es-CR" dirty="0"/>
@@ -6015,12 +7360,16 @@
                     <a:lstStyle/>
                     <a:p>
                       <a:r>
-                        <a:rPr lang="es-CR" dirty="0" err="1" smtClean="0"/>
-                        <a:t>Baterias</a:t>
+                        <a:rPr lang="es-CR" dirty="0" smtClean="0"/>
+                        <a:t>Baterías</a:t>
                       </a:r>
                       <a:r>
                         <a:rPr lang="es-CR" baseline="0" dirty="0" smtClean="0"/>
-                        <a:t> de Litio</a:t>
+                        <a:t> </a:t>
+                      </a:r>
+                      <a:r>
+                        <a:rPr lang="es-CR" baseline="0" dirty="0"/>
+                        <a:t>de Litio</a:t>
                       </a:r>
                       <a:endParaRPr lang="es-CR" dirty="0"/>
                     </a:p>
@@ -6105,10 +7454,9 @@
           <a:lstStyle/>
           <a:p>
             <a:r>
-              <a:rPr lang="es-CR" dirty="0" smtClean="0"/>
+              <a:rPr lang="es-CR" dirty="0"/>
               <a:t>Avances</a:t>
             </a:r>
-            <a:endParaRPr lang="es-CR" dirty="0"/>
           </a:p>
         </p:txBody>
       </p:sp>
@@ -6128,25 +7476,16 @@
           <a:lstStyle/>
           <a:p>
             <a:r>
-              <a:rPr lang="es-CR" dirty="0" smtClean="0"/>
+              <a:rPr lang="es-CR" dirty="0"/>
               <a:t>Diseño modelado en 3D</a:t>
             </a:r>
           </a:p>
           <a:p>
             <a:pPr lvl="1"/>
             <a:r>
-              <a:rPr lang="es-CR" dirty="0" smtClean="0"/>
-              <a:t>Mediante</a:t>
-            </a:r>
-            <a:r>
               <a:rPr lang="es-CR" dirty="0"/>
-              <a:t> Fusion</a:t>
-            </a:r>
-            <a:r>
-              <a:rPr lang="es-CR" dirty="0" smtClean="0"/>
-              <a:t> Autodesk 360</a:t>
-            </a:r>
-            <a:endParaRPr lang="es-CR" dirty="0"/>
+              <a:t>Mediante Fusion Autodesk 360</a:t>
+            </a:r>
           </a:p>
         </p:txBody>
       </p:sp>
@@ -6267,21 +7606,21 @@
           <a:lstStyle/>
           <a:p>
             <a:r>
-              <a:rPr lang="es-CR" dirty="0" smtClean="0"/>
+              <a:rPr lang="es-CR" dirty="0"/>
               <a:t>Corte de partes en aluminio</a:t>
             </a:r>
           </a:p>
           <a:p>
             <a:pPr lvl="1"/>
             <a:r>
-              <a:rPr lang="es-CR" dirty="0" smtClean="0"/>
+              <a:rPr lang="es-CR" dirty="0"/>
               <a:t>Mediante cortadora CNC</a:t>
             </a:r>
           </a:p>
           <a:p>
             <a:pPr lvl="2"/>
             <a:r>
-              <a:rPr lang="es-CR" dirty="0" smtClean="0"/>
+              <a:rPr lang="es-CR" dirty="0"/>
               <a:t>Aluminio 2020</a:t>
             </a:r>
           </a:p>
@@ -6404,32 +7743,23 @@
           <a:lstStyle/>
           <a:p>
             <a:r>
-              <a:rPr lang="es-CR" dirty="0" smtClean="0"/>
+              <a:rPr lang="es-CR" dirty="0"/>
               <a:t>Ensamble de motor</a:t>
             </a:r>
           </a:p>
           <a:p>
             <a:pPr lvl="1"/>
             <a:r>
-              <a:rPr lang="es-CR" dirty="0" smtClean="0"/>
+              <a:rPr lang="es-CR" dirty="0"/>
               <a:t>Mediante impresión 3D</a:t>
             </a:r>
           </a:p>
           <a:p>
             <a:pPr lvl="1"/>
             <a:r>
-              <a:rPr lang="es-CR" dirty="0" smtClean="0"/>
-              <a:t>Modelado en</a:t>
-            </a:r>
-            <a:r>
               <a:rPr lang="es-CR" dirty="0"/>
-              <a:t> Fusion</a:t>
-            </a:r>
-            <a:r>
-              <a:rPr lang="es-CR" dirty="0" smtClean="0"/>
-              <a:t> Autodesk 360</a:t>
-            </a:r>
-            <a:endParaRPr lang="es-CR" dirty="0"/>
+              <a:t>Modelado en Fusion Autodesk 360</a:t>
+            </a:r>
           </a:p>
         </p:txBody>
       </p:sp>
@@ -7463,6 +8793,142 @@
 </file>
 
 <file path=customXml/item1.xml><?xml version="1.0" encoding="utf-8"?>
+<p:properties xmlns:p="http://schemas.microsoft.com/office/2006/metadata/properties" xmlns:xsi="http://www.w3.org/2001/XMLSchema-instance" xmlns:pc="http://schemas.microsoft.com/office/infopath/2007/PartnerControls">
+  <documentManagement>
+    <LocPublishedLinkedAssetsLookup xmlns="4873beb7-5857-4685-be1f-d57550cc96cc" xsi:nil="true"/>
+    <ApprovalStatus xmlns="4873beb7-5857-4685-be1f-d57550cc96cc">InProgress</ApprovalStatus>
+    <MarketSpecific xmlns="4873beb7-5857-4685-be1f-d57550cc96cc">false</MarketSpecific>
+    <LocComments xmlns="4873beb7-5857-4685-be1f-d57550cc96cc" xsi:nil="true"/>
+    <LocLastLocAttemptVersionTypeLookup xmlns="4873beb7-5857-4685-be1f-d57550cc96cc" xsi:nil="true"/>
+    <DirectSourceMarket xmlns="4873beb7-5857-4685-be1f-d57550cc96cc" xsi:nil="true"/>
+    <ThumbnailAssetId xmlns="4873beb7-5857-4685-be1f-d57550cc96cc" xsi:nil="true"/>
+    <PrimaryImageGen xmlns="4873beb7-5857-4685-be1f-d57550cc96cc">false</PrimaryImageGen>
+    <LocNewPublishedVersionLookup xmlns="4873beb7-5857-4685-be1f-d57550cc96cc" xsi:nil="true"/>
+    <LegacyData xmlns="4873beb7-5857-4685-be1f-d57550cc96cc" xsi:nil="true"/>
+    <LocRecommendedHandoff xmlns="4873beb7-5857-4685-be1f-d57550cc96cc" xsi:nil="true"/>
+    <BusinessGroup xmlns="4873beb7-5857-4685-be1f-d57550cc96cc" xsi:nil="true"/>
+    <BlockPublish xmlns="4873beb7-5857-4685-be1f-d57550cc96cc">false</BlockPublish>
+    <TPFriendlyName xmlns="4873beb7-5857-4685-be1f-d57550cc96cc" xsi:nil="true"/>
+    <LocOverallPublishStatusLookup xmlns="4873beb7-5857-4685-be1f-d57550cc96cc" xsi:nil="true"/>
+    <NumericId xmlns="4873beb7-5857-4685-be1f-d57550cc96cc" xsi:nil="true"/>
+    <APEditor xmlns="4873beb7-5857-4685-be1f-d57550cc96cc">
+      <UserInfo>
+        <DisplayName/>
+        <AccountId xsi:nil="true"/>
+        <AccountType/>
+      </UserInfo>
+    </APEditor>
+    <SourceTitle xmlns="4873beb7-5857-4685-be1f-d57550cc96cc" xsi:nil="true"/>
+    <OpenTemplate xmlns="4873beb7-5857-4685-be1f-d57550cc96cc">true</OpenTemplate>
+    <LocOverallLocStatusLookup xmlns="4873beb7-5857-4685-be1f-d57550cc96cc" xsi:nil="true"/>
+    <UALocComments xmlns="4873beb7-5857-4685-be1f-d57550cc96cc" xsi:nil="true"/>
+    <ParentAssetId xmlns="4873beb7-5857-4685-be1f-d57550cc96cc" xsi:nil="true"/>
+    <IntlLangReviewDate xmlns="4873beb7-5857-4685-be1f-d57550cc96cc" xsi:nil="true"/>
+    <FeatureTagsTaxHTField0 xmlns="4873beb7-5857-4685-be1f-d57550cc96cc">
+      <Terms xmlns="http://schemas.microsoft.com/office/infopath/2007/PartnerControls"/>
+    </FeatureTagsTaxHTField0>
+    <PublishStatusLookup xmlns="4873beb7-5857-4685-be1f-d57550cc96cc">
+      <Value>1345093</Value>
+    </PublishStatusLookup>
+    <Providers xmlns="4873beb7-5857-4685-be1f-d57550cc96cc" xsi:nil="true"/>
+    <MachineTranslated xmlns="4873beb7-5857-4685-be1f-d57550cc96cc">false</MachineTranslated>
+    <OriginalSourceMarket xmlns="4873beb7-5857-4685-be1f-d57550cc96cc" xsi:nil="true"/>
+    <APDescription xmlns="4873beb7-5857-4685-be1f-d57550cc96cc">This simple template design works for technology and  businesses, but it's versatile enough to use in other contexts.  It features multiple slide layouts designed for widescreen (16x9 resolution) and includes a sample SmartArt list and chart that are easily editable.</APDescription>
+    <ClipArtFilename xmlns="4873beb7-5857-4685-be1f-d57550cc96cc" xsi:nil="true"/>
+    <ContentItem xmlns="4873beb7-5857-4685-be1f-d57550cc96cc" xsi:nil="true"/>
+    <TPInstallLocation xmlns="4873beb7-5857-4685-be1f-d57550cc96cc" xsi:nil="true"/>
+    <PublishTargets xmlns="4873beb7-5857-4685-be1f-d57550cc96cc">OfficeOnlineVNext</PublishTargets>
+    <TimesCloned xmlns="4873beb7-5857-4685-be1f-d57550cc96cc" xsi:nil="true"/>
+    <AssetStart xmlns="4873beb7-5857-4685-be1f-d57550cc96cc">2011-11-26T00:30:00+00:00</AssetStart>
+    <Provider xmlns="4873beb7-5857-4685-be1f-d57550cc96cc" xsi:nil="true"/>
+    <AcquiredFrom xmlns="4873beb7-5857-4685-be1f-d57550cc96cc">Internal MS</AcquiredFrom>
+    <FriendlyTitle xmlns="4873beb7-5857-4685-be1f-d57550cc96cc" xsi:nil="true"/>
+    <LastHandOff xmlns="4873beb7-5857-4685-be1f-d57550cc96cc" xsi:nil="true"/>
+    <TPClientViewer xmlns="4873beb7-5857-4685-be1f-d57550cc96cc" xsi:nil="true"/>
+    <TemplateStatus xmlns="4873beb7-5857-4685-be1f-d57550cc96cc">Complete</TemplateStatus>
+    <Downloads xmlns="4873beb7-5857-4685-be1f-d57550cc96cc">0</Downloads>
+    <OOCacheId xmlns="4873beb7-5857-4685-be1f-d57550cc96cc" xsi:nil="true"/>
+    <IsDeleted xmlns="4873beb7-5857-4685-be1f-d57550cc96cc">false</IsDeleted>
+    <LocPublishedDependentAssetsLookup xmlns="4873beb7-5857-4685-be1f-d57550cc96cc" xsi:nil="true"/>
+    <TPExecutable xmlns="4873beb7-5857-4685-be1f-d57550cc96cc" xsi:nil="true"/>
+    <EditorialTags xmlns="4873beb7-5857-4685-be1f-d57550cc96cc" xsi:nil="true"/>
+    <SubmitterId xmlns="4873beb7-5857-4685-be1f-d57550cc96cc" xsi:nil="true"/>
+    <ApprovalLog xmlns="4873beb7-5857-4685-be1f-d57550cc96cc" xsi:nil="true"/>
+    <AssetType xmlns="4873beb7-5857-4685-be1f-d57550cc96cc">TP</AssetType>
+    <BugNumber xmlns="4873beb7-5857-4685-be1f-d57550cc96cc" xsi:nil="true"/>
+    <CSXSubmissionDate xmlns="4873beb7-5857-4685-be1f-d57550cc96cc" xsi:nil="true"/>
+    <CSXUpdate xmlns="4873beb7-5857-4685-be1f-d57550cc96cc">false</CSXUpdate>
+    <Milestone xmlns="4873beb7-5857-4685-be1f-d57550cc96cc" xsi:nil="true"/>
+    <RecommendationsModifier xmlns="4873beb7-5857-4685-be1f-d57550cc96cc" xsi:nil="true"/>
+    <OriginAsset xmlns="4873beb7-5857-4685-be1f-d57550cc96cc" xsi:nil="true"/>
+    <TPComponent xmlns="4873beb7-5857-4685-be1f-d57550cc96cc" xsi:nil="true"/>
+    <AssetId xmlns="4873beb7-5857-4685-be1f-d57550cc96cc">TP102787989</AssetId>
+    <IntlLocPriority xmlns="4873beb7-5857-4685-be1f-d57550cc96cc" xsi:nil="true"/>
+    <PolicheckWords xmlns="4873beb7-5857-4685-be1f-d57550cc96cc" xsi:nil="true"/>
+    <TPLaunchHelpLink xmlns="4873beb7-5857-4685-be1f-d57550cc96cc" xsi:nil="true"/>
+    <TPApplication xmlns="4873beb7-5857-4685-be1f-d57550cc96cc" xsi:nil="true"/>
+    <CrawlForDependencies xmlns="4873beb7-5857-4685-be1f-d57550cc96cc">false</CrawlForDependencies>
+    <HandoffToMSDN xmlns="4873beb7-5857-4685-be1f-d57550cc96cc" xsi:nil="true"/>
+    <PlannedPubDate xmlns="4873beb7-5857-4685-be1f-d57550cc96cc" xsi:nil="true"/>
+    <IntlLangReviewer xmlns="4873beb7-5857-4685-be1f-d57550cc96cc" xsi:nil="true"/>
+    <TrustLevel xmlns="4873beb7-5857-4685-be1f-d57550cc96cc">1 Microsoft Managed Content</TrustLevel>
+    <LocLastLocAttemptVersionLookup xmlns="4873beb7-5857-4685-be1f-d57550cc96cc">694266</LocLastLocAttemptVersionLookup>
+    <LocProcessedForHandoffsLookup xmlns="4873beb7-5857-4685-be1f-d57550cc96cc" xsi:nil="true"/>
+    <IsSearchable xmlns="4873beb7-5857-4685-be1f-d57550cc96cc">true</IsSearchable>
+    <TemplateTemplateType xmlns="4873beb7-5857-4685-be1f-d57550cc96cc">PowerPoint Presentation Template</TemplateTemplateType>
+    <CampaignTagsTaxHTField0 xmlns="4873beb7-5857-4685-be1f-d57550cc96cc">
+      <Terms xmlns="http://schemas.microsoft.com/office/infopath/2007/PartnerControls"/>
+    </CampaignTagsTaxHTField0>
+    <TPNamespace xmlns="4873beb7-5857-4685-be1f-d57550cc96cc" xsi:nil="true"/>
+    <LocOverallPreviewStatusLookup xmlns="4873beb7-5857-4685-be1f-d57550cc96cc" xsi:nil="true"/>
+    <TaxCatchAll xmlns="4873beb7-5857-4685-be1f-d57550cc96cc"/>
+    <Markets xmlns="4873beb7-5857-4685-be1f-d57550cc96cc"/>
+    <UAProjectedTotalWords xmlns="4873beb7-5857-4685-be1f-d57550cc96cc" xsi:nil="true"/>
+    <IntlLangReview xmlns="4873beb7-5857-4685-be1f-d57550cc96cc" xsi:nil="true"/>
+    <OutputCachingOn xmlns="4873beb7-5857-4685-be1f-d57550cc96cc">false</OutputCachingOn>
+    <AverageRating xmlns="4873beb7-5857-4685-be1f-d57550cc96cc" xsi:nil="true"/>
+    <APAuthor xmlns="4873beb7-5857-4685-be1f-d57550cc96cc">
+      <UserInfo>
+        <DisplayName>REDMOND\kristaa</DisplayName>
+        <AccountId>136</AccountId>
+        <AccountType/>
+      </UserInfo>
+    </APAuthor>
+    <LocManualTestRequired xmlns="4873beb7-5857-4685-be1f-d57550cc96cc">false</LocManualTestRequired>
+    <TPCommandLine xmlns="4873beb7-5857-4685-be1f-d57550cc96cc" xsi:nil="true"/>
+    <TPAppVersion xmlns="4873beb7-5857-4685-be1f-d57550cc96cc" xsi:nil="true"/>
+    <EditorialStatus xmlns="4873beb7-5857-4685-be1f-d57550cc96cc">Complete</EditorialStatus>
+    <LastModifiedDateTime xmlns="4873beb7-5857-4685-be1f-d57550cc96cc" xsi:nil="true"/>
+    <ScenarioTagsTaxHTField0 xmlns="4873beb7-5857-4685-be1f-d57550cc96cc">
+      <Terms xmlns="http://schemas.microsoft.com/office/infopath/2007/PartnerControls"/>
+    </ScenarioTagsTaxHTField0>
+    <LocProcessedForMarketsLookup xmlns="4873beb7-5857-4685-be1f-d57550cc96cc" xsi:nil="true"/>
+    <TPLaunchHelpLinkType xmlns="4873beb7-5857-4685-be1f-d57550cc96cc">Template</TPLaunchHelpLinkType>
+    <OriginalRelease xmlns="4873beb7-5857-4685-be1f-d57550cc96cc">15</OriginalRelease>
+    <LocalizationTagsTaxHTField0 xmlns="4873beb7-5857-4685-be1f-d57550cc96cc">
+      <Terms xmlns="http://schemas.microsoft.com/office/infopath/2007/PartnerControls"/>
+    </LocalizationTagsTaxHTField0>
+    <UACurrentWords xmlns="4873beb7-5857-4685-be1f-d57550cc96cc" xsi:nil="true"/>
+    <ArtSampleDocs xmlns="4873beb7-5857-4685-be1f-d57550cc96cc" xsi:nil="true"/>
+    <UALocRecommendation xmlns="4873beb7-5857-4685-be1f-d57550cc96cc">Localize</UALocRecommendation>
+    <Manager xmlns="4873beb7-5857-4685-be1f-d57550cc96cc" xsi:nil="true"/>
+    <LocOverallHandbackStatusLookup xmlns="4873beb7-5857-4685-be1f-d57550cc96cc" xsi:nil="true"/>
+    <ShowIn xmlns="4873beb7-5857-4685-be1f-d57550cc96cc">Show everywhere</ShowIn>
+    <UANotes xmlns="4873beb7-5857-4685-be1f-d57550cc96cc" xsi:nil="true"/>
+    <InternalTagsTaxHTField0 xmlns="4873beb7-5857-4685-be1f-d57550cc96cc">
+      <Terms xmlns="http://schemas.microsoft.com/office/infopath/2007/PartnerControls"/>
+    </InternalTagsTaxHTField0>
+    <CSXHash xmlns="4873beb7-5857-4685-be1f-d57550cc96cc" xsi:nil="true"/>
+    <VoteCount xmlns="4873beb7-5857-4685-be1f-d57550cc96cc" xsi:nil="true"/>
+    <AssetExpire xmlns="4873beb7-5857-4685-be1f-d57550cc96cc">2029-05-12T07:00:00+00:00</AssetExpire>
+    <DSATActionTaken xmlns="4873beb7-5857-4685-be1f-d57550cc96cc" xsi:nil="true"/>
+    <CSXSubmissionMarket xmlns="4873beb7-5857-4685-be1f-d57550cc96cc" xsi:nil="true"/>
+    <LocMarketGroupTiers2 xmlns="4873beb7-5857-4685-be1f-d57550cc96cc" xsi:nil="true"/>
+  </documentManagement>
+</p:properties>
+</file>
+
+<file path=customXml/item2.xml><?xml version="1.0" encoding="utf-8"?>
 <?mso-contentType ?>
 <FormTemplates xmlns="http://schemas.microsoft.com/sharepoint/v3/contenttype/forms">
   <Display>DocumentLibraryForm</Display>
@@ -7471,7 +8937,7 @@
 </FormTemplates>
 </file>
 
-<file path=customXml/item2.xml><?xml version="1.0" encoding="utf-8"?>
+<file path=customXml/item3.xml><?xml version="1.0" encoding="utf-8"?>
 <ct:contentTypeSchema xmlns:ct="http://schemas.microsoft.com/office/2006/metadata/contentType" xmlns:ma="http://schemas.microsoft.com/office/2006/metadata/properties/metaAttributes" ct:_="" ma:_="" ma:contentTypeName="TemplateFile" ma:contentTypeID="0x0101006EDDDB5EE6D98C44930B742096920B300400F5B6D36B3EF94B4E9A635CDF2A18F5B8" ma:contentTypeVersion="72" ma:contentTypeDescription="Create a new document." ma:contentTypeScope="" ma:versionID="a23e56308344d904b51738559c3d67c9">
   <xsd:schema xmlns:xsd="http://www.w3.org/2001/XMLSchema" xmlns:xs="http://www.w3.org/2001/XMLSchema" xmlns:p="http://schemas.microsoft.com/office/2006/metadata/properties" xmlns:ns2="4873beb7-5857-4685-be1f-d57550cc96cc" targetNamespace="http://schemas.microsoft.com/office/2006/metadata/properties" ma:root="true" ma:fieldsID="cd0908cc4600e77bf5da051303e00c8d" ns2:_="">
     <xsd:import namespace="4873beb7-5857-4685-be1f-d57550cc96cc"/>
@@ -8511,143 +9977,23 @@
 </ct:contentTypeSchema>
 </file>
 
-<file path=customXml/item3.xml><?xml version="1.0" encoding="utf-8"?>
-<p:properties xmlns:p="http://schemas.microsoft.com/office/2006/metadata/properties" xmlns:xsi="http://www.w3.org/2001/XMLSchema-instance" xmlns:pc="http://schemas.microsoft.com/office/infopath/2007/PartnerControls">
-  <documentManagement>
-    <LocPublishedLinkedAssetsLookup xmlns="4873beb7-5857-4685-be1f-d57550cc96cc" xsi:nil="true"/>
-    <ApprovalStatus xmlns="4873beb7-5857-4685-be1f-d57550cc96cc">InProgress</ApprovalStatus>
-    <MarketSpecific xmlns="4873beb7-5857-4685-be1f-d57550cc96cc">false</MarketSpecific>
-    <LocComments xmlns="4873beb7-5857-4685-be1f-d57550cc96cc" xsi:nil="true"/>
-    <LocLastLocAttemptVersionTypeLookup xmlns="4873beb7-5857-4685-be1f-d57550cc96cc" xsi:nil="true"/>
-    <DirectSourceMarket xmlns="4873beb7-5857-4685-be1f-d57550cc96cc" xsi:nil="true"/>
-    <ThumbnailAssetId xmlns="4873beb7-5857-4685-be1f-d57550cc96cc" xsi:nil="true"/>
-    <PrimaryImageGen xmlns="4873beb7-5857-4685-be1f-d57550cc96cc">false</PrimaryImageGen>
-    <LocNewPublishedVersionLookup xmlns="4873beb7-5857-4685-be1f-d57550cc96cc" xsi:nil="true"/>
-    <LegacyData xmlns="4873beb7-5857-4685-be1f-d57550cc96cc" xsi:nil="true"/>
-    <LocRecommendedHandoff xmlns="4873beb7-5857-4685-be1f-d57550cc96cc" xsi:nil="true"/>
-    <BusinessGroup xmlns="4873beb7-5857-4685-be1f-d57550cc96cc" xsi:nil="true"/>
-    <BlockPublish xmlns="4873beb7-5857-4685-be1f-d57550cc96cc">false</BlockPublish>
-    <TPFriendlyName xmlns="4873beb7-5857-4685-be1f-d57550cc96cc" xsi:nil="true"/>
-    <LocOverallPublishStatusLookup xmlns="4873beb7-5857-4685-be1f-d57550cc96cc" xsi:nil="true"/>
-    <NumericId xmlns="4873beb7-5857-4685-be1f-d57550cc96cc" xsi:nil="true"/>
-    <APEditor xmlns="4873beb7-5857-4685-be1f-d57550cc96cc">
-      <UserInfo>
-        <DisplayName/>
-        <AccountId xsi:nil="true"/>
-        <AccountType/>
-      </UserInfo>
-    </APEditor>
-    <SourceTitle xmlns="4873beb7-5857-4685-be1f-d57550cc96cc" xsi:nil="true"/>
-    <OpenTemplate xmlns="4873beb7-5857-4685-be1f-d57550cc96cc">true</OpenTemplate>
-    <LocOverallLocStatusLookup xmlns="4873beb7-5857-4685-be1f-d57550cc96cc" xsi:nil="true"/>
-    <UALocComments xmlns="4873beb7-5857-4685-be1f-d57550cc96cc" xsi:nil="true"/>
-    <ParentAssetId xmlns="4873beb7-5857-4685-be1f-d57550cc96cc" xsi:nil="true"/>
-    <IntlLangReviewDate xmlns="4873beb7-5857-4685-be1f-d57550cc96cc" xsi:nil="true"/>
-    <FeatureTagsTaxHTField0 xmlns="4873beb7-5857-4685-be1f-d57550cc96cc">
-      <Terms xmlns="http://schemas.microsoft.com/office/infopath/2007/PartnerControls"/>
-    </FeatureTagsTaxHTField0>
-    <PublishStatusLookup xmlns="4873beb7-5857-4685-be1f-d57550cc96cc">
-      <Value>1345093</Value>
-    </PublishStatusLookup>
-    <Providers xmlns="4873beb7-5857-4685-be1f-d57550cc96cc" xsi:nil="true"/>
-    <MachineTranslated xmlns="4873beb7-5857-4685-be1f-d57550cc96cc">false</MachineTranslated>
-    <OriginalSourceMarket xmlns="4873beb7-5857-4685-be1f-d57550cc96cc" xsi:nil="true"/>
-    <APDescription xmlns="4873beb7-5857-4685-be1f-d57550cc96cc">This simple template design works for technology and  businesses, but it's versatile enough to use in other contexts.  It features multiple slide layouts designed for widescreen (16x9 resolution) and includes a sample SmartArt list and chart that are easily editable.</APDescription>
-    <ClipArtFilename xmlns="4873beb7-5857-4685-be1f-d57550cc96cc" xsi:nil="true"/>
-    <ContentItem xmlns="4873beb7-5857-4685-be1f-d57550cc96cc" xsi:nil="true"/>
-    <TPInstallLocation xmlns="4873beb7-5857-4685-be1f-d57550cc96cc" xsi:nil="true"/>
-    <PublishTargets xmlns="4873beb7-5857-4685-be1f-d57550cc96cc">OfficeOnlineVNext</PublishTargets>
-    <TimesCloned xmlns="4873beb7-5857-4685-be1f-d57550cc96cc" xsi:nil="true"/>
-    <AssetStart xmlns="4873beb7-5857-4685-be1f-d57550cc96cc">2011-11-26T00:30:00+00:00</AssetStart>
-    <Provider xmlns="4873beb7-5857-4685-be1f-d57550cc96cc" xsi:nil="true"/>
-    <AcquiredFrom xmlns="4873beb7-5857-4685-be1f-d57550cc96cc">Internal MS</AcquiredFrom>
-    <FriendlyTitle xmlns="4873beb7-5857-4685-be1f-d57550cc96cc" xsi:nil="true"/>
-    <LastHandOff xmlns="4873beb7-5857-4685-be1f-d57550cc96cc" xsi:nil="true"/>
-    <TPClientViewer xmlns="4873beb7-5857-4685-be1f-d57550cc96cc" xsi:nil="true"/>
-    <TemplateStatus xmlns="4873beb7-5857-4685-be1f-d57550cc96cc">Complete</TemplateStatus>
-    <Downloads xmlns="4873beb7-5857-4685-be1f-d57550cc96cc">0</Downloads>
-    <OOCacheId xmlns="4873beb7-5857-4685-be1f-d57550cc96cc" xsi:nil="true"/>
-    <IsDeleted xmlns="4873beb7-5857-4685-be1f-d57550cc96cc">false</IsDeleted>
-    <LocPublishedDependentAssetsLookup xmlns="4873beb7-5857-4685-be1f-d57550cc96cc" xsi:nil="true"/>
-    <TPExecutable xmlns="4873beb7-5857-4685-be1f-d57550cc96cc" xsi:nil="true"/>
-    <EditorialTags xmlns="4873beb7-5857-4685-be1f-d57550cc96cc" xsi:nil="true"/>
-    <SubmitterId xmlns="4873beb7-5857-4685-be1f-d57550cc96cc" xsi:nil="true"/>
-    <ApprovalLog xmlns="4873beb7-5857-4685-be1f-d57550cc96cc" xsi:nil="true"/>
-    <AssetType xmlns="4873beb7-5857-4685-be1f-d57550cc96cc">TP</AssetType>
-    <BugNumber xmlns="4873beb7-5857-4685-be1f-d57550cc96cc" xsi:nil="true"/>
-    <CSXSubmissionDate xmlns="4873beb7-5857-4685-be1f-d57550cc96cc" xsi:nil="true"/>
-    <CSXUpdate xmlns="4873beb7-5857-4685-be1f-d57550cc96cc">false</CSXUpdate>
-    <Milestone xmlns="4873beb7-5857-4685-be1f-d57550cc96cc" xsi:nil="true"/>
-    <RecommendationsModifier xmlns="4873beb7-5857-4685-be1f-d57550cc96cc" xsi:nil="true"/>
-    <OriginAsset xmlns="4873beb7-5857-4685-be1f-d57550cc96cc" xsi:nil="true"/>
-    <TPComponent xmlns="4873beb7-5857-4685-be1f-d57550cc96cc" xsi:nil="true"/>
-    <AssetId xmlns="4873beb7-5857-4685-be1f-d57550cc96cc">TP102787989</AssetId>
-    <IntlLocPriority xmlns="4873beb7-5857-4685-be1f-d57550cc96cc" xsi:nil="true"/>
-    <PolicheckWords xmlns="4873beb7-5857-4685-be1f-d57550cc96cc" xsi:nil="true"/>
-    <TPLaunchHelpLink xmlns="4873beb7-5857-4685-be1f-d57550cc96cc" xsi:nil="true"/>
-    <TPApplication xmlns="4873beb7-5857-4685-be1f-d57550cc96cc" xsi:nil="true"/>
-    <CrawlForDependencies xmlns="4873beb7-5857-4685-be1f-d57550cc96cc">false</CrawlForDependencies>
-    <HandoffToMSDN xmlns="4873beb7-5857-4685-be1f-d57550cc96cc" xsi:nil="true"/>
-    <PlannedPubDate xmlns="4873beb7-5857-4685-be1f-d57550cc96cc" xsi:nil="true"/>
-    <IntlLangReviewer xmlns="4873beb7-5857-4685-be1f-d57550cc96cc" xsi:nil="true"/>
-    <TrustLevel xmlns="4873beb7-5857-4685-be1f-d57550cc96cc">1 Microsoft Managed Content</TrustLevel>
-    <LocLastLocAttemptVersionLookup xmlns="4873beb7-5857-4685-be1f-d57550cc96cc">694266</LocLastLocAttemptVersionLookup>
-    <LocProcessedForHandoffsLookup xmlns="4873beb7-5857-4685-be1f-d57550cc96cc" xsi:nil="true"/>
-    <IsSearchable xmlns="4873beb7-5857-4685-be1f-d57550cc96cc">true</IsSearchable>
-    <TemplateTemplateType xmlns="4873beb7-5857-4685-be1f-d57550cc96cc">PowerPoint Presentation Template</TemplateTemplateType>
-    <CampaignTagsTaxHTField0 xmlns="4873beb7-5857-4685-be1f-d57550cc96cc">
-      <Terms xmlns="http://schemas.microsoft.com/office/infopath/2007/PartnerControls"/>
-    </CampaignTagsTaxHTField0>
-    <TPNamespace xmlns="4873beb7-5857-4685-be1f-d57550cc96cc" xsi:nil="true"/>
-    <LocOverallPreviewStatusLookup xmlns="4873beb7-5857-4685-be1f-d57550cc96cc" xsi:nil="true"/>
-    <TaxCatchAll xmlns="4873beb7-5857-4685-be1f-d57550cc96cc"/>
-    <Markets xmlns="4873beb7-5857-4685-be1f-d57550cc96cc"/>
-    <UAProjectedTotalWords xmlns="4873beb7-5857-4685-be1f-d57550cc96cc" xsi:nil="true"/>
-    <IntlLangReview xmlns="4873beb7-5857-4685-be1f-d57550cc96cc" xsi:nil="true"/>
-    <OutputCachingOn xmlns="4873beb7-5857-4685-be1f-d57550cc96cc">false</OutputCachingOn>
-    <AverageRating xmlns="4873beb7-5857-4685-be1f-d57550cc96cc" xsi:nil="true"/>
-    <APAuthor xmlns="4873beb7-5857-4685-be1f-d57550cc96cc">
-      <UserInfo>
-        <DisplayName>REDMOND\kristaa</DisplayName>
-        <AccountId>136</AccountId>
-        <AccountType/>
-      </UserInfo>
-    </APAuthor>
-    <LocManualTestRequired xmlns="4873beb7-5857-4685-be1f-d57550cc96cc">false</LocManualTestRequired>
-    <TPCommandLine xmlns="4873beb7-5857-4685-be1f-d57550cc96cc" xsi:nil="true"/>
-    <TPAppVersion xmlns="4873beb7-5857-4685-be1f-d57550cc96cc" xsi:nil="true"/>
-    <EditorialStatus xmlns="4873beb7-5857-4685-be1f-d57550cc96cc">Complete</EditorialStatus>
-    <LastModifiedDateTime xmlns="4873beb7-5857-4685-be1f-d57550cc96cc" xsi:nil="true"/>
-    <ScenarioTagsTaxHTField0 xmlns="4873beb7-5857-4685-be1f-d57550cc96cc">
-      <Terms xmlns="http://schemas.microsoft.com/office/infopath/2007/PartnerControls"/>
-    </ScenarioTagsTaxHTField0>
-    <LocProcessedForMarketsLookup xmlns="4873beb7-5857-4685-be1f-d57550cc96cc" xsi:nil="true"/>
-    <TPLaunchHelpLinkType xmlns="4873beb7-5857-4685-be1f-d57550cc96cc">Template</TPLaunchHelpLinkType>
-    <OriginalRelease xmlns="4873beb7-5857-4685-be1f-d57550cc96cc">15</OriginalRelease>
-    <LocalizationTagsTaxHTField0 xmlns="4873beb7-5857-4685-be1f-d57550cc96cc">
-      <Terms xmlns="http://schemas.microsoft.com/office/infopath/2007/PartnerControls"/>
-    </LocalizationTagsTaxHTField0>
-    <UACurrentWords xmlns="4873beb7-5857-4685-be1f-d57550cc96cc" xsi:nil="true"/>
-    <ArtSampleDocs xmlns="4873beb7-5857-4685-be1f-d57550cc96cc" xsi:nil="true"/>
-    <UALocRecommendation xmlns="4873beb7-5857-4685-be1f-d57550cc96cc">Localize</UALocRecommendation>
-    <Manager xmlns="4873beb7-5857-4685-be1f-d57550cc96cc" xsi:nil="true"/>
-    <LocOverallHandbackStatusLookup xmlns="4873beb7-5857-4685-be1f-d57550cc96cc" xsi:nil="true"/>
-    <ShowIn xmlns="4873beb7-5857-4685-be1f-d57550cc96cc">Show everywhere</ShowIn>
-    <UANotes xmlns="4873beb7-5857-4685-be1f-d57550cc96cc" xsi:nil="true"/>
-    <InternalTagsTaxHTField0 xmlns="4873beb7-5857-4685-be1f-d57550cc96cc">
-      <Terms xmlns="http://schemas.microsoft.com/office/infopath/2007/PartnerControls"/>
-    </InternalTagsTaxHTField0>
-    <CSXHash xmlns="4873beb7-5857-4685-be1f-d57550cc96cc" xsi:nil="true"/>
-    <VoteCount xmlns="4873beb7-5857-4685-be1f-d57550cc96cc" xsi:nil="true"/>
-    <AssetExpire xmlns="4873beb7-5857-4685-be1f-d57550cc96cc">2029-05-12T07:00:00+00:00</AssetExpire>
-    <DSATActionTaken xmlns="4873beb7-5857-4685-be1f-d57550cc96cc" xsi:nil="true"/>
-    <CSXSubmissionMarket xmlns="4873beb7-5857-4685-be1f-d57550cc96cc" xsi:nil="true"/>
-    <LocMarketGroupTiers2 xmlns="4873beb7-5857-4685-be1f-d57550cc96cc" xsi:nil="true"/>
-  </documentManagement>
-</p:properties>
+<file path=customXml/itemProps1.xml><?xml version="1.0" encoding="utf-8"?>
+<ds:datastoreItem xmlns:ds="http://schemas.openxmlformats.org/officeDocument/2006/customXml" ds:itemID="{60C67BEE-D13F-4BD2-98A5-34D8A0977F68}">
+  <ds:schemaRefs>
+    <ds:schemaRef ds:uri="http://schemas.microsoft.com/office/2006/documentManagement/types"/>
+    <ds:schemaRef ds:uri="http://schemas.microsoft.com/office/2006/metadata/properties"/>
+    <ds:schemaRef ds:uri="http://purl.org/dc/elements/1.1/"/>
+    <ds:schemaRef ds:uri="http://purl.org/dc/terms/"/>
+    <ds:schemaRef ds:uri="http://www.w3.org/XML/1998/namespace"/>
+    <ds:schemaRef ds:uri="http://purl.org/dc/dcmitype/"/>
+    <ds:schemaRef ds:uri="http://schemas.microsoft.com/office/infopath/2007/PartnerControls"/>
+    <ds:schemaRef ds:uri="http://schemas.openxmlformats.org/package/2006/metadata/core-properties"/>
+    <ds:schemaRef ds:uri="4873beb7-5857-4685-be1f-d57550cc96cc"/>
+  </ds:schemaRefs>
+</ds:datastoreItem>
 </file>
 
-<file path=customXml/itemProps1.xml><?xml version="1.0" encoding="utf-8"?>
+<file path=customXml/itemProps2.xml><?xml version="1.0" encoding="utf-8"?>
 <ds:datastoreItem xmlns:ds="http://schemas.openxmlformats.org/officeDocument/2006/customXml" ds:itemID="{3836F65B-1B07-41EE-A0E8-BC6EF3855225}">
   <ds:schemaRefs>
     <ds:schemaRef ds:uri="http://schemas.microsoft.com/sharepoint/v3/contenttype/forms"/>
@@ -8655,7 +10001,7 @@
 </ds:datastoreItem>
 </file>
 
-<file path=customXml/itemProps2.xml><?xml version="1.0" encoding="utf-8"?>
+<file path=customXml/itemProps3.xml><?xml version="1.0" encoding="utf-8"?>
 <ds:datastoreItem xmlns:ds="http://schemas.openxmlformats.org/officeDocument/2006/customXml" ds:itemID="{A09BF4D4-EF60-4196-BFC3-9462D607978C}">
   <ds:schemaRefs>
     <ds:schemaRef ds:uri="http://schemas.microsoft.com/office/2006/metadata/contentType"/>
@@ -8671,20 +10017,4 @@
     <ds:schemaRef ds:uri="http://schemas.microsoft.com/internal/obd"/>
   </ds:schemaRefs>
 </ds:datastoreItem>
-</file>
-
-<file path=customXml/itemProps3.xml><?xml version="1.0" encoding="utf-8"?>
-<ds:datastoreItem xmlns:ds="http://schemas.openxmlformats.org/officeDocument/2006/customXml" ds:itemID="{60C67BEE-D13F-4BD2-98A5-34D8A0977F68}">
-  <ds:schemaRefs>
-    <ds:schemaRef ds:uri="http://purl.org/dc/elements/1.1/"/>
-    <ds:schemaRef ds:uri="http://schemas.openxmlformats.org/package/2006/metadata/core-properties"/>
-    <ds:schemaRef ds:uri="4873beb7-5857-4685-be1f-d57550cc96cc"/>
-    <ds:schemaRef ds:uri="http://schemas.microsoft.com/office/2006/documentManagement/types"/>
-    <ds:schemaRef ds:uri="http://purl.org/dc/dcmitype/"/>
-    <ds:schemaRef ds:uri="http://www.w3.org/XML/1998/namespace"/>
-    <ds:schemaRef ds:uri="http://purl.org/dc/terms/"/>
-    <ds:schemaRef ds:uri="http://schemas.microsoft.com/office/infopath/2007/PartnerControls"/>
-    <ds:schemaRef ds:uri="http://schemas.microsoft.com/office/2006/metadata/properties"/>
-  </ds:schemaRefs>
-</ds:datastoreItem>
 </file>
--- a/ppt_FLER.pptx
+++ b/ppt_FLER.pptx
@@ -5,10 +5,10 @@
     <p:sldMasterId id="2147483660" r:id="rId4"/>
   </p:sldMasterIdLst>
   <p:notesMasterIdLst>
-    <p:notesMasterId r:id="rId19"/>
+    <p:notesMasterId r:id="rId21"/>
   </p:notesMasterIdLst>
   <p:handoutMasterIdLst>
-    <p:handoutMasterId r:id="rId20"/>
+    <p:handoutMasterId r:id="rId22"/>
   </p:handoutMasterIdLst>
   <p:sldIdLst>
     <p:sldId id="257" r:id="rId5"/>
@@ -22,9 +22,11 @@
     <p:sldId id="275" r:id="rId13"/>
     <p:sldId id="276" r:id="rId14"/>
     <p:sldId id="277" r:id="rId15"/>
-    <p:sldId id="278" r:id="rId16"/>
-    <p:sldId id="280" r:id="rId17"/>
-    <p:sldId id="279" r:id="rId18"/>
+    <p:sldId id="280" r:id="rId16"/>
+    <p:sldId id="281" r:id="rId17"/>
+    <p:sldId id="282" r:id="rId18"/>
+    <p:sldId id="278" r:id="rId19"/>
+    <p:sldId id="283" r:id="rId20"/>
   </p:sldIdLst>
   <p:sldSz cx="12188825" cy="6858000"/>
   <p:notesSz cx="6858000" cy="9144000"/>
@@ -5153,11 +5155,11 @@
           <a:p>
             <a:r>
               <a:rPr lang="en-US" sz="8000" dirty="0" smtClean="0"/>
-              <a:t>FLER </a:t>
-            </a:r>
-            <a:r>
-              <a:rPr lang="en-US" sz="2000" dirty="0" smtClean="0"/>
-              <a:t>(four leg explorer robot)</a:t>
+              <a:t>FLER</a:t>
+            </a:r>
+            <a:r>
+              <a:rPr lang="en-US" sz="2400" dirty="0" smtClean="0"/>
+              <a:t>(Four Leg Explorer Robot)</a:t>
             </a:r>
             <a:endParaRPr lang="en-US" sz="8000" dirty="0"/>
           </a:p>
@@ -5176,7 +5178,7 @@
         <p:spPr>
           <a:xfrm>
             <a:off x="1632687" y="4800600"/>
-            <a:ext cx="3471125" cy="1397000"/>
+            <a:ext cx="3318725" cy="1397000"/>
           </a:xfrm>
         </p:spPr>
         <p:txBody>
@@ -5193,8 +5195,13 @@
           <a:p>
             <a:r>
               <a:rPr lang="en-US" sz="2000" dirty="0"/>
-              <a:t>Emmanuel Rodríguez </a:t>
-            </a:r>
+              <a:t>Emmanuel </a:t>
+            </a:r>
+            <a:r>
+              <a:rPr lang="en-US" sz="2000" dirty="0" smtClean="0"/>
+              <a:t>Rodríguez</a:t>
+            </a:r>
+            <a:endParaRPr lang="en-US" sz="2000" dirty="0"/>
           </a:p>
           <a:p>
             <a:r>
@@ -5233,7 +5240,7 @@
         </p:blipFill>
         <p:spPr bwMode="auto">
           <a:xfrm>
-            <a:off x="5103812" y="1066800"/>
+            <a:off x="6856412" y="1066800"/>
             <a:ext cx="4647089" cy="4647089"/>
           </a:xfrm>
           <a:prstGeom prst="rect">
@@ -5286,6 +5293,13 @@
       </p:transition>
     </mc:Fallback>
   </mc:AlternateContent>
+  <p:timing>
+    <p:tnLst>
+      <p:par>
+        <p:cTn id="1" dur="indefinite" restart="never" nodeType="tmRoot"/>
+      </p:par>
+    </p:tnLst>
+  </p:timing>
 </p:sld>
 </file>
 
@@ -5405,10 +5419,10 @@
       </p:sp>
       <p:pic>
         <p:nvPicPr>
-          <p:cNvPr id="1028" name="Picture 4" descr="Resultado de imagen para sensor ultrasonico hc-sr04">
+          <p:cNvPr id="1030" name="Picture 6" descr="Resultado de imagen para l298">
             <a:extLst>
               <a:ext uri="{FF2B5EF4-FFF2-40B4-BE49-F238E27FC236}">
-                <a16:creationId xmlns:a16="http://schemas.microsoft.com/office/drawing/2014/main" id="{AD48F4B3-3A86-4E62-BB20-1E8288B06A29}"/>
+                <a16:creationId xmlns:a16="http://schemas.microsoft.com/office/drawing/2014/main" id="{FD30A832-880F-4A46-8B17-113B9FBAAC9B}"/>
               </a:ext>
             </a:extLst>
           </p:cNvPr>
@@ -5418,7 +5432,7 @@
           <p:nvPr/>
         </p:nvPicPr>
         <p:blipFill>
-          <a:blip r:embed="rId2">
+          <a:blip r:embed="rId2" cstate="print">
             <a:extLst>
               <a:ext uri="{28A0092B-C50C-407E-A947-70E740481C1C}">
                 <a14:useLocalDpi xmlns:a14="http://schemas.microsoft.com/office/drawing/2010/main" val="0"/>
@@ -5432,8 +5446,8 @@
         </p:blipFill>
         <p:spPr bwMode="auto">
           <a:xfrm>
-            <a:off x="7237412" y="1843088"/>
-            <a:ext cx="3171824" cy="3171824"/>
+            <a:off x="2284412" y="3429000"/>
+            <a:ext cx="3061855" cy="3061855"/>
           </a:xfrm>
           <a:prstGeom prst="rect">
             <a:avLst/>
@@ -5452,10 +5466,10 @@
       </p:pic>
       <p:pic>
         <p:nvPicPr>
-          <p:cNvPr id="1030" name="Picture 6" descr="Resultado de imagen para l298">
+          <p:cNvPr id="6" name="Picture 4" descr="Resultado de imagen para sensor ultrasonico hc-sr04">
             <a:extLst>
               <a:ext uri="{FF2B5EF4-FFF2-40B4-BE49-F238E27FC236}">
-                <a16:creationId xmlns:a16="http://schemas.microsoft.com/office/drawing/2014/main" id="{FD30A832-880F-4A46-8B17-113B9FBAAC9B}"/>
+                <a16:creationId xmlns:a16="http://schemas.microsoft.com/office/drawing/2014/main" id="{AD48F4B3-3A86-4E62-BB20-1E8288B06A29}"/>
               </a:ext>
             </a:extLst>
           </p:cNvPr>
@@ -5465,7 +5479,7 @@
           <p:nvPr/>
         </p:nvPicPr>
         <p:blipFill>
-          <a:blip r:embed="rId3" cstate="print">
+          <a:blip r:embed="rId3">
             <a:extLst>
               <a:ext uri="{28A0092B-C50C-407E-A947-70E740481C1C}">
                 <a14:useLocalDpi xmlns:a14="http://schemas.microsoft.com/office/drawing/2010/main" val="0"/>
@@ -5479,8 +5493,8 @@
         </p:blipFill>
         <p:spPr bwMode="auto">
           <a:xfrm>
-            <a:off x="2284412" y="3429000"/>
-            <a:ext cx="3061855" cy="3061855"/>
+            <a:off x="7237412" y="1843088"/>
+            <a:ext cx="3171824" cy="3171824"/>
           </a:xfrm>
           <a:prstGeom prst="rect">
             <a:avLst/>
@@ -5519,6 +5533,13 @@
       </p:transition>
     </mc:Fallback>
   </mc:AlternateContent>
+  <p:timing>
+    <p:tnLst>
+      <p:par>
+        <p:cTn id="1" dur="indefinite" restart="never" nodeType="tmRoot"/>
+      </p:par>
+    </p:tnLst>
+  </p:timing>
 </p:sld>
 </file>
 
@@ -5638,6 +5659,13 @@
       </p:transition>
     </mc:Fallback>
   </mc:AlternateContent>
+  <p:timing>
+    <p:tnLst>
+      <p:par>
+        <p:cTn id="1" dur="indefinite" restart="never" nodeType="tmRoot"/>
+      </p:par>
+    </p:tnLst>
+  </p:timing>
 </p:sld>
 </file>
 
@@ -6023,7 +6051,7 @@
     </p:spTree>
     <p:extLst>
       <p:ext uri="{BB962C8B-B14F-4D97-AF65-F5344CB8AC3E}">
-        <p14:creationId xmlns:p14="http://schemas.microsoft.com/office/powerpoint/2010/main" val="4235629512"/>
+        <p14:creationId xmlns:p14="http://schemas.microsoft.com/office/powerpoint/2010/main" val="456765127"/>
       </p:ext>
     </p:extLst>
   </p:cSld>
@@ -6042,6 +6070,13 @@
       </p:transition>
     </mc:Fallback>
   </mc:AlternateContent>
+  <p:timing>
+    <p:tnLst>
+      <p:par>
+        <p:cTn id="1" dur="indefinite" restart="never" nodeType="tmRoot"/>
+      </p:par>
+    </p:tnLst>
+  </p:timing>
 </p:sld>
 </file>
 
@@ -6118,8 +6153,13 @@
           <a:p>
             <a:r>
               <a:rPr lang="es-CR" dirty="0"/>
-              <a:t>Microcontrolador ES8266 NodeMCU</a:t>
-            </a:r>
+              <a:t>Microcontrolador ES8266 </a:t>
+            </a:r>
+            <a:r>
+              <a:rPr lang="es-CR" dirty="0" err="1"/>
+              <a:t>NodeMCU</a:t>
+            </a:r>
+            <a:endParaRPr lang="es-CR" dirty="0"/>
           </a:p>
         </p:txBody>
       </p:sp>
@@ -6429,7 +6469,7 @@
     </p:spTree>
     <p:extLst>
       <p:ext uri="{BB962C8B-B14F-4D97-AF65-F5344CB8AC3E}">
-        <p14:creationId xmlns:p14="http://schemas.microsoft.com/office/powerpoint/2010/main" val="1521166438"/>
+        <p14:creationId xmlns:p14="http://schemas.microsoft.com/office/powerpoint/2010/main" val="383017753"/>
       </p:ext>
     </p:extLst>
   </p:cSld>
@@ -6448,6 +6488,13 @@
       </p:transition>
     </mc:Fallback>
   </mc:AlternateContent>
+  <p:timing>
+    <p:tnLst>
+      <p:par>
+        <p:cTn id="1" dur="indefinite" restart="never" nodeType="tmRoot"/>
+      </p:par>
+    </p:tnLst>
+  </p:timing>
 </p:sld>
 </file>
 
@@ -6591,7 +6638,302 @@
     </p:spTree>
     <p:extLst>
       <p:ext uri="{BB962C8B-B14F-4D97-AF65-F5344CB8AC3E}">
-        <p14:creationId xmlns:p14="http://schemas.microsoft.com/office/powerpoint/2010/main" val="2376576526"/>
+        <p14:creationId xmlns:p14="http://schemas.microsoft.com/office/powerpoint/2010/main" val="1467822929"/>
+      </p:ext>
+    </p:extLst>
+  </p:cSld>
+  <p:clrMapOvr>
+    <a:masterClrMapping/>
+  </p:clrMapOvr>
+  <mc:AlternateContent xmlns:mc="http://schemas.openxmlformats.org/markup-compatibility/2006" xmlns:p14="http://schemas.microsoft.com/office/powerpoint/2010/main">
+    <mc:Choice Requires="p14">
+      <p:transition spd="med" p14:dur="700">
+        <p:fade/>
+      </p:transition>
+    </mc:Choice>
+    <mc:Fallback xmlns="">
+      <p:transition spd="med">
+        <p:fade/>
+      </p:transition>
+    </mc:Fallback>
+  </mc:AlternateContent>
+  <p:timing>
+    <p:tnLst>
+      <p:par>
+        <p:cTn id="1" dur="indefinite" restart="never" nodeType="tmRoot"/>
+      </p:par>
+    </p:tnLst>
+  </p:timing>
+</p:sld>
+</file>
+
+<file path=ppt/slides/slide15.xml><?xml version="1.0" encoding="utf-8"?>
+<p:sld xmlns:a="http://schemas.openxmlformats.org/drawingml/2006/main" xmlns:r="http://schemas.openxmlformats.org/officeDocument/2006/relationships" xmlns:p="http://schemas.openxmlformats.org/presentationml/2006/main">
+  <p:cSld>
+    <p:spTree>
+      <p:nvGrpSpPr>
+        <p:cNvPr id="1" name=""/>
+        <p:cNvGrpSpPr/>
+        <p:nvPr/>
+      </p:nvGrpSpPr>
+      <p:grpSpPr>
+        <a:xfrm>
+          <a:off x="0" y="0"/>
+          <a:ext cx="0" cy="0"/>
+          <a:chOff x="0" y="0"/>
+          <a:chExt cx="0" cy="0"/>
+        </a:xfrm>
+      </p:grpSpPr>
+      <p:sp>
+        <p:nvSpPr>
+          <p:cNvPr id="2" name="Title 1">
+            <a:extLst>
+              <a:ext uri="{FF2B5EF4-FFF2-40B4-BE49-F238E27FC236}">
+                <a16:creationId xmlns:a16="http://schemas.microsoft.com/office/drawing/2014/main" id="{16AD0C6F-2EE1-47B4-8AE3-822A51524503}"/>
+              </a:ext>
+            </a:extLst>
+          </p:cNvPr>
+          <p:cNvSpPr>
+            <a:spLocks noGrp="1"/>
+          </p:cNvSpPr>
+          <p:nvPr>
+            <p:ph type="title"/>
+          </p:nvPr>
+        </p:nvSpPr>
+        <p:spPr/>
+        <p:txBody>
+          <a:bodyPr/>
+          <a:lstStyle/>
+          <a:p>
+            <a:r>
+              <a:rPr lang="en-US" dirty="0"/>
+              <a:t>Modelo cinemático</a:t>
+            </a:r>
+          </a:p>
+        </p:txBody>
+      </p:sp>
+      <p:pic>
+        <p:nvPicPr>
+          <p:cNvPr id="5" name="Content Placeholder 4" descr="A close up of a logo&#10;&#10;Description generated with very high confidence">
+            <a:extLst>
+              <a:ext uri="{FF2B5EF4-FFF2-40B4-BE49-F238E27FC236}">
+                <a16:creationId xmlns:a16="http://schemas.microsoft.com/office/drawing/2014/main" id="{9E9E5647-FCF5-4890-93AC-18649631AD04}"/>
+              </a:ext>
+            </a:extLst>
+          </p:cNvPr>
+          <p:cNvPicPr>
+            <a:picLocks noGrp="1" noChangeAspect="1"/>
+          </p:cNvPicPr>
+          <p:nvPr>
+            <p:ph idx="1"/>
+          </p:nvPr>
+        </p:nvPicPr>
+        <p:blipFill rotWithShape="1">
+          <a:blip r:embed="rId2" cstate="print">
+            <a:extLst>
+              <a:ext uri="{28A0092B-C50C-407E-A947-70E740481C1C}">
+                <a14:useLocalDpi xmlns:a14="http://schemas.microsoft.com/office/drawing/2010/main" val="0"/>
+              </a:ext>
+            </a:extLst>
+          </a:blip>
+          <a:srcRect l="35539" r="35646"/>
+          <a:stretch/>
+        </p:blipFill>
+        <p:spPr>
+          <a:xfrm>
+            <a:off x="227012" y="1749771"/>
+            <a:ext cx="2286001" cy="4462463"/>
+          </a:xfrm>
+        </p:spPr>
+      </p:pic>
+      <p:pic>
+        <p:nvPicPr>
+          <p:cNvPr id="7" name="Picture 6">
+            <a:extLst>
+              <a:ext uri="{FF2B5EF4-FFF2-40B4-BE49-F238E27FC236}">
+                <a16:creationId xmlns:a16="http://schemas.microsoft.com/office/drawing/2014/main" id="{7B497518-037E-4AB9-BD56-5D8C99DCB899}"/>
+              </a:ext>
+            </a:extLst>
+          </p:cNvPr>
+          <p:cNvPicPr>
+            <a:picLocks noChangeAspect="1"/>
+          </p:cNvPicPr>
+          <p:nvPr/>
+        </p:nvPicPr>
+        <p:blipFill rotWithShape="1">
+          <a:blip r:embed="rId3" cstate="print">
+            <a:extLst>
+              <a:ext uri="{28A0092B-C50C-407E-A947-70E740481C1C}">
+                <a14:useLocalDpi xmlns:a14="http://schemas.microsoft.com/office/drawing/2010/main" val="0"/>
+              </a:ext>
+            </a:extLst>
+          </a:blip>
+          <a:srcRect l="24013" r="36606"/>
+          <a:stretch/>
+        </p:blipFill>
+        <p:spPr>
+          <a:xfrm>
+            <a:off x="2589212" y="1749771"/>
+            <a:ext cx="3124202" cy="4462462"/>
+          </a:xfrm>
+          <a:prstGeom prst="rect">
+            <a:avLst/>
+          </a:prstGeom>
+        </p:spPr>
+      </p:pic>
+      <p:pic>
+        <p:nvPicPr>
+          <p:cNvPr id="9" name="Picture 8" descr="A close up of a device&#10;&#10;Description generated with high confidence">
+            <a:extLst>
+              <a:ext uri="{FF2B5EF4-FFF2-40B4-BE49-F238E27FC236}">
+                <a16:creationId xmlns:a16="http://schemas.microsoft.com/office/drawing/2014/main" id="{33C1DE31-3FAF-453C-865D-55C206326EF0}"/>
+              </a:ext>
+            </a:extLst>
+          </p:cNvPr>
+          <p:cNvPicPr>
+            <a:picLocks noChangeAspect="1"/>
+          </p:cNvPicPr>
+          <p:nvPr/>
+        </p:nvPicPr>
+        <p:blipFill rotWithShape="1">
+          <a:blip r:embed="rId4" cstate="print">
+            <a:extLst>
+              <a:ext uri="{28A0092B-C50C-407E-A947-70E740481C1C}">
+                <a14:useLocalDpi xmlns:a14="http://schemas.microsoft.com/office/drawing/2010/main" val="0"/>
+              </a:ext>
+            </a:extLst>
+          </a:blip>
+          <a:srcRect l="37460" r="37567"/>
+          <a:stretch/>
+        </p:blipFill>
+        <p:spPr>
+          <a:xfrm>
+            <a:off x="6475413" y="1752600"/>
+            <a:ext cx="1981200" cy="4462462"/>
+          </a:xfrm>
+          <a:prstGeom prst="rect">
+            <a:avLst/>
+          </a:prstGeom>
+        </p:spPr>
+      </p:pic>
+      <p:pic>
+        <p:nvPicPr>
+          <p:cNvPr id="11" name="Picture 10" descr="A close up of a device&#10;&#10;Description generated with very high confidence">
+            <a:extLst>
+              <a:ext uri="{FF2B5EF4-FFF2-40B4-BE49-F238E27FC236}">
+                <a16:creationId xmlns:a16="http://schemas.microsoft.com/office/drawing/2014/main" id="{A7C19E0A-0C02-492A-A7DB-8A4668489B5A}"/>
+              </a:ext>
+            </a:extLst>
+          </p:cNvPr>
+          <p:cNvPicPr>
+            <a:picLocks noChangeAspect="1"/>
+          </p:cNvPicPr>
+          <p:nvPr/>
+        </p:nvPicPr>
+        <p:blipFill rotWithShape="1">
+          <a:blip r:embed="rId5" cstate="print">
+            <a:extLst>
+              <a:ext uri="{28A0092B-C50C-407E-A947-70E740481C1C}">
+                <a14:useLocalDpi xmlns:a14="http://schemas.microsoft.com/office/drawing/2010/main" val="0"/>
+              </a:ext>
+            </a:extLst>
+          </a:blip>
+          <a:srcRect l="21324" r="36360"/>
+          <a:stretch/>
+        </p:blipFill>
+        <p:spPr>
+          <a:xfrm>
+            <a:off x="8532812" y="1752600"/>
+            <a:ext cx="3352800" cy="4456807"/>
+          </a:xfrm>
+          <a:prstGeom prst="rect">
+            <a:avLst/>
+          </a:prstGeom>
+        </p:spPr>
+      </p:pic>
+    </p:spTree>
+    <p:extLst>
+      <p:ext uri="{BB962C8B-B14F-4D97-AF65-F5344CB8AC3E}">
+        <p14:creationId xmlns:p14="http://schemas.microsoft.com/office/powerpoint/2010/main" val="4290916008"/>
+      </p:ext>
+    </p:extLst>
+  </p:cSld>
+  <p:clrMapOvr>
+    <a:masterClrMapping/>
+  </p:clrMapOvr>
+  <mc:AlternateContent xmlns:mc="http://schemas.openxmlformats.org/markup-compatibility/2006" xmlns:p14="http://schemas.microsoft.com/office/powerpoint/2010/main">
+    <mc:Choice Requires="p14">
+      <p:transition spd="med" p14:dur="700">
+        <p:fade/>
+      </p:transition>
+    </mc:Choice>
+    <mc:Fallback xmlns="">
+      <p:transition spd="med">
+        <p:fade/>
+      </p:transition>
+    </mc:Fallback>
+  </mc:AlternateContent>
+  <p:timing>
+    <p:tnLst>
+      <p:par>
+        <p:cTn id="1" dur="indefinite" restart="never" nodeType="tmRoot"/>
+      </p:par>
+    </p:tnLst>
+  </p:timing>
+</p:sld>
+</file>
+
+<file path=ppt/slides/slide16.xml><?xml version="1.0" encoding="utf-8"?>
+<p:sld xmlns:a="http://schemas.openxmlformats.org/drawingml/2006/main" xmlns:r="http://schemas.openxmlformats.org/officeDocument/2006/relationships" xmlns:p="http://schemas.openxmlformats.org/presentationml/2006/main">
+  <p:cSld>
+    <p:spTree>
+      <p:nvGrpSpPr>
+        <p:cNvPr id="1" name=""/>
+        <p:cNvGrpSpPr/>
+        <p:nvPr/>
+      </p:nvGrpSpPr>
+      <p:grpSpPr>
+        <a:xfrm>
+          <a:off x="0" y="0"/>
+          <a:ext cx="0" cy="0"/>
+          <a:chOff x="0" y="0"/>
+          <a:chExt cx="0" cy="0"/>
+        </a:xfrm>
+      </p:grpSpPr>
+      <p:sp>
+        <p:nvSpPr>
+          <p:cNvPr id="2" name="Título 1"/>
+          <p:cNvSpPr>
+            <a:spLocks noGrp="1"/>
+          </p:cNvSpPr>
+          <p:nvPr>
+            <p:ph type="title"/>
+          </p:nvPr>
+        </p:nvSpPr>
+        <p:spPr>
+          <a:xfrm>
+            <a:off x="1141412" y="1447800"/>
+            <a:ext cx="10360501" cy="1223963"/>
+          </a:xfrm>
+        </p:spPr>
+        <p:txBody>
+          <a:bodyPr>
+            <a:normAutofit/>
+          </a:bodyPr>
+          <a:lstStyle/>
+          <a:p>
+            <a:r>
+              <a:rPr lang="es-CR" sz="6000" dirty="0" smtClean="0"/>
+              <a:t>GRACIAS</a:t>
+            </a:r>
+            <a:endParaRPr lang="en-US" sz="6000" dirty="0"/>
+          </a:p>
+        </p:txBody>
+      </p:sp>
+    </p:spTree>
+    <p:extLst>
+      <p:ext uri="{BB962C8B-B14F-4D97-AF65-F5344CB8AC3E}">
+        <p14:creationId xmlns:p14="http://schemas.microsoft.com/office/powerpoint/2010/main" val="295083569"/>
       </p:ext>
     </p:extLst>
   </p:cSld>
@@ -6726,6 +7068,13 @@
       </p:transition>
     </mc:Fallback>
   </mc:AlternateContent>
+  <p:timing>
+    <p:tnLst>
+      <p:par>
+        <p:cTn id="1" dur="indefinite" restart="never" nodeType="tmRoot"/>
+      </p:par>
+    </p:tnLst>
+  </p:timing>
 </p:sld>
 </file>
 
@@ -6813,6 +7162,13 @@
       </p:transition>
     </mc:Fallback>
   </mc:AlternateContent>
+  <p:timing>
+    <p:tnLst>
+      <p:par>
+        <p:cTn id="1" dur="indefinite" restart="never" nodeType="tmRoot"/>
+      </p:par>
+    </p:tnLst>
+  </p:timing>
 </p:sld>
 </file>
 
@@ -6872,7 +7228,7 @@
           <a:p>
             <a:r>
               <a:rPr lang="es-CR" dirty="0"/>
-              <a:t>Desplazamiento autónomo (modelo quine mático)</a:t>
+              <a:t>Desplazamiento autónomo (modelo cinemático)</a:t>
             </a:r>
           </a:p>
           <a:p>
@@ -6926,6 +7282,13 @@
       </p:transition>
     </mc:Fallback>
   </mc:AlternateContent>
+  <p:timing>
+    <p:tnLst>
+      <p:par>
+        <p:cTn id="1" dur="indefinite" restart="never" nodeType="tmRoot"/>
+      </p:par>
+    </p:tnLst>
+  </p:timing>
 </p:sld>
 </file>
 
@@ -6980,34 +7343,47 @@
         </p:nvSpPr>
         <p:spPr/>
         <p:txBody>
-          <a:bodyPr>
-            <a:normAutofit/>
-          </a:bodyPr>
+          <a:bodyPr/>
           <a:lstStyle/>
           <a:p>
             <a:r>
-              <a:rPr lang="es-CR" sz="2400" dirty="0" smtClean="0"/>
+              <a:rPr lang="es-CR" dirty="0"/>
               <a:t>Instalar sensores HC-SR04, DTH22, MQ-2</a:t>
             </a:r>
           </a:p>
           <a:p>
             <a:r>
-              <a:rPr lang="es-CR" sz="2400" dirty="0" smtClean="0"/>
-              <a:t>Transmisión de datos mediante ES8266 NodeMCU</a:t>
-            </a:r>
-          </a:p>
-          <a:p>
-            <a:r>
-              <a:rPr lang="es-CR" sz="2400" dirty="0" smtClean="0"/>
+              <a:rPr lang="es-CR" dirty="0"/>
+              <a:t>Transmisión de datos mediante ES8266 </a:t>
+            </a:r>
+            <a:r>
+              <a:rPr lang="es-CR" dirty="0" err="1"/>
+              <a:t>NodeMCU</a:t>
+            </a:r>
+            <a:endParaRPr lang="es-CR" dirty="0"/>
+          </a:p>
+          <a:p>
+            <a:r>
+              <a:rPr lang="es-CR" dirty="0"/>
               <a:t>Control de motores y unidad principal mediante STM32F103</a:t>
             </a:r>
           </a:p>
           <a:p>
             <a:r>
-              <a:rPr lang="es-CR" sz="2400" dirty="0" smtClean="0"/>
-              <a:t>Mapeo de datos mediante WI-Fi</a:t>
-            </a:r>
-            <a:endParaRPr lang="es-CR" sz="2400" dirty="0" smtClean="0"/>
+              <a:rPr lang="es-CR" dirty="0"/>
+              <a:t>Mapeo de datos </a:t>
+            </a:r>
+            <a:r>
+              <a:rPr lang="es-CR" dirty="0" smtClean="0"/>
+              <a:t>mediante internet</a:t>
+            </a:r>
+            <a:endParaRPr lang="es-CR" dirty="0"/>
+          </a:p>
+          <a:p>
+            <a:pPr marL="0" indent="0">
+              <a:buNone/>
+            </a:pPr>
+            <a:endParaRPr lang="es-CR" dirty="0"/>
           </a:p>
         </p:txBody>
       </p:sp>
@@ -7033,6 +7409,13 @@
       </p:transition>
     </mc:Fallback>
   </mc:AlternateContent>
+  <p:timing>
+    <p:tnLst>
+      <p:par>
+        <p:cTn id="1" dur="indefinite" restart="never" nodeType="tmRoot"/>
+      </p:par>
+    </p:tnLst>
+  </p:timing>
 </p:sld>
 </file>
 
@@ -7085,14 +7468,14 @@
             <p:ph idx="1"/>
             <p:extLst>
               <p:ext uri="{D42A27DB-BD31-4B8C-83A1-F6EECF244321}">
-                <p14:modId xmlns:p14="http://schemas.microsoft.com/office/powerpoint/2010/main" val="503379715"/>
+                <p14:modId xmlns:p14="http://schemas.microsoft.com/office/powerpoint/2010/main" val="449351524"/>
               </p:ext>
             </p:extLst>
           </p:nvPr>
         </p:nvGraphicFramePr>
         <p:xfrm>
           <a:off x="1219200" y="1701800"/>
-          <a:ext cx="10360026" cy="4023360"/>
+          <a:ext cx="10360026" cy="3657600"/>
         </p:xfrm>
         <a:graphic>
           <a:graphicData uri="http://schemas.openxmlformats.org/drawingml/2006/table">
@@ -7226,13 +7609,9 @@
                       </a:r>
                       <a:r>
                         <a:rPr lang="es-CR" dirty="0" smtClean="0"/>
-                        <a:t>STM32F103 y ESP8266</a:t>
+                        <a:t>ES8266 y STM32F103</a:t>
                       </a:r>
-                      <a:r>
-                        <a:rPr lang="es-CR" baseline="0" dirty="0" smtClean="0"/>
-                        <a:t> NodeMCU</a:t>
-                      </a:r>
-                      <a:endParaRPr lang="es-CR" dirty="0" smtClean="0"/>
+                      <a:endParaRPr lang="es-CR" dirty="0"/>
                     </a:p>
                   </a:txBody>
                   <a:tcPr/>
@@ -7418,6 +7797,13 @@
       </p:transition>
     </mc:Fallback>
   </mc:AlternateContent>
+  <p:timing>
+    <p:tnLst>
+      <p:par>
+        <p:cTn id="1" dur="indefinite" restart="never" nodeType="tmRoot"/>
+      </p:par>
+    </p:tnLst>
+  </p:timing>
 </p:sld>
 </file>
 
@@ -7484,7 +7870,19 @@
             <a:pPr lvl="1"/>
             <a:r>
               <a:rPr lang="es-CR" dirty="0"/>
-              <a:t>Mediante Fusion Autodesk 360</a:t>
+              <a:t>Mediante </a:t>
+            </a:r>
+            <a:r>
+              <a:rPr lang="es-CR" dirty="0" err="1" smtClean="0"/>
+              <a:t>Fusion</a:t>
+            </a:r>
+            <a:r>
+              <a:rPr lang="es-CR" dirty="0" smtClean="0"/>
+              <a:t> </a:t>
+            </a:r>
+            <a:r>
+              <a:rPr lang="es-CR" dirty="0"/>
+              <a:t>360</a:t>
             </a:r>
           </a:p>
         </p:txBody>
@@ -7565,6 +7963,13 @@
       </p:transition>
     </mc:Fallback>
   </mc:AlternateContent>
+  <p:timing>
+    <p:tnLst>
+      <p:par>
+        <p:cTn id="1" dur="indefinite" restart="never" nodeType="tmRoot"/>
+      </p:par>
+    </p:tnLst>
+  </p:timing>
 </p:sld>
 </file>
 
@@ -7621,7 +8026,7 @@
             <a:pPr lvl="2"/>
             <a:r>
               <a:rPr lang="es-CR" dirty="0"/>
-              <a:t>Aluminio 2020</a:t>
+              <a:t>Aluminio 6061</a:t>
             </a:r>
           </a:p>
         </p:txBody>
@@ -7702,6 +8107,13 @@
       </p:transition>
     </mc:Fallback>
   </mc:AlternateContent>
+  <p:timing>
+    <p:tnLst>
+      <p:par>
+        <p:cTn id="1" dur="indefinite" restart="never" nodeType="tmRoot"/>
+      </p:par>
+    </p:tnLst>
+  </p:timing>
 </p:sld>
 </file>
 
@@ -7839,6 +8251,13 @@
       </p:transition>
     </mc:Fallback>
   </mc:AlternateContent>
+  <p:timing>
+    <p:tnLst>
+      <p:par>
+        <p:cTn id="1" dur="indefinite" restart="never" nodeType="tmRoot"/>
+      </p:par>
+    </p:tnLst>
+  </p:timing>
 </p:sld>
 </file>
 
@@ -8793,6 +9212,15 @@
 </file>
 
 <file path=customXml/item1.xml><?xml version="1.0" encoding="utf-8"?>
+<?mso-contentType ?>
+<FormTemplates xmlns="http://schemas.microsoft.com/sharepoint/v3/contenttype/forms">
+  <Display>DocumentLibraryForm</Display>
+  <Edit>AssetEditForm</Edit>
+  <New>DocumentLibraryForm</New>
+</FormTemplates>
+</file>
+
+<file path=customXml/item2.xml><?xml version="1.0" encoding="utf-8"?>
 <p:properties xmlns:p="http://schemas.microsoft.com/office/2006/metadata/properties" xmlns:xsi="http://www.w3.org/2001/XMLSchema-instance" xmlns:pc="http://schemas.microsoft.com/office/infopath/2007/PartnerControls">
   <documentManagement>
     <LocPublishedLinkedAssetsLookup xmlns="4873beb7-5857-4685-be1f-d57550cc96cc" xsi:nil="true"/>
@@ -8926,15 +9354,6 @@
     <LocMarketGroupTiers2 xmlns="4873beb7-5857-4685-be1f-d57550cc96cc" xsi:nil="true"/>
   </documentManagement>
 </p:properties>
-</file>
-
-<file path=customXml/item2.xml><?xml version="1.0" encoding="utf-8"?>
-<?mso-contentType ?>
-<FormTemplates xmlns="http://schemas.microsoft.com/sharepoint/v3/contenttype/forms">
-  <Display>DocumentLibraryForm</Display>
-  <Edit>AssetEditForm</Edit>
-  <New>DocumentLibraryForm</New>
-</FormTemplates>
 </file>
 
 <file path=customXml/item3.xml><?xml version="1.0" encoding="utf-8"?>
@@ -9978,25 +10397,25 @@
 </file>
 
 <file path=customXml/itemProps1.xml><?xml version="1.0" encoding="utf-8"?>
-<ds:datastoreItem xmlns:ds="http://schemas.openxmlformats.org/officeDocument/2006/customXml" ds:itemID="{60C67BEE-D13F-4BD2-98A5-34D8A0977F68}">
+<ds:datastoreItem xmlns:ds="http://schemas.openxmlformats.org/officeDocument/2006/customXml" ds:itemID="{3836F65B-1B07-41EE-A0E8-BC6EF3855225}">
   <ds:schemaRefs>
-    <ds:schemaRef ds:uri="http://schemas.microsoft.com/office/2006/documentManagement/types"/>
-    <ds:schemaRef ds:uri="http://schemas.microsoft.com/office/2006/metadata/properties"/>
-    <ds:schemaRef ds:uri="http://purl.org/dc/elements/1.1/"/>
-    <ds:schemaRef ds:uri="http://purl.org/dc/terms/"/>
-    <ds:schemaRef ds:uri="http://www.w3.org/XML/1998/namespace"/>
-    <ds:schemaRef ds:uri="http://purl.org/dc/dcmitype/"/>
-    <ds:schemaRef ds:uri="http://schemas.microsoft.com/office/infopath/2007/PartnerControls"/>
-    <ds:schemaRef ds:uri="http://schemas.openxmlformats.org/package/2006/metadata/core-properties"/>
-    <ds:schemaRef ds:uri="4873beb7-5857-4685-be1f-d57550cc96cc"/>
+    <ds:schemaRef ds:uri="http://schemas.microsoft.com/sharepoint/v3/contenttype/forms"/>
   </ds:schemaRefs>
 </ds:datastoreItem>
 </file>
 
 <file path=customXml/itemProps2.xml><?xml version="1.0" encoding="utf-8"?>
-<ds:datastoreItem xmlns:ds="http://schemas.openxmlformats.org/officeDocument/2006/customXml" ds:itemID="{3836F65B-1B07-41EE-A0E8-BC6EF3855225}">
+<ds:datastoreItem xmlns:ds="http://schemas.openxmlformats.org/officeDocument/2006/customXml" ds:itemID="{60C67BEE-D13F-4BD2-98A5-34D8A0977F68}">
   <ds:schemaRefs>
-    <ds:schemaRef ds:uri="http://schemas.microsoft.com/sharepoint/v3/contenttype/forms"/>
+    <ds:schemaRef ds:uri="http://purl.org/dc/elements/1.1/"/>
+    <ds:schemaRef ds:uri="http://schemas.openxmlformats.org/package/2006/metadata/core-properties"/>
+    <ds:schemaRef ds:uri="4873beb7-5857-4685-be1f-d57550cc96cc"/>
+    <ds:schemaRef ds:uri="http://schemas.microsoft.com/office/2006/documentManagement/types"/>
+    <ds:schemaRef ds:uri="http://purl.org/dc/dcmitype/"/>
+    <ds:schemaRef ds:uri="http://www.w3.org/XML/1998/namespace"/>
+    <ds:schemaRef ds:uri="http://purl.org/dc/terms/"/>
+    <ds:schemaRef ds:uri="http://schemas.microsoft.com/office/infopath/2007/PartnerControls"/>
+    <ds:schemaRef ds:uri="http://schemas.microsoft.com/office/2006/metadata/properties"/>
   </ds:schemaRefs>
 </ds:datastoreItem>
 </file>

--- a/ppt_FLER.pptx
+++ b/ppt_FLER.pptx
@@ -5,10 +5,10 @@
     <p:sldMasterId id="2147483660" r:id="rId4"/>
   </p:sldMasterIdLst>
   <p:notesMasterIdLst>
-    <p:notesMasterId r:id="rId21"/>
+    <p:notesMasterId r:id="rId22"/>
   </p:notesMasterIdLst>
   <p:handoutMasterIdLst>
-    <p:handoutMasterId r:id="rId22"/>
+    <p:handoutMasterId r:id="rId23"/>
   </p:handoutMasterIdLst>
   <p:sldIdLst>
     <p:sldId id="257" r:id="rId5"/>
@@ -20,13 +20,14 @@
     <p:sldId id="273" r:id="rId11"/>
     <p:sldId id="274" r:id="rId12"/>
     <p:sldId id="275" r:id="rId13"/>
-    <p:sldId id="276" r:id="rId14"/>
-    <p:sldId id="277" r:id="rId15"/>
-    <p:sldId id="280" r:id="rId16"/>
-    <p:sldId id="281" r:id="rId17"/>
-    <p:sldId id="282" r:id="rId18"/>
-    <p:sldId id="278" r:id="rId19"/>
-    <p:sldId id="283" r:id="rId20"/>
+    <p:sldId id="284" r:id="rId14"/>
+    <p:sldId id="285" r:id="rId15"/>
+    <p:sldId id="276" r:id="rId16"/>
+    <p:sldId id="280" r:id="rId17"/>
+    <p:sldId id="281" r:id="rId18"/>
+    <p:sldId id="282" r:id="rId19"/>
+    <p:sldId id="278" r:id="rId20"/>
+    <p:sldId id="283" r:id="rId21"/>
   </p:sldIdLst>
   <p:sldSz cx="12188825" cy="6858000"/>
   <p:notesSz cx="6858000" cy="9144000"/>
@@ -240,7 +241,7 @@
           <a:p>
             <a:fld id="{FE5B4EDC-59C0-49C7-8ADA-5A781B329E02}" type="datetimeFigureOut">
               <a:rPr lang="en-US"/>
-              <a:t>10/9/2018</a:t>
+              <a:t>10/17/2018</a:t>
             </a:fld>
             <a:endParaRPr/>
           </a:p>
@@ -306,7 +307,7 @@
           <a:p>
             <a:fld id="{79429053-DC2A-4342-ADD4-2FD729D91E2C}" type="slidenum">
               <a:rPr/>
-              <a:t>‹Nº›</a:t>
+              <a:t>‹#›</a:t>
             </a:fld>
             <a:endParaRPr/>
           </a:p>
@@ -405,7 +406,7 @@
           <a:p>
             <a:fld id="{F2D8D46A-B586-417D-BFBD-8C8FE0AAF762}" type="datetimeFigureOut">
               <a:rPr lang="en-US"/>
-              <a:t>10/9/2018</a:t>
+              <a:t>10/17/2018</a:t>
             </a:fld>
             <a:endParaRPr/>
           </a:p>
@@ -558,7 +559,7 @@
           <a:p>
             <a:fld id="{3EBA5BD7-F043-4D1B-AA17-CD412FC534DE}" type="slidenum">
               <a:rPr/>
-              <a:t>‹Nº›</a:t>
+              <a:t>‹#›</a:t>
             </a:fld>
             <a:endParaRPr/>
           </a:p>
@@ -1423,7 +1424,7 @@
           <a:p>
             <a:fld id="{F0DFD029-FB74-4578-B929-F66AA97659CA}" type="datetimeFigureOut">
               <a:rPr lang="en-US"/>
-              <a:t>10/9/2018</a:t>
+              <a:t>10/17/2018</a:t>
             </a:fld>
             <a:endParaRPr/>
           </a:p>
@@ -1465,7 +1466,7 @@
           <a:p>
             <a:fld id="{C014DD1E-5D91-48A3-AD6D-45FBA980D106}" type="slidenum">
               <a:rPr/>
-              <a:t>‹Nº›</a:t>
+              <a:t>‹#›</a:t>
             </a:fld>
             <a:endParaRPr/>
           </a:p>
@@ -1621,7 +1622,7 @@
           <a:p>
             <a:fld id="{F0DFD029-FB74-4578-B929-F66AA97659CA}" type="datetimeFigureOut">
               <a:rPr lang="en-US"/>
-              <a:t>10/9/2018</a:t>
+              <a:t>10/17/2018</a:t>
             </a:fld>
             <a:endParaRPr/>
           </a:p>
@@ -1663,7 +1664,7 @@
           <a:p>
             <a:fld id="{C014DD1E-5D91-48A3-AD6D-45FBA980D106}" type="slidenum">
               <a:rPr/>
-              <a:t>‹Nº›</a:t>
+              <a:t>‹#›</a:t>
             </a:fld>
             <a:endParaRPr/>
           </a:p>
@@ -1829,7 +1830,7 @@
           <a:p>
             <a:fld id="{F0DFD029-FB74-4578-B929-F66AA97659CA}" type="datetimeFigureOut">
               <a:rPr lang="en-US"/>
-              <a:t>10/9/2018</a:t>
+              <a:t>10/17/2018</a:t>
             </a:fld>
             <a:endParaRPr/>
           </a:p>
@@ -1871,7 +1872,7 @@
           <a:p>
             <a:fld id="{C014DD1E-5D91-48A3-AD6D-45FBA980D106}" type="slidenum">
               <a:rPr/>
-              <a:t>‹Nº›</a:t>
+              <a:t>‹#›</a:t>
             </a:fld>
             <a:endParaRPr/>
           </a:p>
@@ -2027,7 +2028,7 @@
           <a:p>
             <a:fld id="{F0DFD029-FB74-4578-B929-F66AA97659CA}" type="datetimeFigureOut">
               <a:rPr lang="en-US"/>
-              <a:t>10/9/2018</a:t>
+              <a:t>10/17/2018</a:t>
             </a:fld>
             <a:endParaRPr/>
           </a:p>
@@ -2069,7 +2070,7 @@
           <a:p>
             <a:fld id="{C014DD1E-5D91-48A3-AD6D-45FBA980D106}" type="slidenum">
               <a:rPr/>
-              <a:t>‹Nº›</a:t>
+              <a:t>‹#›</a:t>
             </a:fld>
             <a:endParaRPr/>
           </a:p>
@@ -2459,7 +2460,7 @@
           <a:p>
             <a:fld id="{F0DFD029-FB74-4578-B929-F66AA97659CA}" type="datetimeFigureOut">
               <a:rPr lang="en-US"/>
-              <a:t>10/9/2018</a:t>
+              <a:t>10/17/2018</a:t>
             </a:fld>
             <a:endParaRPr/>
           </a:p>
@@ -2501,7 +2502,7 @@
           <a:p>
             <a:fld id="{C014DD1E-5D91-48A3-AD6D-45FBA980D106}" type="slidenum">
               <a:rPr/>
-              <a:t>‹Nº›</a:t>
+              <a:t>‹#›</a:t>
             </a:fld>
             <a:endParaRPr/>
           </a:p>
@@ -2763,7 +2764,7 @@
           <a:p>
             <a:fld id="{F0DFD029-FB74-4578-B929-F66AA97659CA}" type="datetimeFigureOut">
               <a:rPr lang="en-US"/>
-              <a:t>10/9/2018</a:t>
+              <a:t>10/17/2018</a:t>
             </a:fld>
             <a:endParaRPr/>
           </a:p>
@@ -2805,7 +2806,7 @@
           <a:p>
             <a:fld id="{C014DD1E-5D91-48A3-AD6D-45FBA980D106}" type="slidenum">
               <a:rPr/>
-              <a:t>‹Nº›</a:t>
+              <a:t>‹#›</a:t>
             </a:fld>
             <a:endParaRPr/>
           </a:p>
@@ -3219,7 +3220,7 @@
           <a:p>
             <a:fld id="{F0DFD029-FB74-4578-B929-F66AA97659CA}" type="datetimeFigureOut">
               <a:rPr lang="en-US"/>
-              <a:t>10/9/2018</a:t>
+              <a:t>10/17/2018</a:t>
             </a:fld>
             <a:endParaRPr/>
           </a:p>
@@ -3261,7 +3262,7 @@
           <a:p>
             <a:fld id="{C014DD1E-5D91-48A3-AD6D-45FBA980D106}" type="slidenum">
               <a:rPr/>
-              <a:t>‹Nº›</a:t>
+              <a:t>‹#›</a:t>
             </a:fld>
             <a:endParaRPr/>
           </a:p>
@@ -3349,7 +3350,7 @@
           <a:p>
             <a:fld id="{F0DFD029-FB74-4578-B929-F66AA97659CA}" type="datetimeFigureOut">
               <a:rPr lang="en-US"/>
-              <a:t>10/9/2018</a:t>
+              <a:t>10/17/2018</a:t>
             </a:fld>
             <a:endParaRPr/>
           </a:p>
@@ -3391,7 +3392,7 @@
           <a:p>
             <a:fld id="{C014DD1E-5D91-48A3-AD6D-45FBA980D106}" type="slidenum">
               <a:rPr/>
-              <a:t>‹Nº›</a:t>
+              <a:t>‹#›</a:t>
             </a:fld>
             <a:endParaRPr/>
           </a:p>
@@ -3456,7 +3457,7 @@
           <a:p>
             <a:fld id="{F0DFD029-FB74-4578-B929-F66AA97659CA}" type="datetimeFigureOut">
               <a:rPr lang="en-US"/>
-              <a:t>10/9/2018</a:t>
+              <a:t>10/17/2018</a:t>
             </a:fld>
             <a:endParaRPr/>
           </a:p>
@@ -3498,7 +3499,7 @@
           <a:p>
             <a:fld id="{C014DD1E-5D91-48A3-AD6D-45FBA980D106}" type="slidenum">
               <a:rPr/>
-              <a:t>‹Nº›</a:t>
+              <a:t>‹#›</a:t>
             </a:fld>
             <a:endParaRPr/>
           </a:p>
@@ -3755,7 +3756,7 @@
           <a:p>
             <a:fld id="{F0DFD029-FB74-4578-B929-F66AA97659CA}" type="datetimeFigureOut">
               <a:rPr lang="en-US"/>
-              <a:t>10/9/2018</a:t>
+              <a:t>10/17/2018</a:t>
             </a:fld>
             <a:endParaRPr/>
           </a:p>
@@ -3797,7 +3798,7 @@
           <a:p>
             <a:fld id="{C014DD1E-5D91-48A3-AD6D-45FBA980D106}" type="slidenum">
               <a:rPr/>
-              <a:t>‹Nº›</a:t>
+              <a:t>‹#›</a:t>
             </a:fld>
             <a:endParaRPr/>
           </a:p>
@@ -4043,7 +4044,7 @@
           <a:p>
             <a:fld id="{F0DFD029-FB74-4578-B929-F66AA97659CA}" type="datetimeFigureOut">
               <a:rPr lang="en-US"/>
-              <a:t>10/9/2018</a:t>
+              <a:t>10/17/2018</a:t>
             </a:fld>
             <a:endParaRPr/>
           </a:p>
@@ -4085,7 +4086,7 @@
           <a:p>
             <a:fld id="{C014DD1E-5D91-48A3-AD6D-45FBA980D106}" type="slidenum">
               <a:rPr/>
-              <a:t>‹Nº›</a:t>
+              <a:t>‹#›</a:t>
             </a:fld>
             <a:endParaRPr/>
           </a:p>
@@ -4666,7 +4667,7 @@
             <a:fld id="{F0DFD029-FB74-4578-B929-F66AA97659CA}" type="datetimeFigureOut">
               <a:rPr lang="en-US"/>
               <a:pPr/>
-              <a:t>10/9/2018</a:t>
+              <a:t>10/17/2018</a:t>
             </a:fld>
             <a:endParaRPr/>
           </a:p>
@@ -4745,7 +4746,7 @@
             <a:fld id="{C014DD1E-5D91-48A3-AD6D-45FBA980D106}" type="slidenum">
               <a:rPr/>
               <a:pPr/>
-              <a:t>‹Nº›</a:t>
+              <a:t>‹#›</a:t>
             </a:fld>
             <a:endParaRPr/>
           </a:p>
@@ -5154,11 +5155,11 @@
           <a:lstStyle/>
           <a:p>
             <a:r>
-              <a:rPr lang="en-US" sz="8000" dirty="0" smtClean="0"/>
+              <a:rPr lang="en-US" sz="8000" dirty="0"/>
               <a:t>FLER</a:t>
             </a:r>
             <a:r>
-              <a:rPr lang="en-US" sz="2400" dirty="0" smtClean="0"/>
+              <a:rPr lang="en-US" sz="2400" dirty="0"/>
               <a:t>(Four Leg Explorer Robot)</a:t>
             </a:r>
             <a:endParaRPr lang="en-US" sz="8000" dirty="0"/>
@@ -5195,13 +5196,8 @@
           <a:p>
             <a:r>
               <a:rPr lang="en-US" sz="2000" dirty="0"/>
-              <a:t>Emmanuel </a:t>
-            </a:r>
-            <a:r>
-              <a:rPr lang="en-US" sz="2000" dirty="0" smtClean="0"/>
-              <a:t>Rodríguez</a:t>
-            </a:r>
-            <a:endParaRPr lang="en-US" sz="2000" dirty="0"/>
+              <a:t>Emmanuel Rodríguez</a:t>
+            </a:r>
           </a:p>
           <a:p>
             <a:r>
@@ -5293,17 +5289,368 @@
       </p:transition>
     </mc:Fallback>
   </mc:AlternateContent>
-  <p:timing>
-    <p:tnLst>
-      <p:par>
-        <p:cTn id="1" dur="indefinite" restart="never" nodeType="tmRoot"/>
-      </p:par>
-    </p:tnLst>
-  </p:timing>
 </p:sld>
 </file>
 
 <file path=ppt/slides/slide10.xml><?xml version="1.0" encoding="utf-8"?>
+<p:sld xmlns:a="http://schemas.openxmlformats.org/drawingml/2006/main" xmlns:r="http://schemas.openxmlformats.org/officeDocument/2006/relationships" xmlns:p="http://schemas.openxmlformats.org/presentationml/2006/main">
+  <p:cSld>
+    <p:spTree>
+      <p:nvGrpSpPr>
+        <p:cNvPr id="1" name=""/>
+        <p:cNvGrpSpPr/>
+        <p:nvPr/>
+      </p:nvGrpSpPr>
+      <p:grpSpPr>
+        <a:xfrm>
+          <a:off x="0" y="0"/>
+          <a:ext cx="0" cy="0"/>
+          <a:chOff x="0" y="0"/>
+          <a:chExt cx="0" cy="0"/>
+        </a:xfrm>
+      </p:grpSpPr>
+      <p:sp>
+        <p:nvSpPr>
+          <p:cNvPr id="2" name="Title 1">
+            <a:extLst>
+              <a:ext uri="{FF2B5EF4-FFF2-40B4-BE49-F238E27FC236}">
+                <a16:creationId xmlns:a16="http://schemas.microsoft.com/office/drawing/2014/main" id="{9F49D541-0C95-4F5A-BC0A-ECEFA3BB9F42}"/>
+              </a:ext>
+            </a:extLst>
+          </p:cNvPr>
+          <p:cNvSpPr>
+            <a:spLocks noGrp="1"/>
+          </p:cNvSpPr>
+          <p:nvPr>
+            <p:ph type="title"/>
+          </p:nvPr>
+        </p:nvSpPr>
+        <p:spPr/>
+        <p:txBody>
+          <a:bodyPr/>
+          <a:lstStyle/>
+          <a:p>
+            <a:r>
+              <a:rPr lang="en-US" dirty="0" err="1"/>
+              <a:t>Esquivar</a:t>
+            </a:r>
+            <a:r>
+              <a:rPr lang="en-US" dirty="0"/>
+              <a:t> </a:t>
+            </a:r>
+            <a:r>
+              <a:rPr lang="en-US" dirty="0" err="1"/>
+              <a:t>obstáculos</a:t>
+            </a:r>
+            <a:endParaRPr lang="es-CR" dirty="0"/>
+          </a:p>
+        </p:txBody>
+      </p:sp>
+      <p:pic>
+        <p:nvPicPr>
+          <p:cNvPr id="4" name="Picture 4" descr="Resultado de imagen para sensor ultrasonico hc-sr04">
+            <a:extLst>
+              <a:ext uri="{FF2B5EF4-FFF2-40B4-BE49-F238E27FC236}">
+                <a16:creationId xmlns:a16="http://schemas.microsoft.com/office/drawing/2014/main" id="{6F774E0D-B803-439E-A2A7-EA23D19D2328}"/>
+              </a:ext>
+            </a:extLst>
+          </p:cNvPr>
+          <p:cNvPicPr>
+            <a:picLocks noGrp="1" noChangeAspect="1" noChangeArrowheads="1"/>
+          </p:cNvPicPr>
+          <p:nvPr>
+            <p:ph idx="1"/>
+          </p:nvPr>
+        </p:nvPicPr>
+        <p:blipFill>
+          <a:blip r:embed="rId2">
+            <a:extLst>
+              <a:ext uri="{28A0092B-C50C-407E-A947-70E740481C1C}">
+                <a14:useLocalDpi xmlns:a14="http://schemas.microsoft.com/office/drawing/2010/main" val="0"/>
+              </a:ext>
+            </a:extLst>
+          </a:blip>
+          <a:srcRect/>
+          <a:stretch>
+            <a:fillRect/>
+          </a:stretch>
+        </p:blipFill>
+        <p:spPr bwMode="auto">
+          <a:xfrm>
+            <a:off x="1674812" y="2563091"/>
+            <a:ext cx="3524250" cy="3524250"/>
+          </a:xfrm>
+          <a:prstGeom prst="rect">
+            <a:avLst/>
+          </a:prstGeom>
+          <a:noFill/>
+          <a:extLst>
+            <a:ext uri="{909E8E84-426E-40DD-AFC4-6F175D3DCCD1}">
+              <a14:hiddenFill xmlns:a14="http://schemas.microsoft.com/office/drawing/2010/main">
+                <a:solidFill>
+                  <a:srgbClr val="FFFFFF"/>
+                </a:solidFill>
+              </a14:hiddenFill>
+            </a:ext>
+          </a:extLst>
+        </p:spPr>
+      </p:pic>
+      <p:pic>
+        <p:nvPicPr>
+          <p:cNvPr id="1026" name="Picture 2" descr="Resultado de imagen para funcionamiento sensor ultrasonico">
+            <a:extLst>
+              <a:ext uri="{FF2B5EF4-FFF2-40B4-BE49-F238E27FC236}">
+                <a16:creationId xmlns:a16="http://schemas.microsoft.com/office/drawing/2014/main" id="{1AF741BF-45A3-4D0D-BFAA-F137DE807F3E}"/>
+              </a:ext>
+            </a:extLst>
+          </p:cNvPr>
+          <p:cNvPicPr>
+            <a:picLocks noChangeAspect="1" noChangeArrowheads="1"/>
+          </p:cNvPicPr>
+          <p:nvPr/>
+        </p:nvPicPr>
+        <p:blipFill>
+          <a:blip r:embed="rId3">
+            <a:extLst>
+              <a:ext uri="{28A0092B-C50C-407E-A947-70E740481C1C}">
+                <a14:useLocalDpi xmlns:a14="http://schemas.microsoft.com/office/drawing/2010/main" val="0"/>
+              </a:ext>
+            </a:extLst>
+          </a:blip>
+          <a:srcRect/>
+          <a:stretch>
+            <a:fillRect/>
+          </a:stretch>
+        </p:blipFill>
+        <p:spPr bwMode="auto">
+          <a:xfrm>
+            <a:off x="5942012" y="1752600"/>
+            <a:ext cx="5649978" cy="4362450"/>
+          </a:xfrm>
+          <a:prstGeom prst="rect">
+            <a:avLst/>
+          </a:prstGeom>
+          <a:noFill/>
+          <a:extLst>
+            <a:ext uri="{909E8E84-426E-40DD-AFC4-6F175D3DCCD1}">
+              <a14:hiddenFill xmlns:a14="http://schemas.microsoft.com/office/drawing/2010/main">
+                <a:solidFill>
+                  <a:srgbClr val="FFFFFF"/>
+                </a:solidFill>
+              </a14:hiddenFill>
+            </a:ext>
+          </a:extLst>
+        </p:spPr>
+      </p:pic>
+      <p:sp>
+        <p:nvSpPr>
+          <p:cNvPr id="5" name="TextBox 4">
+            <a:extLst>
+              <a:ext uri="{FF2B5EF4-FFF2-40B4-BE49-F238E27FC236}">
+                <a16:creationId xmlns:a16="http://schemas.microsoft.com/office/drawing/2014/main" id="{518C3856-0BB2-4588-A14F-08C6040BEF78}"/>
+              </a:ext>
+            </a:extLst>
+          </p:cNvPr>
+          <p:cNvSpPr txBox="1"/>
+          <p:nvPr/>
+        </p:nvSpPr>
+        <p:spPr>
+          <a:xfrm>
+            <a:off x="989012" y="1608984"/>
+            <a:ext cx="4723129" cy="954107"/>
+          </a:xfrm>
+          <a:prstGeom prst="rect">
+            <a:avLst/>
+          </a:prstGeom>
+          <a:noFill/>
+        </p:spPr>
+        <p:txBody>
+          <a:bodyPr wrap="square" rtlCol="0">
+            <a:spAutoFit/>
+          </a:bodyPr>
+          <a:lstStyle/>
+          <a:p>
+            <a:pPr marL="457200" indent="-457200">
+              <a:buFont typeface="Arial" panose="020B0604020202020204" pitchFamily="34" charset="0"/>
+              <a:buChar char="•"/>
+            </a:pPr>
+            <a:r>
+              <a:rPr lang="en-US" sz="2800" dirty="0"/>
+              <a:t>Sensor </a:t>
+            </a:r>
+            <a:r>
+              <a:rPr lang="en-US" sz="2800" dirty="0" err="1"/>
+              <a:t>Ultrasónico</a:t>
+            </a:r>
+            <a:r>
+              <a:rPr lang="en-US" sz="2800" dirty="0"/>
+              <a:t> HC-SR04</a:t>
+            </a:r>
+          </a:p>
+          <a:p>
+            <a:endParaRPr lang="es-CR" sz="2800" dirty="0"/>
+          </a:p>
+        </p:txBody>
+      </p:sp>
+    </p:spTree>
+    <p:extLst>
+      <p:ext uri="{BB962C8B-B14F-4D97-AF65-F5344CB8AC3E}">
+        <p14:creationId xmlns:p14="http://schemas.microsoft.com/office/powerpoint/2010/main" val="1084718998"/>
+      </p:ext>
+    </p:extLst>
+  </p:cSld>
+  <p:clrMapOvr>
+    <a:masterClrMapping/>
+  </p:clrMapOvr>
+  <mc:AlternateContent xmlns:mc="http://schemas.openxmlformats.org/markup-compatibility/2006" xmlns:p14="http://schemas.microsoft.com/office/powerpoint/2010/main">
+    <mc:Choice Requires="p14">
+      <p:transition spd="med" p14:dur="700">
+        <p:fade/>
+      </p:transition>
+    </mc:Choice>
+    <mc:Fallback xmlns="">
+      <p:transition spd="med">
+        <p:fade/>
+      </p:transition>
+    </mc:Fallback>
+  </mc:AlternateContent>
+</p:sld>
+</file>
+
+<file path=ppt/slides/slide11.xml><?xml version="1.0" encoding="utf-8"?>
+<p:sld xmlns:a="http://schemas.openxmlformats.org/drawingml/2006/main" xmlns:r="http://schemas.openxmlformats.org/officeDocument/2006/relationships" xmlns:p="http://schemas.openxmlformats.org/presentationml/2006/main">
+  <p:cSld>
+    <p:spTree>
+      <p:nvGrpSpPr>
+        <p:cNvPr id="1" name=""/>
+        <p:cNvGrpSpPr/>
+        <p:nvPr/>
+      </p:nvGrpSpPr>
+      <p:grpSpPr>
+        <a:xfrm>
+          <a:off x="0" y="0"/>
+          <a:ext cx="0" cy="0"/>
+          <a:chOff x="0" y="0"/>
+          <a:chExt cx="0" cy="0"/>
+        </a:xfrm>
+      </p:grpSpPr>
+      <p:sp>
+        <p:nvSpPr>
+          <p:cNvPr id="2" name="Title 1">
+            <a:extLst>
+              <a:ext uri="{FF2B5EF4-FFF2-40B4-BE49-F238E27FC236}">
+                <a16:creationId xmlns:a16="http://schemas.microsoft.com/office/drawing/2014/main" id="{D72D1C45-4464-412B-8F49-1CF3700837B7}"/>
+              </a:ext>
+            </a:extLst>
+          </p:cNvPr>
+          <p:cNvSpPr>
+            <a:spLocks noGrp="1"/>
+          </p:cNvSpPr>
+          <p:nvPr>
+            <p:ph type="title"/>
+          </p:nvPr>
+        </p:nvSpPr>
+        <p:spPr/>
+        <p:txBody>
+          <a:bodyPr/>
+          <a:lstStyle/>
+          <a:p>
+            <a:r>
+              <a:rPr lang="en-US" dirty="0"/>
+              <a:t>Joystick</a:t>
+            </a:r>
+            <a:endParaRPr lang="es-CR" dirty="0"/>
+          </a:p>
+        </p:txBody>
+      </p:sp>
+      <p:pic>
+        <p:nvPicPr>
+          <p:cNvPr id="4" name="Content Placeholder 3">
+            <a:extLst>
+              <a:ext uri="{FF2B5EF4-FFF2-40B4-BE49-F238E27FC236}">
+                <a16:creationId xmlns:a16="http://schemas.microsoft.com/office/drawing/2014/main" id="{E013969B-E05A-4C31-AEA1-E7AFCB4B29E4}"/>
+              </a:ext>
+            </a:extLst>
+          </p:cNvPr>
+          <p:cNvPicPr>
+            <a:picLocks noGrp="1" noChangeAspect="1"/>
+          </p:cNvPicPr>
+          <p:nvPr>
+            <p:ph idx="1"/>
+          </p:nvPr>
+        </p:nvPicPr>
+        <p:blipFill>
+          <a:blip r:embed="rId2"/>
+          <a:stretch>
+            <a:fillRect/>
+          </a:stretch>
+        </p:blipFill>
+        <p:spPr>
+          <a:xfrm>
+            <a:off x="1903412" y="1905000"/>
+            <a:ext cx="3048000" cy="3476864"/>
+          </a:xfrm>
+          <a:prstGeom prst="rect">
+            <a:avLst/>
+          </a:prstGeom>
+        </p:spPr>
+      </p:pic>
+      <p:pic>
+        <p:nvPicPr>
+          <p:cNvPr id="5" name="Picture 4">
+            <a:extLst>
+              <a:ext uri="{FF2B5EF4-FFF2-40B4-BE49-F238E27FC236}">
+                <a16:creationId xmlns:a16="http://schemas.microsoft.com/office/drawing/2014/main" id="{9EBB14D9-816D-4510-BDF6-7ED20BEBD7C7}"/>
+              </a:ext>
+            </a:extLst>
+          </p:cNvPr>
+          <p:cNvPicPr>
+            <a:picLocks noChangeAspect="1"/>
+          </p:cNvPicPr>
+          <p:nvPr/>
+        </p:nvPicPr>
+        <p:blipFill>
+          <a:blip r:embed="rId3"/>
+          <a:stretch>
+            <a:fillRect/>
+          </a:stretch>
+        </p:blipFill>
+        <p:spPr>
+          <a:xfrm>
+            <a:off x="5408612" y="2232505"/>
+            <a:ext cx="5638800" cy="2392989"/>
+          </a:xfrm>
+          <a:prstGeom prst="rect">
+            <a:avLst/>
+          </a:prstGeom>
+        </p:spPr>
+      </p:pic>
+    </p:spTree>
+    <p:extLst>
+      <p:ext uri="{BB962C8B-B14F-4D97-AF65-F5344CB8AC3E}">
+        <p14:creationId xmlns:p14="http://schemas.microsoft.com/office/powerpoint/2010/main" val="2075466074"/>
+      </p:ext>
+    </p:extLst>
+  </p:cSld>
+  <p:clrMapOvr>
+    <a:masterClrMapping/>
+  </p:clrMapOvr>
+  <mc:AlternateContent xmlns:mc="http://schemas.openxmlformats.org/markup-compatibility/2006" xmlns:p14="http://schemas.microsoft.com/office/powerpoint/2010/main">
+    <mc:Choice Requires="p14">
+      <p:transition spd="med" p14:dur="700">
+        <p:fade/>
+      </p:transition>
+    </mc:Choice>
+    <mc:Fallback xmlns="">
+      <p:transition spd="med">
+        <p:fade/>
+      </p:transition>
+    </mc:Fallback>
+  </mc:AlternateContent>
+</p:sld>
+</file>
+
+<file path=ppt/slides/slide12.xml><?xml version="1.0" encoding="utf-8"?>
 <p:sld xmlns:a="http://schemas.openxmlformats.org/drawingml/2006/main" xmlns:r="http://schemas.openxmlformats.org/officeDocument/2006/relationships" xmlns:p="http://schemas.openxmlformats.org/presentationml/2006/main">
   <p:cSld>
     <p:spTree>
@@ -5379,8 +5726,8 @@
         </p:nvSpPr>
         <p:spPr>
           <a:xfrm>
-            <a:off x="1218883" y="1981200"/>
-            <a:ext cx="10360501" cy="1295400"/>
+            <a:off x="1218884" y="1981200"/>
+            <a:ext cx="4494530" cy="762000"/>
           </a:xfrm>
         </p:spPr>
         <p:txBody>
@@ -5388,20 +5735,6 @@
             <a:normAutofit/>
           </a:bodyPr>
           <a:lstStyle/>
-          <a:p>
-            <a:r>
-              <a:rPr lang="en-US" dirty="0"/>
-              <a:t>Sensor </a:t>
-            </a:r>
-            <a:r>
-              <a:rPr lang="en-US" dirty="0" err="1"/>
-              <a:t>Ultrasónico</a:t>
-            </a:r>
-            <a:r>
-              <a:rPr lang="en-US" dirty="0"/>
-              <a:t> HC-SR04</a:t>
-            </a:r>
-          </a:p>
           <a:p>
             <a:r>
               <a:rPr lang="en-US" dirty="0" err="1"/>
@@ -5446,7 +5779,7 @@
         </p:blipFill>
         <p:spPr bwMode="auto">
           <a:xfrm>
-            <a:off x="2284412" y="3429000"/>
+            <a:off x="2055812" y="3200400"/>
             <a:ext cx="3061855" cy="3061855"/>
           </a:xfrm>
           <a:prstGeom prst="rect">
@@ -5466,136 +5799,10 @@
       </p:pic>
       <p:pic>
         <p:nvPicPr>
-          <p:cNvPr id="6" name="Picture 4" descr="Resultado de imagen para sensor ultrasonico hc-sr04">
+          <p:cNvPr id="7" name="Picture 2" descr="Resultado de imagen para l298">
             <a:extLst>
               <a:ext uri="{FF2B5EF4-FFF2-40B4-BE49-F238E27FC236}">
-                <a16:creationId xmlns:a16="http://schemas.microsoft.com/office/drawing/2014/main" id="{AD48F4B3-3A86-4E62-BB20-1E8288B06A29}"/>
-              </a:ext>
-            </a:extLst>
-          </p:cNvPr>
-          <p:cNvPicPr>
-            <a:picLocks noChangeAspect="1" noChangeArrowheads="1"/>
-          </p:cNvPicPr>
-          <p:nvPr/>
-        </p:nvPicPr>
-        <p:blipFill>
-          <a:blip r:embed="rId3">
-            <a:extLst>
-              <a:ext uri="{28A0092B-C50C-407E-A947-70E740481C1C}">
-                <a14:useLocalDpi xmlns:a14="http://schemas.microsoft.com/office/drawing/2010/main" val="0"/>
-              </a:ext>
-            </a:extLst>
-          </a:blip>
-          <a:srcRect/>
-          <a:stretch>
-            <a:fillRect/>
-          </a:stretch>
-        </p:blipFill>
-        <p:spPr bwMode="auto">
-          <a:xfrm>
-            <a:off x="7237412" y="1843088"/>
-            <a:ext cx="3171824" cy="3171824"/>
-          </a:xfrm>
-          <a:prstGeom prst="rect">
-            <a:avLst/>
-          </a:prstGeom>
-          <a:noFill/>
-          <a:extLst>
-            <a:ext uri="{909E8E84-426E-40DD-AFC4-6F175D3DCCD1}">
-              <a14:hiddenFill xmlns:a14="http://schemas.microsoft.com/office/drawing/2010/main">
-                <a:solidFill>
-                  <a:srgbClr val="FFFFFF"/>
-                </a:solidFill>
-              </a14:hiddenFill>
-            </a:ext>
-          </a:extLst>
-        </p:spPr>
-      </p:pic>
-    </p:spTree>
-    <p:extLst>
-      <p:ext uri="{BB962C8B-B14F-4D97-AF65-F5344CB8AC3E}">
-        <p14:creationId xmlns:p14="http://schemas.microsoft.com/office/powerpoint/2010/main" val="1453214578"/>
-      </p:ext>
-    </p:extLst>
-  </p:cSld>
-  <p:clrMapOvr>
-    <a:masterClrMapping/>
-  </p:clrMapOvr>
-  <mc:AlternateContent xmlns:mc="http://schemas.openxmlformats.org/markup-compatibility/2006" xmlns:p14="http://schemas.microsoft.com/office/powerpoint/2010/main">
-    <mc:Choice Requires="p14">
-      <p:transition spd="med" p14:dur="700">
-        <p:fade/>
-      </p:transition>
-    </mc:Choice>
-    <mc:Fallback xmlns="">
-      <p:transition spd="med">
-        <p:fade/>
-      </p:transition>
-    </mc:Fallback>
-  </mc:AlternateContent>
-  <p:timing>
-    <p:tnLst>
-      <p:par>
-        <p:cTn id="1" dur="indefinite" restart="never" nodeType="tmRoot"/>
-      </p:par>
-    </p:tnLst>
-  </p:timing>
-</p:sld>
-</file>
-
-<file path=ppt/slides/slide11.xml><?xml version="1.0" encoding="utf-8"?>
-<p:sld xmlns:a="http://schemas.openxmlformats.org/drawingml/2006/main" xmlns:r="http://schemas.openxmlformats.org/officeDocument/2006/relationships" xmlns:p="http://schemas.openxmlformats.org/presentationml/2006/main">
-  <p:cSld>
-    <p:spTree>
-      <p:nvGrpSpPr>
-        <p:cNvPr id="1" name=""/>
-        <p:cNvGrpSpPr/>
-        <p:nvPr/>
-      </p:nvGrpSpPr>
-      <p:grpSpPr>
-        <a:xfrm>
-          <a:off x="0" y="0"/>
-          <a:ext cx="0" cy="0"/>
-          <a:chOff x="0" y="0"/>
-          <a:chExt cx="0" cy="0"/>
-        </a:xfrm>
-      </p:grpSpPr>
-      <p:pic>
-        <p:nvPicPr>
-          <p:cNvPr id="4" name="Picture 3">
-            <a:extLst>
-              <a:ext uri="{FF2B5EF4-FFF2-40B4-BE49-F238E27FC236}">
-                <a16:creationId xmlns:a16="http://schemas.microsoft.com/office/drawing/2014/main" id="{C89469C3-A7A1-4CBF-913C-364D973A82D7}"/>
-              </a:ext>
-            </a:extLst>
-          </p:cNvPr>
-          <p:cNvPicPr>
-            <a:picLocks noChangeAspect="1"/>
-          </p:cNvPicPr>
-          <p:nvPr/>
-        </p:nvPicPr>
-        <p:blipFill>
-          <a:blip r:embed="rId2"/>
-          <a:stretch>
-            <a:fillRect/>
-          </a:stretch>
-        </p:blipFill>
-        <p:spPr>
-          <a:xfrm>
-            <a:off x="1141412" y="381000"/>
-            <a:ext cx="7059706" cy="2800350"/>
-          </a:xfrm>
-          <a:prstGeom prst="rect">
-            <a:avLst/>
-          </a:prstGeom>
-        </p:spPr>
-      </p:pic>
-      <p:pic>
-        <p:nvPicPr>
-          <p:cNvPr id="6" name="Picture 2" descr="Resultado de imagen para l298">
-            <a:extLst>
-              <a:ext uri="{FF2B5EF4-FFF2-40B4-BE49-F238E27FC236}">
-                <a16:creationId xmlns:a16="http://schemas.microsoft.com/office/drawing/2014/main" id="{C646D9CD-6C74-44C1-90CB-1EE8FDB6BA15}"/>
+                <a16:creationId xmlns:a16="http://schemas.microsoft.com/office/drawing/2014/main" id="{DC0B2F4A-8250-47A9-A7E9-A8BEDA511DE9}"/>
               </a:ext>
             </a:extLst>
           </p:cNvPr>
@@ -5640,7 +5847,7 @@
     </p:spTree>
     <p:extLst>
       <p:ext uri="{BB962C8B-B14F-4D97-AF65-F5344CB8AC3E}">
-        <p14:creationId xmlns:p14="http://schemas.microsoft.com/office/powerpoint/2010/main" val="2946324565"/>
+        <p14:creationId xmlns:p14="http://schemas.microsoft.com/office/powerpoint/2010/main" val="1453214578"/>
       </p:ext>
     </p:extLst>
   </p:cSld>
@@ -5659,17 +5866,10 @@
       </p:transition>
     </mc:Fallback>
   </mc:AlternateContent>
-  <p:timing>
-    <p:tnLst>
-      <p:par>
-        <p:cTn id="1" dur="indefinite" restart="never" nodeType="tmRoot"/>
-      </p:par>
-    </p:tnLst>
-  </p:timing>
 </p:sld>
 </file>
 
-<file path=ppt/slides/slide12.xml><?xml version="1.0" encoding="utf-8"?>
+<file path=ppt/slides/slide13.xml><?xml version="1.0" encoding="utf-8"?>
 <p:sld xmlns:a="http://schemas.openxmlformats.org/drawingml/2006/main" xmlns:r="http://schemas.openxmlformats.org/officeDocument/2006/relationships" xmlns:p="http://schemas.openxmlformats.org/presentationml/2006/main">
   <p:cSld>
     <p:spTree>
@@ -6070,17 +6270,10 @@
       </p:transition>
     </mc:Fallback>
   </mc:AlternateContent>
-  <p:timing>
-    <p:tnLst>
-      <p:par>
-        <p:cTn id="1" dur="indefinite" restart="never" nodeType="tmRoot"/>
-      </p:par>
-    </p:tnLst>
-  </p:timing>
 </p:sld>
 </file>
 
-<file path=ppt/slides/slide13.xml><?xml version="1.0" encoding="utf-8"?>
+<file path=ppt/slides/slide14.xml><?xml version="1.0" encoding="utf-8"?>
 <p:sld xmlns:a="http://schemas.openxmlformats.org/drawingml/2006/main" xmlns:r="http://schemas.openxmlformats.org/officeDocument/2006/relationships" xmlns:p="http://schemas.openxmlformats.org/presentationml/2006/main">
   <p:cSld>
     <p:spTree>
@@ -6488,17 +6681,10 @@
       </p:transition>
     </mc:Fallback>
   </mc:AlternateContent>
-  <p:timing>
-    <p:tnLst>
-      <p:par>
-        <p:cTn id="1" dur="indefinite" restart="never" nodeType="tmRoot"/>
-      </p:par>
-    </p:tnLst>
-  </p:timing>
 </p:sld>
 </file>
 
-<file path=ppt/slides/slide14.xml><?xml version="1.0" encoding="utf-8"?>
+<file path=ppt/slides/slide15.xml><?xml version="1.0" encoding="utf-8"?>
 <p:sld xmlns:a="http://schemas.openxmlformats.org/drawingml/2006/main" xmlns:r="http://schemas.openxmlformats.org/officeDocument/2006/relationships" xmlns:p="http://schemas.openxmlformats.org/presentationml/2006/main">
   <p:cSld>
     <p:spTree>
@@ -6657,17 +6843,10 @@
       </p:transition>
     </mc:Fallback>
   </mc:AlternateContent>
-  <p:timing>
-    <p:tnLst>
-      <p:par>
-        <p:cTn id="1" dur="indefinite" restart="never" nodeType="tmRoot"/>
-      </p:par>
-    </p:tnLst>
-  </p:timing>
 </p:sld>
 </file>
 
-<file path=ppt/slides/slide15.xml><?xml version="1.0" encoding="utf-8"?>
+<file path=ppt/slides/slide16.xml><?xml version="1.0" encoding="utf-8"?>
 <p:sld xmlns:a="http://schemas.openxmlformats.org/drawingml/2006/main" xmlns:r="http://schemas.openxmlformats.org/officeDocument/2006/relationships" xmlns:p="http://schemas.openxmlformats.org/presentationml/2006/main">
   <p:cSld>
     <p:spTree>
@@ -6873,17 +7052,10 @@
       </p:transition>
     </mc:Fallback>
   </mc:AlternateContent>
-  <p:timing>
-    <p:tnLst>
-      <p:par>
-        <p:cTn id="1" dur="indefinite" restart="never" nodeType="tmRoot"/>
-      </p:par>
-    </p:tnLst>
-  </p:timing>
 </p:sld>
 </file>
 
-<file path=ppt/slides/slide16.xml><?xml version="1.0" encoding="utf-8"?>
+<file path=ppt/slides/slide17.xml><?xml version="1.0" encoding="utf-8"?>
 <p:sld xmlns:a="http://schemas.openxmlformats.org/drawingml/2006/main" xmlns:r="http://schemas.openxmlformats.org/officeDocument/2006/relationships" xmlns:p="http://schemas.openxmlformats.org/presentationml/2006/main">
   <p:cSld>
     <p:spTree>
@@ -6923,7 +7095,7 @@
           <a:lstStyle/>
           <a:p>
             <a:r>
-              <a:rPr lang="es-CR" sz="6000" dirty="0" smtClean="0"/>
+              <a:rPr lang="es-CR" sz="6000" dirty="0"/>
               <a:t>GRACIAS</a:t>
             </a:r>
             <a:endParaRPr lang="en-US" sz="6000" dirty="0"/>
@@ -7068,13 +7240,6 @@
       </p:transition>
     </mc:Fallback>
   </mc:AlternateContent>
-  <p:timing>
-    <p:tnLst>
-      <p:par>
-        <p:cTn id="1" dur="indefinite" restart="never" nodeType="tmRoot"/>
-      </p:par>
-    </p:tnLst>
-  </p:timing>
 </p:sld>
 </file>
 
@@ -7162,13 +7327,6 @@
       </p:transition>
     </mc:Fallback>
   </mc:AlternateContent>
-  <p:timing>
-    <p:tnLst>
-      <p:par>
-        <p:cTn id="1" dur="indefinite" restart="never" nodeType="tmRoot"/>
-      </p:par>
-    </p:tnLst>
-  </p:timing>
 </p:sld>
 </file>
 
@@ -7282,13 +7440,6 @@
       </p:transition>
     </mc:Fallback>
   </mc:AlternateContent>
-  <p:timing>
-    <p:tnLst>
-      <p:par>
-        <p:cTn id="1" dur="indefinite" restart="never" nodeType="tmRoot"/>
-      </p:par>
-    </p:tnLst>
-  </p:timing>
 </p:sld>
 </file>
 
@@ -7371,13 +7522,8 @@
           <a:p>
             <a:r>
               <a:rPr lang="es-CR" dirty="0"/>
-              <a:t>Mapeo de datos </a:t>
-            </a:r>
-            <a:r>
-              <a:rPr lang="es-CR" dirty="0" smtClean="0"/>
-              <a:t>mediante internet</a:t>
-            </a:r>
-            <a:endParaRPr lang="es-CR" dirty="0"/>
+              <a:t>Mapeo de datos mediante internet</a:t>
+            </a:r>
           </a:p>
           <a:p>
             <a:pPr marL="0" indent="0">
@@ -7409,13 +7555,6 @@
       </p:transition>
     </mc:Fallback>
   </mc:AlternateContent>
-  <p:timing>
-    <p:tnLst>
-      <p:par>
-        <p:cTn id="1" dur="indefinite" restart="never" nodeType="tmRoot"/>
-      </p:par>
-    </p:tnLst>
-  </p:timing>
 </p:sld>
 </file>
 
@@ -7605,13 +7744,8 @@
                     <a:p>
                       <a:r>
                         <a:rPr lang="es-CR" dirty="0"/>
-                        <a:t>Microcontrolador </a:t>
+                        <a:t>Microcontrolador ES8266 y STM32F103</a:t>
                       </a:r>
-                      <a:r>
-                        <a:rPr lang="es-CR" dirty="0" smtClean="0"/>
-                        <a:t>ES8266 y STM32F103</a:t>
-                      </a:r>
-                      <a:endParaRPr lang="es-CR" dirty="0"/>
                     </a:p>
                   </a:txBody>
                   <a:tcPr/>
@@ -7739,16 +7873,12 @@
                     <a:lstStyle/>
                     <a:p>
                       <a:r>
-                        <a:rPr lang="es-CR" dirty="0" smtClean="0"/>
+                        <a:rPr lang="es-CR" dirty="0"/>
                         <a:t>Baterías</a:t>
                       </a:r>
                       <a:r>
-                        <a:rPr lang="es-CR" baseline="0" dirty="0" smtClean="0"/>
-                        <a:t> </a:t>
-                      </a:r>
-                      <a:r>
                         <a:rPr lang="es-CR" baseline="0" dirty="0"/>
-                        <a:t>de Litio</a:t>
+                        <a:t> de Litio</a:t>
                       </a:r>
                       <a:endParaRPr lang="es-CR" dirty="0"/>
                     </a:p>
@@ -7797,13 +7927,6 @@
       </p:transition>
     </mc:Fallback>
   </mc:AlternateContent>
-  <p:timing>
-    <p:tnLst>
-      <p:par>
-        <p:cTn id="1" dur="indefinite" restart="never" nodeType="tmRoot"/>
-      </p:par>
-    </p:tnLst>
-  </p:timing>
 </p:sld>
 </file>
 
@@ -7873,16 +7996,12 @@
               <a:t>Mediante </a:t>
             </a:r>
             <a:r>
-              <a:rPr lang="es-CR" dirty="0" err="1" smtClean="0"/>
+              <a:rPr lang="es-CR" dirty="0" err="1"/>
               <a:t>Fusion</a:t>
             </a:r>
             <a:r>
-              <a:rPr lang="es-CR" dirty="0" smtClean="0"/>
-              <a:t> </a:t>
-            </a:r>
-            <a:r>
               <a:rPr lang="es-CR" dirty="0"/>
-              <a:t>360</a:t>
+              <a:t> 360</a:t>
             </a:r>
           </a:p>
         </p:txBody>
@@ -7963,13 +8082,6 @@
       </p:transition>
     </mc:Fallback>
   </mc:AlternateContent>
-  <p:timing>
-    <p:tnLst>
-      <p:par>
-        <p:cTn id="1" dur="indefinite" restart="never" nodeType="tmRoot"/>
-      </p:par>
-    </p:tnLst>
-  </p:timing>
 </p:sld>
 </file>
 
@@ -8107,13 +8219,6 @@
       </p:transition>
     </mc:Fallback>
   </mc:AlternateContent>
-  <p:timing>
-    <p:tnLst>
-      <p:par>
-        <p:cTn id="1" dur="indefinite" restart="never" nodeType="tmRoot"/>
-      </p:par>
-    </p:tnLst>
-  </p:timing>
 </p:sld>
 </file>
 
@@ -8251,13 +8356,6 @@
       </p:transition>
     </mc:Fallback>
   </mc:AlternateContent>
-  <p:timing>
-    <p:tnLst>
-      <p:par>
-        <p:cTn id="1" dur="indefinite" restart="never" nodeType="tmRoot"/>
-      </p:par>
-    </p:tnLst>
-  </p:timing>
 </p:sld>
 </file>
 
@@ -9212,12 +9310,1043 @@
 </file>
 
 <file path=customXml/item1.xml><?xml version="1.0" encoding="utf-8"?>
-<?mso-contentType ?>
-<FormTemplates xmlns="http://schemas.microsoft.com/sharepoint/v3/contenttype/forms">
-  <Display>DocumentLibraryForm</Display>
-  <Edit>AssetEditForm</Edit>
-  <New>DocumentLibraryForm</New>
-</FormTemplates>
+<ct:contentTypeSchema xmlns:ct="http://schemas.microsoft.com/office/2006/metadata/contentType" xmlns:ma="http://schemas.microsoft.com/office/2006/metadata/properties/metaAttributes" ct:_="" ma:_="" ma:contentTypeName="TemplateFile" ma:contentTypeID="0x0101006EDDDB5EE6D98C44930B742096920B300400F5B6D36B3EF94B4E9A635CDF2A18F5B8" ma:contentTypeVersion="72" ma:contentTypeDescription="Create a new document." ma:contentTypeScope="" ma:versionID="a23e56308344d904b51738559c3d67c9">
+  <xsd:schema xmlns:xsd="http://www.w3.org/2001/XMLSchema" xmlns:xs="http://www.w3.org/2001/XMLSchema" xmlns:p="http://schemas.microsoft.com/office/2006/metadata/properties" xmlns:ns2="4873beb7-5857-4685-be1f-d57550cc96cc" targetNamespace="http://schemas.microsoft.com/office/2006/metadata/properties" ma:root="true" ma:fieldsID="cd0908cc4600e77bf5da051303e00c8d" ns2:_="">
+    <xsd:import namespace="4873beb7-5857-4685-be1f-d57550cc96cc"/>
+    <xsd:element name="properties">
+      <xsd:complexType>
+        <xsd:sequence>
+          <xsd:element name="documentManagement">
+            <xsd:complexType>
+              <xsd:all>
+                <xsd:element ref="ns2:AcquiredFrom" minOccurs="0"/>
+                <xsd:element ref="ns2:UACurrentWords" minOccurs="0"/>
+                <xsd:element ref="ns2:TPApplication" minOccurs="0"/>
+                <xsd:element ref="ns2:ApprovalLog" minOccurs="0"/>
+                <xsd:element ref="ns2:ApprovalStatus" minOccurs="0"/>
+                <xsd:element ref="ns2:AssetStart" minOccurs="0"/>
+                <xsd:element ref="ns2:AssetExpire" minOccurs="0"/>
+                <xsd:element ref="ns2:AssetId" minOccurs="0"/>
+                <xsd:element ref="ns2:IsSearchable" minOccurs="0"/>
+                <xsd:element ref="ns2:AssetType" minOccurs="0"/>
+                <xsd:element ref="ns2:APAuthor" minOccurs="0"/>
+                <xsd:element ref="ns2:AverageRating" minOccurs="0"/>
+                <xsd:element ref="ns2:BlockPublish" minOccurs="0"/>
+                <xsd:element ref="ns2:BugNumber" minOccurs="0"/>
+                <xsd:element ref="ns2:CampaignTagsTaxHTField0" minOccurs="0"/>
+                <xsd:element ref="ns2:TPClientViewer" minOccurs="0"/>
+                <xsd:element ref="ns2:ClipArtFilename" minOccurs="0"/>
+                <xsd:element ref="ns2:TPCommandLine" minOccurs="0"/>
+                <xsd:element ref="ns2:TPComponent" minOccurs="0"/>
+                <xsd:element ref="ns2:ContentItem" minOccurs="0"/>
+                <xsd:element ref="ns2:CrawlForDependencies" minOccurs="0"/>
+                <xsd:element ref="ns2:CSXHash" minOccurs="0"/>
+                <xsd:element ref="ns2:CSXSubmissionMarket" minOccurs="0"/>
+                <xsd:element ref="ns2:CSXUpdate" minOccurs="0"/>
+                <xsd:element ref="ns2:IntlLangReviewDate" minOccurs="0"/>
+                <xsd:element ref="ns2:IsDeleted" minOccurs="0"/>
+                <xsd:element ref="ns2:APDescription" minOccurs="0"/>
+                <xsd:element ref="ns2:DirectSourceMarket" minOccurs="0"/>
+                <xsd:element ref="ns2:Downloads" minOccurs="0"/>
+                <xsd:element ref="ns2:DSATActionTaken" minOccurs="0"/>
+                <xsd:element ref="ns2:APEditor" minOccurs="0"/>
+                <xsd:element ref="ns2:EditorialStatus" minOccurs="0"/>
+                <xsd:element ref="ns2:EditorialTags" minOccurs="0"/>
+                <xsd:element ref="ns2:TPExecutable" minOccurs="0"/>
+                <xsd:element ref="ns2:FeatureTagsTaxHTField0" minOccurs="0"/>
+                <xsd:element ref="ns2:TPFriendlyName" minOccurs="0"/>
+                <xsd:element ref="ns2:FriendlyTitle" minOccurs="0"/>
+                <xsd:element ref="ns2:PrimaryImageGen" minOccurs="0"/>
+                <xsd:element ref="ns2:HandoffToMSDN" minOccurs="0"/>
+                <xsd:element ref="ns2:InProjectListLookup" minOccurs="0"/>
+                <xsd:element ref="ns2:TPInstallLocation" minOccurs="0"/>
+                <xsd:element ref="ns2:InternalTagsTaxHTField0" minOccurs="0"/>
+                <xsd:element ref="ns2:IntlLangReview" minOccurs="0"/>
+                <xsd:element ref="ns2:IntlLangReviewer" minOccurs="0"/>
+                <xsd:element ref="ns2:MarketSpecific" minOccurs="0"/>
+                <xsd:element ref="ns2:LastCompleteVersionLookup" minOccurs="0"/>
+                <xsd:element ref="ns2:LastHandOff" minOccurs="0"/>
+                <xsd:element ref="ns2:LastModifiedDateTime" minOccurs="0"/>
+                <xsd:element ref="ns2:LastPreviewErrorLookup" minOccurs="0"/>
+                <xsd:element ref="ns2:LastPreviewResultLookup" minOccurs="0"/>
+                <xsd:element ref="ns2:LastPreviewAttemptDateLookup" minOccurs="0"/>
+                <xsd:element ref="ns2:LastPreviewedByLookup" minOccurs="0"/>
+                <xsd:element ref="ns2:LastPreviewTimeLookup" minOccurs="0"/>
+                <xsd:element ref="ns2:LastPreviewVersionLookup" minOccurs="0"/>
+                <xsd:element ref="ns2:LastPublishErrorLookup" minOccurs="0"/>
+                <xsd:element ref="ns2:LastPublishResultLookup" minOccurs="0"/>
+                <xsd:element ref="ns2:LastPublishAttemptDateLookup" minOccurs="0"/>
+                <xsd:element ref="ns2:LastPublishedByLookup" minOccurs="0"/>
+                <xsd:element ref="ns2:LastPublishTimeLookup" minOccurs="0"/>
+                <xsd:element ref="ns2:LastPublishVersionLookup" minOccurs="0"/>
+                <xsd:element ref="ns2:TPLaunchHelpLinkType" minOccurs="0"/>
+                <xsd:element ref="ns2:LegacyData" minOccurs="0"/>
+                <xsd:element ref="ns2:TPLaunchHelpLink" minOccurs="0"/>
+                <xsd:element ref="ns2:LocComments" minOccurs="0"/>
+                <xsd:element ref="ns2:LocLastLocAttemptVersionLookup" minOccurs="0"/>
+                <xsd:element ref="ns2:LocLastLocAttemptVersionTypeLookup" minOccurs="0"/>
+                <xsd:element ref="ns2:LocManualTestRequired" minOccurs="0"/>
+                <xsd:element ref="ns2:LocMarketGroupTiers2" minOccurs="0"/>
+                <xsd:element ref="ns2:LocNewPublishedVersionLookup" minOccurs="0"/>
+                <xsd:element ref="ns2:LocOverallHandbackStatusLookup" minOccurs="0"/>
+                <xsd:element ref="ns2:LocOverallLocStatusLookup" minOccurs="0"/>
+                <xsd:element ref="ns2:LocOverallPreviewStatusLookup" minOccurs="0"/>
+                <xsd:element ref="ns2:LocOverallPublishStatusLookup" minOccurs="0"/>
+                <xsd:element ref="ns2:IntlLocPriority" minOccurs="0"/>
+                <xsd:element ref="ns2:LocProcessedForHandoffsLookup" minOccurs="0"/>
+                <xsd:element ref="ns2:LocProcessedForMarketsLookup" minOccurs="0"/>
+                <xsd:element ref="ns2:LocPublishedDependentAssetsLookup" minOccurs="0"/>
+                <xsd:element ref="ns2:LocPublishedLinkedAssetsLookup" minOccurs="0"/>
+                <xsd:element ref="ns2:LocRecommendedHandoff" minOccurs="0"/>
+                <xsd:element ref="ns2:LocalizationTagsTaxHTField0" minOccurs="0"/>
+                <xsd:element ref="ns2:MachineTranslated" minOccurs="0"/>
+                <xsd:element ref="ns2:Manager" minOccurs="0"/>
+                <xsd:element ref="ns2:Markets" minOccurs="0"/>
+                <xsd:element ref="ns2:Milestone" minOccurs="0"/>
+                <xsd:element ref="ns2:TPNamespace" minOccurs="0"/>
+                <xsd:element ref="ns2:NumericId" minOccurs="0"/>
+                <xsd:element ref="ns2:NumOfRatingsLookup" minOccurs="0"/>
+                <xsd:element ref="ns2:OOCacheId" minOccurs="0"/>
+                <xsd:element ref="ns2:OpenTemplate" minOccurs="0"/>
+                <xsd:element ref="ns2:OriginAsset" minOccurs="0"/>
+                <xsd:element ref="ns2:OriginalRelease" minOccurs="0"/>
+                <xsd:element ref="ns2:OriginalSourceMarket" minOccurs="0"/>
+                <xsd:element ref="ns2:OutputCachingOn" minOccurs="0"/>
+                <xsd:element ref="ns2:ParentAssetId" minOccurs="0"/>
+                <xsd:element ref="ns2:PlannedPubDate" minOccurs="0"/>
+                <xsd:element ref="ns2:PolicheckWords" minOccurs="0"/>
+                <xsd:element ref="ns2:BusinessGroup" minOccurs="0"/>
+                <xsd:element ref="ns2:UAProjectedTotalWords" minOccurs="0"/>
+                <xsd:element ref="ns2:Provider" minOccurs="0"/>
+                <xsd:element ref="ns2:Providers" minOccurs="0"/>
+                <xsd:element ref="ns2:PublishStatusLookup" minOccurs="0"/>
+                <xsd:element ref="ns2:PublishTargets" minOccurs="0"/>
+                <xsd:element ref="ns2:RecommendationsModifier" minOccurs="0"/>
+                <xsd:element ref="ns2:ArtSampleDocs" minOccurs="0"/>
+                <xsd:element ref="ns2:ScenarioTagsTaxHTField0" minOccurs="0"/>
+                <xsd:element ref="ns2:ShowIn" minOccurs="0"/>
+                <xsd:element ref="ns2:SourceTitle" minOccurs="0"/>
+                <xsd:element ref="ns2:CSXSubmissionDate" minOccurs="0"/>
+                <xsd:element ref="ns2:SubmitterId" minOccurs="0"/>
+                <xsd:element ref="ns2:TaxCatchAll" minOccurs="0"/>
+                <xsd:element ref="ns2:TaxCatchAllLabel" minOccurs="0"/>
+                <xsd:element ref="ns2:TemplateStatus" minOccurs="0"/>
+                <xsd:element ref="ns2:TemplateTemplateType" minOccurs="0"/>
+                <xsd:element ref="ns2:ThumbnailAssetId" minOccurs="0"/>
+                <xsd:element ref="ns2:TimesCloned" minOccurs="0"/>
+                <xsd:element ref="ns2:TrustLevel" minOccurs="0"/>
+                <xsd:element ref="ns2:UALocComments" minOccurs="0"/>
+                <xsd:element ref="ns2:UALocRecommendation" minOccurs="0"/>
+                <xsd:element ref="ns2:UANotes" minOccurs="0"/>
+                <xsd:element ref="ns2:TPAppVersion" minOccurs="0"/>
+                <xsd:element ref="ns2:VoteCount" minOccurs="0"/>
+              </xsd:all>
+            </xsd:complexType>
+          </xsd:element>
+        </xsd:sequence>
+      </xsd:complexType>
+    </xsd:element>
+  </xsd:schema>
+  <xsd:schema xmlns:xsd="http://www.w3.org/2001/XMLSchema" xmlns:xs="http://www.w3.org/2001/XMLSchema" xmlns:dms="http://schemas.microsoft.com/office/2006/documentManagement/types" xmlns:pc="http://schemas.microsoft.com/office/infopath/2007/PartnerControls" targetNamespace="4873beb7-5857-4685-be1f-d57550cc96cc" elementFormDefault="qualified">
+    <xsd:import namespace="http://schemas.microsoft.com/office/2006/documentManagement/types"/>
+    <xsd:import namespace="http://schemas.microsoft.com/office/infopath/2007/PartnerControls"/>
+    <xsd:element name="AcquiredFrom" ma:index="1" nillable="true" ma:displayName="Acquired From" ma:default="Internal MS" ma:internalName="AcquiredFrom" ma:readOnly="false">
+      <xsd:simpleType>
+        <xsd:restriction base="dms:Choice">
+          <xsd:enumeration value="Internal MS"/>
+          <xsd:enumeration value="Community"/>
+          <xsd:enumeration value="MVP"/>
+          <xsd:enumeration value="Publisher"/>
+          <xsd:enumeration value="Partner"/>
+          <xsd:enumeration value="None"/>
+        </xsd:restriction>
+      </xsd:simpleType>
+    </xsd:element>
+    <xsd:element name="UACurrentWords" ma:index="2" nillable="true" ma:displayName="Actual Word Count" ma:default="" ma:internalName="UACurrentWords" ma:readOnly="false">
+      <xsd:simpleType>
+        <xsd:restriction base="dms:Unknown"/>
+      </xsd:simpleType>
+    </xsd:element>
+    <xsd:element name="TPApplication" ma:index="3" nillable="true" ma:displayName="Application to Open Template With" ma:default="" ma:internalName="TPApplication">
+      <xsd:simpleType>
+        <xsd:restriction base="dms:Text"/>
+      </xsd:simpleType>
+    </xsd:element>
+    <xsd:element name="ApprovalLog" ma:index="4" nillable="true" ma:displayName="Approval Log" ma:default="" ma:hidden="true" ma:internalName="ApprovalLog" ma:readOnly="false">
+      <xsd:simpleType>
+        <xsd:restriction base="dms:Note"/>
+      </xsd:simpleType>
+    </xsd:element>
+    <xsd:element name="ApprovalStatus" ma:index="5" nillable="true" ma:displayName="Approval Status" ma:default="InProgress" ma:internalName="ApprovalStatus" ma:readOnly="false">
+      <xsd:simpleType>
+        <xsd:restriction base="dms:Choice">
+          <xsd:enumeration value="InProgress"/>
+          <xsd:enumeration value="Rejected"/>
+          <xsd:enumeration value="Questionable"/>
+          <xsd:enumeration value="ApprovedAutomatic"/>
+          <xsd:enumeration value="ApprovedManual"/>
+          <xsd:enumeration value="On Hold"/>
+          <xsd:enumeration value="Needs Review"/>
+          <xsd:enumeration value="A Violation"/>
+          <xsd:enumeration value="Unpublished Violation"/>
+        </xsd:restriction>
+      </xsd:simpleType>
+    </xsd:element>
+    <xsd:element name="AssetStart" ma:index="6" nillable="true" ma:displayName="Asset Begin Date" ma:default="[Today]" ma:internalName="AssetStart" ma:readOnly="false">
+      <xsd:simpleType>
+        <xsd:restriction base="dms:DateTime"/>
+      </xsd:simpleType>
+    </xsd:element>
+    <xsd:element name="AssetExpire" ma:index="7" nillable="true" ma:displayName="Asset End Date" ma:default="2029-01-01T08:00:00Z" ma:format="DateTime" ma:internalName="AssetExpire" ma:readOnly="false">
+      <xsd:simpleType>
+        <xsd:restriction base="dms:DateTime"/>
+      </xsd:simpleType>
+    </xsd:element>
+    <xsd:element name="AssetId" ma:index="8" nillable="true" ma:displayName="Asset ID" ma:default="" ma:indexed="true" ma:internalName="AssetId" ma:readOnly="false">
+      <xsd:simpleType>
+        <xsd:restriction base="dms:Text">
+          <xsd:maxLength value="255"/>
+        </xsd:restriction>
+      </xsd:simpleType>
+    </xsd:element>
+    <xsd:element name="IsSearchable" ma:index="9" nillable="true" ma:displayName="Asset Searchable?" ma:default="true" ma:internalName="IsSearchable" ma:readOnly="false">
+      <xsd:simpleType>
+        <xsd:restriction base="dms:Boolean"/>
+      </xsd:simpleType>
+    </xsd:element>
+    <xsd:element name="AssetType" ma:index="10" nillable="true" ma:displayName="Asset Type" ma:default="" ma:internalName="AssetType" ma:readOnly="false">
+      <xsd:simpleType>
+        <xsd:restriction base="dms:Unknown"/>
+      </xsd:simpleType>
+    </xsd:element>
+    <xsd:element name="APAuthor" ma:index="11" nillable="true" ma:displayName="Author" ma:default="" ma:list="UserInfo" ma:internalName="APAuthor" ma:readOnly="false">
+      <xsd:complexType>
+        <xsd:complexContent>
+          <xsd:extension base="dms:User">
+            <xsd:sequence>
+              <xsd:element name="UserInfo" minOccurs="0" maxOccurs="unbounded">
+                <xsd:complexType>
+                  <xsd:sequence>
+                    <xsd:element name="DisplayName" type="xsd:string" minOccurs="0"/>
+                    <xsd:element name="AccountId" type="dms:UserId" minOccurs="0" nillable="true"/>
+                    <xsd:element name="AccountType" type="xsd:string" minOccurs="0"/>
+                  </xsd:sequence>
+                </xsd:complexType>
+              </xsd:element>
+            </xsd:sequence>
+          </xsd:extension>
+        </xsd:complexContent>
+      </xsd:complexType>
+    </xsd:element>
+    <xsd:element name="AverageRating" ma:index="12" nillable="true" ma:displayName="Average Rating" ma:internalName="AverageRating" ma:readOnly="false">
+      <xsd:simpleType>
+        <xsd:restriction base="dms:Text"/>
+      </xsd:simpleType>
+    </xsd:element>
+    <xsd:element name="BlockPublish" ma:index="13" nillable="true" ma:displayName="Block from Publishing?" ma:default="" ma:internalName="BlockPublish" ma:readOnly="false">
+      <xsd:simpleType>
+        <xsd:restriction base="dms:Boolean"/>
+      </xsd:simpleType>
+    </xsd:element>
+    <xsd:element name="BugNumber" ma:index="14" nillable="true" ma:displayName="Bug Number" ma:default="" ma:internalName="BugNumber" ma:readOnly="false">
+      <xsd:simpleType>
+        <xsd:restriction base="dms:Text"/>
+      </xsd:simpleType>
+    </xsd:element>
+    <xsd:element name="CampaignTagsTaxHTField0" ma:index="16" nillable="true" ma:taxonomy="true" ma:internalName="CampaignTagsTaxHTField0" ma:taxonomyFieldName="CampaignTags" ma:displayName="Campaigns" ma:readOnly="false" ma:default="" ma:fieldId="{1df42cc3-2301-4f11-a52a-6ead923c29ed}" ma:taxonomyMulti="true" ma:sspId="8f79753a-75d3-41f5-8ca3-40b843941b4f" ma:termSetId="ca0e50d4-faa1-44ce-961e-bb1441c60e66" ma:anchorId="00000000-0000-0000-0000-000000000000" ma:open="false" ma:isKeyword="false">
+      <xsd:complexType>
+        <xsd:sequence>
+          <xsd:element ref="pc:Terms" minOccurs="0" maxOccurs="1"/>
+        </xsd:sequence>
+      </xsd:complexType>
+    </xsd:element>
+    <xsd:element name="TPClientViewer" ma:index="17" nillable="true" ma:displayName="Client Viewer" ma:default="" ma:internalName="TPClientViewer">
+      <xsd:simpleType>
+        <xsd:restriction base="dms:Text"/>
+      </xsd:simpleType>
+    </xsd:element>
+    <xsd:element name="ClipArtFilename" ma:index="18" nillable="true" ma:displayName="Clip Art Name" ma:default="" ma:internalName="ClipArtFilename" ma:readOnly="false">
+      <xsd:simpleType>
+        <xsd:restriction base="dms:Text"/>
+      </xsd:simpleType>
+    </xsd:element>
+    <xsd:element name="TPCommandLine" ma:index="19" nillable="true" ma:displayName="Command Line" ma:default="" ma:internalName="TPCommandLine">
+      <xsd:simpleType>
+        <xsd:restriction base="dms:Text"/>
+      </xsd:simpleType>
+    </xsd:element>
+    <xsd:element name="TPComponent" ma:index="20" nillable="true" ma:displayName="Component" ma:default="" ma:internalName="TPComponent">
+      <xsd:simpleType>
+        <xsd:restriction base="dms:Text"/>
+      </xsd:simpleType>
+    </xsd:element>
+    <xsd:element name="ContentItem" ma:index="21" nillable="true" ma:displayName="Content Item" ma:default="" ma:hidden="true" ma:internalName="ContentItem" ma:readOnly="false">
+      <xsd:simpleType>
+        <xsd:restriction base="dms:Unknown"/>
+      </xsd:simpleType>
+    </xsd:element>
+    <xsd:element name="CrawlForDependencies" ma:index="23" nillable="true" ma:displayName="Crawl for Dependencies?" ma:default="true" ma:internalName="CrawlForDependencies" ma:readOnly="false">
+      <xsd:simpleType>
+        <xsd:restriction base="dms:Boolean"/>
+      </xsd:simpleType>
+    </xsd:element>
+    <xsd:element name="CSXHash" ma:index="26" nillable="true" ma:displayName="CSX Hash" ma:default="" ma:indexed="true" ma:internalName="CSXHash" ma:readOnly="false">
+      <xsd:simpleType>
+        <xsd:restriction base="dms:Text"/>
+      </xsd:simpleType>
+    </xsd:element>
+    <xsd:element name="CSXSubmissionMarket" ma:index="27" nillable="true" ma:displayName="CSX Submission Market" ma:default="" ma:list="{2FBD1B11-2ACE-4FDC-B5A3-635D4ADF6F1B}" ma:internalName="CSXSubmissionMarket" ma:readOnly="false" ma:showField="MarketName" ma:web="4873beb7-5857-4685-be1f-d57550cc96cc">
+      <xsd:simpleType>
+        <xsd:restriction base="dms:Lookup"/>
+      </xsd:simpleType>
+    </xsd:element>
+    <xsd:element name="CSXUpdate" ma:index="28" nillable="true" ma:displayName="CSX Updated?" ma:default="false" ma:internalName="CSXUpdate" ma:readOnly="false">
+      <xsd:simpleType>
+        <xsd:restriction base="dms:Boolean"/>
+      </xsd:simpleType>
+    </xsd:element>
+    <xsd:element name="IntlLangReviewDate" ma:index="29" nillable="true" ma:displayName="Date to Complete Intl QA" ma:default="" ma:internalName="IntlLangReviewDate" ma:readOnly="false">
+      <xsd:simpleType>
+        <xsd:restriction base="dms:DateTime"/>
+      </xsd:simpleType>
+    </xsd:element>
+    <xsd:element name="IsDeleted" ma:index="30" nillable="true" ma:displayName="Deleted?" ma:default="" ma:internalName="IsDeleted" ma:readOnly="false">
+      <xsd:simpleType>
+        <xsd:restriction base="dms:Boolean"/>
+      </xsd:simpleType>
+    </xsd:element>
+    <xsd:element name="APDescription" ma:index="31" nillable="true" ma:displayName="Description" ma:default="" ma:internalName="APDescription" ma:readOnly="false">
+      <xsd:simpleType>
+        <xsd:restriction base="dms:Note"/>
+      </xsd:simpleType>
+    </xsd:element>
+    <xsd:element name="DirectSourceMarket" ma:index="32" nillable="true" ma:displayName="Direct Source Market Group" ma:default="" ma:internalName="DirectSourceMarket" ma:readOnly="false">
+      <xsd:simpleType>
+        <xsd:restriction base="dms:Text"/>
+      </xsd:simpleType>
+    </xsd:element>
+    <xsd:element name="Downloads" ma:index="33" nillable="true" ma:displayName="Downloads" ma:default="0" ma:hidden="true" ma:internalName="Downloads" ma:readOnly="false">
+      <xsd:simpleType>
+        <xsd:restriction base="dms:Unknown"/>
+      </xsd:simpleType>
+    </xsd:element>
+    <xsd:element name="DSATActionTaken" ma:index="34" nillable="true" ma:displayName="DSAT Action Taken" ma:default="" ma:internalName="DSATActionTaken" ma:readOnly="false">
+      <xsd:simpleType>
+        <xsd:restriction base="dms:Choice">
+          <xsd:enumeration value="Best Bets"/>
+          <xsd:enumeration value="Expire"/>
+          <xsd:enumeration value="Hide"/>
+          <xsd:enumeration value="None"/>
+        </xsd:restriction>
+      </xsd:simpleType>
+    </xsd:element>
+    <xsd:element name="APEditor" ma:index="35" nillable="true" ma:displayName="Editor" ma:default="" ma:list="UserInfo" ma:internalName="APEditor" ma:readOnly="false">
+      <xsd:complexType>
+        <xsd:complexContent>
+          <xsd:extension base="dms:User">
+            <xsd:sequence>
+              <xsd:element name="UserInfo" minOccurs="0" maxOccurs="unbounded">
+                <xsd:complexType>
+                  <xsd:sequence>
+                    <xsd:element name="DisplayName" type="xsd:string" minOccurs="0"/>
+                    <xsd:element name="AccountId" type="dms:UserId" minOccurs="0" nillable="true"/>
+                    <xsd:element name="AccountType" type="xsd:string" minOccurs="0"/>
+                  </xsd:sequence>
+                </xsd:complexType>
+              </xsd:element>
+            </xsd:sequence>
+          </xsd:extension>
+        </xsd:complexContent>
+      </xsd:complexType>
+    </xsd:element>
+    <xsd:element name="EditorialStatus" ma:index="36" nillable="true" ma:displayName="Editorial Status" ma:default="" ma:internalName="EditorialStatus" ma:readOnly="false">
+      <xsd:simpleType>
+        <xsd:restriction base="dms:Unknown"/>
+      </xsd:simpleType>
+    </xsd:element>
+    <xsd:element name="EditorialTags" ma:index="37" nillable="true" ma:displayName="Editorial Tags" ma:default="" ma:internalName="EditorialTags">
+      <xsd:simpleType>
+        <xsd:restriction base="dms:Unknown"/>
+      </xsd:simpleType>
+    </xsd:element>
+    <xsd:element name="TPExecutable" ma:index="38" nillable="true" ma:displayName="Executable" ma:default="" ma:internalName="TPExecutable">
+      <xsd:simpleType>
+        <xsd:restriction base="dms:Text"/>
+      </xsd:simpleType>
+    </xsd:element>
+    <xsd:element name="FeatureTagsTaxHTField0" ma:index="40" nillable="true" ma:taxonomy="true" ma:internalName="FeatureTagsTaxHTField0" ma:taxonomyFieldName="FeatureTags" ma:displayName="Features" ma:readOnly="false" ma:default="" ma:fieldId="{7fc0d542-15c6-4882-a8e3-13bca44403fb}" ma:taxonomyMulti="true" ma:sspId="8f79753a-75d3-41f5-8ca3-40b843941b4f" ma:termSetId="f1ab6845-967d-4854-a0ba-4ec07f0f8113" ma:anchorId="00000000-0000-0000-0000-000000000000" ma:open="false" ma:isKeyword="false">
+      <xsd:complexType>
+        <xsd:sequence>
+          <xsd:element ref="pc:Terms" minOccurs="0" maxOccurs="1"/>
+        </xsd:sequence>
+      </xsd:complexType>
+    </xsd:element>
+    <xsd:element name="TPFriendlyName" ma:index="41" nillable="true" ma:displayName="Friendly Name" ma:default="" ma:internalName="TPFriendlyName">
+      <xsd:simpleType>
+        <xsd:restriction base="dms:Text"/>
+      </xsd:simpleType>
+    </xsd:element>
+    <xsd:element name="FriendlyTitle" ma:index="42" nillable="true" ma:displayName="Friendly Title" ma:default="" ma:description="Shorter title to be used when displaying search results" ma:internalName="FriendlyTitle" ma:readOnly="false">
+      <xsd:simpleType>
+        <xsd:restriction base="dms:Text"/>
+      </xsd:simpleType>
+    </xsd:element>
+    <xsd:element name="PrimaryImageGen" ma:index="43" nillable="true" ma:displayName="Generate Images?" ma:default="true" ma:internalName="PrimaryImageGen">
+      <xsd:simpleType>
+        <xsd:restriction base="dms:Boolean"/>
+      </xsd:simpleType>
+    </xsd:element>
+    <xsd:element name="HandoffToMSDN" ma:index="44" nillable="true" ma:displayName="Handoff To MSDN Date" ma:default="" ma:internalName="HandoffToMSDN" ma:readOnly="false">
+      <xsd:simpleType>
+        <xsd:restriction base="dms:DateTime"/>
+      </xsd:simpleType>
+    </xsd:element>
+    <xsd:element name="InProjectListLookup" ma:index="45" nillable="true" ma:displayName="InProjectListLookup" ma:list="{9E343742-310B-4684-A24C-1D137CB4B230}" ma:internalName="InProjectListLookup" ma:readOnly="true" ma:showField="InProjectList" ma:web="4873beb7-5857-4685-be1f-d57550cc96cc">
+      <xsd:complexType>
+        <xsd:complexContent>
+          <xsd:extension base="dms:MultiChoiceLookup">
+            <xsd:sequence>
+              <xsd:element name="Value" type="dms:Lookup" maxOccurs="unbounded" minOccurs="0" nillable="true"/>
+            </xsd:sequence>
+          </xsd:extension>
+        </xsd:complexContent>
+      </xsd:complexType>
+    </xsd:element>
+    <xsd:element name="TPInstallLocation" ma:index="46" nillable="true" ma:displayName="Install Location" ma:default="" ma:internalName="TPInstallLocation">
+      <xsd:simpleType>
+        <xsd:restriction base="dms:Text"/>
+      </xsd:simpleType>
+    </xsd:element>
+    <xsd:element name="InternalTagsTaxHTField0" ma:index="48" nillable="true" ma:taxonomy="true" ma:internalName="InternalTagsTaxHTField0" ma:taxonomyFieldName="InternalTags" ma:displayName="Internal Tags" ma:readOnly="false" ma:default="" ma:fieldId="{1490b8a4-2706-41ec-b5e3-73176dccf34e}" ma:taxonomyMulti="true" ma:sspId="8f79753a-75d3-41f5-8ca3-40b843941b4f" ma:termSetId="82b6639e-f7fc-4c18-ad2d-003a6e707765" ma:anchorId="00000000-0000-0000-0000-000000000000" ma:open="false" ma:isKeyword="false">
+      <xsd:complexType>
+        <xsd:sequence>
+          <xsd:element ref="pc:Terms" minOccurs="0" maxOccurs="1"/>
+        </xsd:sequence>
+      </xsd:complexType>
+    </xsd:element>
+    <xsd:element name="IntlLangReview" ma:index="49" nillable="true" ma:displayName="Intl Lang QA Review Required?" ma:default="" ma:internalName="IntlLangReview" ma:readOnly="false">
+      <xsd:simpleType>
+        <xsd:restriction base="dms:Boolean"/>
+      </xsd:simpleType>
+    </xsd:element>
+    <xsd:element name="IntlLangReviewer" ma:index="50" nillable="true" ma:displayName="Intl Lang QA Reviewer" ma:default="" ma:internalName="IntlLangReviewer" ma:readOnly="false">
+      <xsd:simpleType>
+        <xsd:restriction base="dms:Text"/>
+      </xsd:simpleType>
+    </xsd:element>
+    <xsd:element name="MarketSpecific" ma:index="51" nillable="true" ma:displayName="Is Market Specific?" ma:default="" ma:internalName="MarketSpecific" ma:readOnly="false">
+      <xsd:simpleType>
+        <xsd:restriction base="dms:Boolean"/>
+      </xsd:simpleType>
+    </xsd:element>
+    <xsd:element name="LastCompleteVersionLookup" ma:index="52" nillable="true" ma:displayName="Last Complete Version Lookup" ma:default="" ma:list="{9E343742-310B-4684-A24C-1D137CB4B230}" ma:internalName="LastCompleteVersionLookup" ma:readOnly="true" ma:showField="LastCompleteVersion" ma:web="4873beb7-5857-4685-be1f-d57550cc96cc">
+      <xsd:complexType>
+        <xsd:complexContent>
+          <xsd:extension base="dms:MultiChoiceLookup">
+            <xsd:sequence>
+              <xsd:element name="Value" type="dms:Lookup" maxOccurs="unbounded" minOccurs="0" nillable="true"/>
+            </xsd:sequence>
+          </xsd:extension>
+        </xsd:complexContent>
+      </xsd:complexType>
+    </xsd:element>
+    <xsd:element name="LastHandOff" ma:index="53" nillable="true" ma:displayName="Last Hand-off" ma:default="" ma:internalName="LastHandOff" ma:readOnly="false">
+      <xsd:simpleType>
+        <xsd:restriction base="dms:DateTime"/>
+      </xsd:simpleType>
+    </xsd:element>
+    <xsd:element name="LastModifiedDateTime" ma:index="54" nillable="true" ma:displayName="Last Modified Date" ma:default="" ma:internalName="LastModifiedDateTime" ma:readOnly="false">
+      <xsd:simpleType>
+        <xsd:restriction base="dms:DateTime"/>
+      </xsd:simpleType>
+    </xsd:element>
+    <xsd:element name="LastPreviewErrorLookup" ma:index="55" nillable="true" ma:displayName="Last Preview Attempt Error" ma:default="" ma:list="{9E343742-310B-4684-A24C-1D137CB4B230}" ma:internalName="LastPreviewErrorLookup" ma:readOnly="true" ma:showField="LastPreviewError" ma:web="4873beb7-5857-4685-be1f-d57550cc96cc">
+      <xsd:complexType>
+        <xsd:complexContent>
+          <xsd:extension base="dms:MultiChoiceLookup">
+            <xsd:sequence>
+              <xsd:element name="Value" type="dms:Lookup" maxOccurs="unbounded" minOccurs="0" nillable="true"/>
+            </xsd:sequence>
+          </xsd:extension>
+        </xsd:complexContent>
+      </xsd:complexType>
+    </xsd:element>
+    <xsd:element name="LastPreviewResultLookup" ma:index="56" nillable="true" ma:displayName="Last Preview Attempt Result" ma:default="" ma:list="{9E343742-310B-4684-A24C-1D137CB4B230}" ma:internalName="LastPreviewResultLookup" ma:readOnly="true" ma:showField="LastPreviewResult" ma:web="4873beb7-5857-4685-be1f-d57550cc96cc">
+      <xsd:complexType>
+        <xsd:complexContent>
+          <xsd:extension base="dms:MultiChoiceLookup">
+            <xsd:sequence>
+              <xsd:element name="Value" type="dms:Lookup" maxOccurs="unbounded" minOccurs="0" nillable="true"/>
+            </xsd:sequence>
+          </xsd:extension>
+        </xsd:complexContent>
+      </xsd:complexType>
+    </xsd:element>
+    <xsd:element name="LastPreviewAttemptDateLookup" ma:index="57" nillable="true" ma:displayName="Last Preview Attempted On" ma:default="" ma:list="{9E343742-310B-4684-A24C-1D137CB4B230}" ma:internalName="LastPreviewAttemptDateLookup" ma:readOnly="true" ma:showField="LastPreviewAttemptDate" ma:web="4873beb7-5857-4685-be1f-d57550cc96cc">
+      <xsd:complexType>
+        <xsd:complexContent>
+          <xsd:extension base="dms:MultiChoiceLookup">
+            <xsd:sequence>
+              <xsd:element name="Value" type="dms:Lookup" maxOccurs="unbounded" minOccurs="0" nillable="true"/>
+            </xsd:sequence>
+          </xsd:extension>
+        </xsd:complexContent>
+      </xsd:complexType>
+    </xsd:element>
+    <xsd:element name="LastPreviewedByLookup" ma:index="58" nillable="true" ma:displayName="Last Previewed By" ma:default="" ma:list="{9E343742-310B-4684-A24C-1D137CB4B230}" ma:internalName="LastPreviewedByLookup" ma:readOnly="true" ma:showField="LastPreviewedBy" ma:web="4873beb7-5857-4685-be1f-d57550cc96cc">
+      <xsd:complexType>
+        <xsd:complexContent>
+          <xsd:extension base="dms:MultiChoiceLookup">
+            <xsd:sequence>
+              <xsd:element name="Value" type="dms:Lookup" maxOccurs="unbounded" minOccurs="0" nillable="true"/>
+            </xsd:sequence>
+          </xsd:extension>
+        </xsd:complexContent>
+      </xsd:complexType>
+    </xsd:element>
+    <xsd:element name="LastPreviewTimeLookup" ma:index="59" nillable="true" ma:displayName="Last Previewed Date" ma:default="" ma:list="{9E343742-310B-4684-A24C-1D137CB4B230}" ma:internalName="LastPreviewTimeLookup" ma:readOnly="true" ma:showField="LastPreviewTime" ma:web="4873beb7-5857-4685-be1f-d57550cc96cc">
+      <xsd:complexType>
+        <xsd:complexContent>
+          <xsd:extension base="dms:MultiChoiceLookup">
+            <xsd:sequence>
+              <xsd:element name="Value" type="dms:Lookup" maxOccurs="unbounded" minOccurs="0" nillable="true"/>
+            </xsd:sequence>
+          </xsd:extension>
+        </xsd:complexContent>
+      </xsd:complexType>
+    </xsd:element>
+    <xsd:element name="LastPreviewVersionLookup" ma:index="60" nillable="true" ma:displayName="Last Previewed Version" ma:default="" ma:list="{9E343742-310B-4684-A24C-1D137CB4B230}" ma:internalName="LastPreviewVersionLookup" ma:readOnly="true" ma:showField="LastPreviewVersion" ma:web="4873beb7-5857-4685-be1f-d57550cc96cc">
+      <xsd:complexType>
+        <xsd:complexContent>
+          <xsd:extension base="dms:MultiChoiceLookup">
+            <xsd:sequence>
+              <xsd:element name="Value" type="dms:Lookup" maxOccurs="unbounded" minOccurs="0" nillable="true"/>
+            </xsd:sequence>
+          </xsd:extension>
+        </xsd:complexContent>
+      </xsd:complexType>
+    </xsd:element>
+    <xsd:element name="LastPublishErrorLookup" ma:index="61" nillable="true" ma:displayName="Last Publish Attempt Error" ma:default="" ma:list="{9E343742-310B-4684-A24C-1D137CB4B230}" ma:internalName="LastPublishErrorLookup" ma:readOnly="true" ma:showField="LastPublishError" ma:web="4873beb7-5857-4685-be1f-d57550cc96cc">
+      <xsd:complexType>
+        <xsd:complexContent>
+          <xsd:extension base="dms:MultiChoiceLookup">
+            <xsd:sequence>
+              <xsd:element name="Value" type="dms:Lookup" maxOccurs="unbounded" minOccurs="0" nillable="true"/>
+            </xsd:sequence>
+          </xsd:extension>
+        </xsd:complexContent>
+      </xsd:complexType>
+    </xsd:element>
+    <xsd:element name="LastPublishResultLookup" ma:index="62" nillable="true" ma:displayName="Last Publish Attempt Result" ma:default="" ma:list="{9E343742-310B-4684-A24C-1D137CB4B230}" ma:internalName="LastPublishResultLookup" ma:readOnly="true" ma:showField="LastPublishResult" ma:web="4873beb7-5857-4685-be1f-d57550cc96cc">
+      <xsd:complexType>
+        <xsd:complexContent>
+          <xsd:extension base="dms:MultiChoiceLookup">
+            <xsd:sequence>
+              <xsd:element name="Value" type="dms:Lookup" maxOccurs="unbounded" minOccurs="0" nillable="true"/>
+            </xsd:sequence>
+          </xsd:extension>
+        </xsd:complexContent>
+      </xsd:complexType>
+    </xsd:element>
+    <xsd:element name="LastPublishAttemptDateLookup" ma:index="63" nillable="true" ma:displayName="Last Publish Attempted On" ma:default="" ma:list="{9E343742-310B-4684-A24C-1D137CB4B230}" ma:internalName="LastPublishAttemptDateLookup" ma:readOnly="true" ma:showField="LastPublishAttemptDate" ma:web="4873beb7-5857-4685-be1f-d57550cc96cc">
+      <xsd:complexType>
+        <xsd:complexContent>
+          <xsd:extension base="dms:MultiChoiceLookup">
+            <xsd:sequence>
+              <xsd:element name="Value" type="dms:Lookup" maxOccurs="unbounded" minOccurs="0" nillable="true"/>
+            </xsd:sequence>
+          </xsd:extension>
+        </xsd:complexContent>
+      </xsd:complexType>
+    </xsd:element>
+    <xsd:element name="LastPublishedByLookup" ma:index="64" nillable="true" ma:displayName="Last Published By" ma:default="" ma:list="{9E343742-310B-4684-A24C-1D137CB4B230}" ma:internalName="LastPublishedByLookup" ma:readOnly="true" ma:showField="LastPublishedBy" ma:web="4873beb7-5857-4685-be1f-d57550cc96cc">
+      <xsd:complexType>
+        <xsd:complexContent>
+          <xsd:extension base="dms:MultiChoiceLookup">
+            <xsd:sequence>
+              <xsd:element name="Value" type="dms:Lookup" maxOccurs="unbounded" minOccurs="0" nillable="true"/>
+            </xsd:sequence>
+          </xsd:extension>
+        </xsd:complexContent>
+      </xsd:complexType>
+    </xsd:element>
+    <xsd:element name="LastPublishTimeLookup" ma:index="65" nillable="true" ma:displayName="Last Published Date" ma:default="" ma:list="{9E343742-310B-4684-A24C-1D137CB4B230}" ma:internalName="LastPublishTimeLookup" ma:readOnly="true" ma:showField="LastPublishTime" ma:web="4873beb7-5857-4685-be1f-d57550cc96cc">
+      <xsd:complexType>
+        <xsd:complexContent>
+          <xsd:extension base="dms:MultiChoiceLookup">
+            <xsd:sequence>
+              <xsd:element name="Value" type="dms:Lookup" maxOccurs="unbounded" minOccurs="0" nillable="true"/>
+            </xsd:sequence>
+          </xsd:extension>
+        </xsd:complexContent>
+      </xsd:complexType>
+    </xsd:element>
+    <xsd:element name="LastPublishVersionLookup" ma:index="66" nillable="true" ma:displayName="Last Published Version" ma:default="" ma:list="{9E343742-310B-4684-A24C-1D137CB4B230}" ma:internalName="LastPublishVersionLookup" ma:readOnly="true" ma:showField="LastPublishVersion" ma:web="4873beb7-5857-4685-be1f-d57550cc96cc">
+      <xsd:complexType>
+        <xsd:complexContent>
+          <xsd:extension base="dms:MultiChoiceLookup">
+            <xsd:sequence>
+              <xsd:element name="Value" type="dms:Lookup" maxOccurs="unbounded" minOccurs="0" nillable="true"/>
+            </xsd:sequence>
+          </xsd:extension>
+        </xsd:complexContent>
+      </xsd:complexType>
+    </xsd:element>
+    <xsd:element name="TPLaunchHelpLinkType" ma:index="67" nillable="true" ma:displayName="Launch Help Link Type" ma:default="Template" ma:internalName="TPLaunchHelpLinkType">
+      <xsd:simpleType>
+        <xsd:restriction base="dms:Choice">
+          <xsd:enumeration value="Template"/>
+          <xsd:enumeration value="Training"/>
+          <xsd:enumeration value="URL"/>
+          <xsd:enumeration value="None"/>
+        </xsd:restriction>
+      </xsd:simpleType>
+    </xsd:element>
+    <xsd:element name="LegacyData" ma:index="68" nillable="true" ma:displayName="Legacy Data" ma:default="" ma:internalName="LegacyData" ma:readOnly="false">
+      <xsd:simpleType>
+        <xsd:restriction base="dms:Note"/>
+      </xsd:simpleType>
+    </xsd:element>
+    <xsd:element name="TPLaunchHelpLink" ma:index="69" nillable="true" ma:displayName="Link to Launch Help Topic" ma:default="" ma:internalName="TPLaunchHelpLink">
+      <xsd:simpleType>
+        <xsd:restriction base="dms:Text"/>
+      </xsd:simpleType>
+    </xsd:element>
+    <xsd:element name="LocComments" ma:index="70" nillable="true" ma:displayName="Loc Approval Comments" ma:default="" ma:internalName="LocComments" ma:readOnly="false">
+      <xsd:simpleType>
+        <xsd:restriction base="dms:Note"/>
+      </xsd:simpleType>
+    </xsd:element>
+    <xsd:element name="LocLastLocAttemptVersionLookup" ma:index="71" nillable="true" ma:displayName="Loc Last Loc Attempt Version" ma:default="" ma:list="{7DD1DCEC-E449-43D3-891F-7DC62F62AD21}" ma:internalName="LocLastLocAttemptVersionLookup" ma:readOnly="false" ma:showField="LastLocAttemptVersion" ma:web="4873beb7-5857-4685-be1f-d57550cc96cc">
+      <xsd:simpleType>
+        <xsd:restriction base="dms:Lookup"/>
+      </xsd:simpleType>
+    </xsd:element>
+    <xsd:element name="LocLastLocAttemptVersionTypeLookup" ma:index="72" nillable="true" ma:displayName="Loc Last Loc Attempt Version Type" ma:default="" ma:list="{7DD1DCEC-E449-43D3-891F-7DC62F62AD21}" ma:internalName="LocLastLocAttemptVersionTypeLookup" ma:readOnly="true" ma:showField="LastLocAttemptVersionType" ma:web="4873beb7-5857-4685-be1f-d57550cc96cc">
+      <xsd:simpleType>
+        <xsd:restriction base="dms:Lookup"/>
+      </xsd:simpleType>
+    </xsd:element>
+    <xsd:element name="LocManualTestRequired" ma:index="73" nillable="true" ma:displayName="Loc Manual Test Required" ma:default="" ma:internalName="LocManualTestRequired" ma:readOnly="false">
+      <xsd:simpleType>
+        <xsd:restriction base="dms:Boolean"/>
+      </xsd:simpleType>
+    </xsd:element>
+    <xsd:element name="LocMarketGroupTiers2" ma:index="74" nillable="true" ma:displayName="Loc Market Group Tiers" ma:internalName="LocMarketGroupTiers2" ma:readOnly="false">
+      <xsd:simpleType>
+        <xsd:restriction base="dms:Unknown"/>
+      </xsd:simpleType>
+    </xsd:element>
+    <xsd:element name="LocNewPublishedVersionLookup" ma:index="75" nillable="true" ma:displayName="Loc New Published Version Lookup" ma:default="" ma:list="{7DD1DCEC-E449-43D3-891F-7DC62F62AD21}" ma:internalName="LocNewPublishedVersionLookup" ma:readOnly="true" ma:showField="NewPublishedVersion" ma:web="4873beb7-5857-4685-be1f-d57550cc96cc">
+      <xsd:simpleType>
+        <xsd:restriction base="dms:Lookup"/>
+      </xsd:simpleType>
+    </xsd:element>
+    <xsd:element name="LocOverallHandbackStatusLookup" ma:index="76" nillable="true" ma:displayName="Loc Overall Handback Status" ma:default="" ma:list="{7DD1DCEC-E449-43D3-891F-7DC62F62AD21}" ma:internalName="LocOverallHandbackStatusLookup" ma:readOnly="true" ma:showField="OverallHandbackStatus" ma:web="4873beb7-5857-4685-be1f-d57550cc96cc">
+      <xsd:simpleType>
+        <xsd:restriction base="dms:Lookup"/>
+      </xsd:simpleType>
+    </xsd:element>
+    <xsd:element name="LocOverallLocStatusLookup" ma:index="77" nillable="true" ma:displayName="Loc Overall Localize Status" ma:default="" ma:list="{7DD1DCEC-E449-43D3-891F-7DC62F62AD21}" ma:internalName="LocOverallLocStatusLookup" ma:readOnly="true" ma:showField="OverallLocStatus" ma:web="4873beb7-5857-4685-be1f-d57550cc96cc">
+      <xsd:simpleType>
+        <xsd:restriction base="dms:Lookup"/>
+      </xsd:simpleType>
+    </xsd:element>
+    <xsd:element name="LocOverallPreviewStatusLookup" ma:index="78" nillable="true" ma:displayName="Loc Overall Preview Status" ma:default="" ma:list="{7DD1DCEC-E449-43D3-891F-7DC62F62AD21}" ma:internalName="LocOverallPreviewStatusLookup" ma:readOnly="true" ma:showField="OverallPreviewStatus" ma:web="4873beb7-5857-4685-be1f-d57550cc96cc">
+      <xsd:simpleType>
+        <xsd:restriction base="dms:Lookup"/>
+      </xsd:simpleType>
+    </xsd:element>
+    <xsd:element name="LocOverallPublishStatusLookup" ma:index="79" nillable="true" ma:displayName="Loc Overall Publish Status" ma:default="" ma:list="{7DD1DCEC-E449-43D3-891F-7DC62F62AD21}" ma:internalName="LocOverallPublishStatusLookup" ma:readOnly="true" ma:showField="OverallPublishStatus" ma:web="4873beb7-5857-4685-be1f-d57550cc96cc">
+      <xsd:simpleType>
+        <xsd:restriction base="dms:Lookup"/>
+      </xsd:simpleType>
+    </xsd:element>
+    <xsd:element name="IntlLocPriority" ma:index="80" nillable="true" ma:displayName="Loc Priority" ma:default="" ma:internalName="IntlLocPriority" ma:readOnly="false">
+      <xsd:simpleType>
+        <xsd:restriction base="dms:Unknown"/>
+      </xsd:simpleType>
+    </xsd:element>
+    <xsd:element name="LocProcessedForHandoffsLookup" ma:index="81" nillable="true" ma:displayName="Loc Processed For Handoffs" ma:default="" ma:list="{7DD1DCEC-E449-43D3-891F-7DC62F62AD21}" ma:internalName="LocProcessedForHandoffsLookup" ma:readOnly="true" ma:showField="ProcessedForHandoffs" ma:web="4873beb7-5857-4685-be1f-d57550cc96cc">
+      <xsd:simpleType>
+        <xsd:restriction base="dms:Lookup"/>
+      </xsd:simpleType>
+    </xsd:element>
+    <xsd:element name="LocProcessedForMarketsLookup" ma:index="82" nillable="true" ma:displayName="Loc Processed For Markets" ma:default="" ma:list="{7DD1DCEC-E449-43D3-891F-7DC62F62AD21}" ma:internalName="LocProcessedForMarketsLookup" ma:readOnly="true" ma:showField="ProcessedForMarkets" ma:web="4873beb7-5857-4685-be1f-d57550cc96cc">
+      <xsd:simpleType>
+        <xsd:restriction base="dms:Lookup"/>
+      </xsd:simpleType>
+    </xsd:element>
+    <xsd:element name="LocPublishedDependentAssetsLookup" ma:index="83" nillable="true" ma:displayName="Loc Published Dependent Assets" ma:default="" ma:list="{7DD1DCEC-E449-43D3-891F-7DC62F62AD21}" ma:internalName="LocPublishedDependentAssetsLookup" ma:readOnly="true" ma:showField="PublishedDependentAssets" ma:web="4873beb7-5857-4685-be1f-d57550cc96cc">
+      <xsd:simpleType>
+        <xsd:restriction base="dms:Lookup"/>
+      </xsd:simpleType>
+    </xsd:element>
+    <xsd:element name="LocPublishedLinkedAssetsLookup" ma:index="84" nillable="true" ma:displayName="Loc Published Linked Assets" ma:default="" ma:list="{7DD1DCEC-E449-43D3-891F-7DC62F62AD21}" ma:internalName="LocPublishedLinkedAssetsLookup" ma:readOnly="true" ma:showField="PublishedLinkedAssets" ma:web="4873beb7-5857-4685-be1f-d57550cc96cc">
+      <xsd:simpleType>
+        <xsd:restriction base="dms:Lookup"/>
+      </xsd:simpleType>
+    </xsd:element>
+    <xsd:element name="LocRecommendedHandoff" ma:index="85" nillable="true" ma:displayName="Loc Recommended Handoff" ma:default="" ma:indexed="true" ma:internalName="LocRecommendedHandoff" ma:readOnly="false">
+      <xsd:simpleType>
+        <xsd:restriction base="dms:Text"/>
+      </xsd:simpleType>
+    </xsd:element>
+    <xsd:element name="LocalizationTagsTaxHTField0" ma:index="87" nillable="true" ma:taxonomy="true" ma:internalName="LocalizationTagsTaxHTField0" ma:taxonomyFieldName="LocalizationTags" ma:displayName="Localization Tags" ma:readOnly="false" ma:default="" ma:fieldId="{00f02cb3-2c7c-424a-9c61-10e9b6878429}" ma:taxonomyMulti="true" ma:sspId="8f79753a-75d3-41f5-8ca3-40b843941b4f" ma:termSetId="5b7703a5-8e8b-4b58-8b31-1cea35331da3" ma:anchorId="00000000-0000-0000-0000-000000000000" ma:open="false" ma:isKeyword="false">
+      <xsd:complexType>
+        <xsd:sequence>
+          <xsd:element ref="pc:Terms" minOccurs="0" maxOccurs="1"/>
+        </xsd:sequence>
+      </xsd:complexType>
+    </xsd:element>
+    <xsd:element name="MachineTranslated" ma:index="88" nillable="true" ma:displayName="Machine Translated" ma:default="" ma:internalName="MachineTranslated" ma:readOnly="false">
+      <xsd:simpleType>
+        <xsd:restriction base="dms:Boolean"/>
+      </xsd:simpleType>
+    </xsd:element>
+    <xsd:element name="Manager" ma:index="89" nillable="true" ma:displayName="Manager" ma:hidden="true" ma:internalName="Manager" ma:readOnly="false">
+      <xsd:simpleType>
+        <xsd:restriction base="dms:Text"/>
+      </xsd:simpleType>
+    </xsd:element>
+    <xsd:element name="Markets" ma:index="90" nillable="true" ma:displayName="Markets" ma:default="" ma:description="Leave blank to show in all markets" ma:list="{2FBD1B11-2ACE-4FDC-B5A3-635D4ADF6F1B}" ma:internalName="Markets" ma:readOnly="false" ma:showField="MarketName" ma:web="4873beb7-5857-4685-be1f-d57550cc96cc">
+      <xsd:complexType>
+        <xsd:complexContent>
+          <xsd:extension base="dms:MultiChoiceLookup">
+            <xsd:sequence>
+              <xsd:element name="Value" type="dms:Lookup" maxOccurs="unbounded" minOccurs="0" nillable="true"/>
+            </xsd:sequence>
+          </xsd:extension>
+        </xsd:complexContent>
+      </xsd:complexType>
+    </xsd:element>
+    <xsd:element name="Milestone" ma:index="91" nillable="true" ma:displayName="Milestone" ma:default="" ma:internalName="Milestone" ma:readOnly="false">
+      <xsd:simpleType>
+        <xsd:restriction base="dms:Unknown"/>
+      </xsd:simpleType>
+    </xsd:element>
+    <xsd:element name="TPNamespace" ma:index="94" nillable="true" ma:displayName="Namespace" ma:default="" ma:internalName="TPNamespace">
+      <xsd:simpleType>
+        <xsd:restriction base="dms:Text"/>
+      </xsd:simpleType>
+    </xsd:element>
+    <xsd:element name="NumericId" ma:index="95" nillable="true" ma:displayName="Numeric ID" ma:default="" ma:indexed="true" ma:internalName="NumericId" ma:readOnly="false">
+      <xsd:simpleType>
+        <xsd:restriction base="dms:Number"/>
+      </xsd:simpleType>
+    </xsd:element>
+    <xsd:element name="NumOfRatingsLookup" ma:index="96" nillable="true" ma:displayName="NumOfRatings" ma:default="" ma:list="{9E343742-310B-4684-A24C-1D137CB4B230}" ma:internalName="NumOfRatingsLookup" ma:readOnly="true" ma:showField="NumOfRatings" ma:web="4873beb7-5857-4685-be1f-d57550cc96cc">
+      <xsd:complexType>
+        <xsd:complexContent>
+          <xsd:extension base="dms:MultiChoiceLookup">
+            <xsd:sequence>
+              <xsd:element name="Value" type="dms:Lookup" maxOccurs="unbounded" minOccurs="0" nillable="true"/>
+            </xsd:sequence>
+          </xsd:extension>
+        </xsd:complexContent>
+      </xsd:complexType>
+    </xsd:element>
+    <xsd:element name="OOCacheId" ma:index="97" nillable="true" ma:displayName="OOCacheId" ma:internalName="OOCacheId" ma:readOnly="false">
+      <xsd:simpleType>
+        <xsd:restriction base="dms:Text"/>
+      </xsd:simpleType>
+    </xsd:element>
+    <xsd:element name="OpenTemplate" ma:index="98" nillable="true" ma:displayName="Open Template" ma:default="true" ma:internalName="OpenTemplate">
+      <xsd:simpleType>
+        <xsd:restriction base="dms:Boolean"/>
+      </xsd:simpleType>
+    </xsd:element>
+    <xsd:element name="OriginAsset" ma:index="99" nillable="true" ma:displayName="Origin Asset" ma:default="" ma:internalName="OriginAsset" ma:readOnly="false">
+      <xsd:simpleType>
+        <xsd:restriction base="dms:Text"/>
+      </xsd:simpleType>
+    </xsd:element>
+    <xsd:element name="OriginalRelease" ma:index="100" nillable="true" ma:displayName="Original Release" ma:default="15" ma:internalName="OriginalRelease" ma:readOnly="false">
+      <xsd:simpleType>
+        <xsd:restriction base="dms:Choice">
+          <xsd:enumeration value="14"/>
+          <xsd:enumeration value="15"/>
+          <xsd:enumeration value="16"/>
+        </xsd:restriction>
+      </xsd:simpleType>
+    </xsd:element>
+    <xsd:element name="OriginalSourceMarket" ma:index="101" nillable="true" ma:displayName="Original Source Market Group" ma:default="" ma:internalName="OriginalSourceMarket" ma:readOnly="false">
+      <xsd:simpleType>
+        <xsd:restriction base="dms:Text"/>
+      </xsd:simpleType>
+    </xsd:element>
+    <xsd:element name="OutputCachingOn" ma:index="102" nillable="true" ma:displayName="Output Caching" ma:default="true" ma:hidden="true" ma:internalName="OutputCachingOn" ma:readOnly="false">
+      <xsd:simpleType>
+        <xsd:restriction base="dms:Boolean"/>
+      </xsd:simpleType>
+    </xsd:element>
+    <xsd:element name="ParentAssetId" ma:index="103" nillable="true" ma:displayName="Parent Asset Id" ma:default="" ma:internalName="ParentAssetId" ma:readOnly="false">
+      <xsd:simpleType>
+        <xsd:restriction base="dms:Text"/>
+      </xsd:simpleType>
+    </xsd:element>
+    <xsd:element name="PlannedPubDate" ma:index="104" nillable="true" ma:displayName="Planned Publish Date" ma:default="" ma:indexed="true" ma:internalName="PlannedPubDate" ma:readOnly="false">
+      <xsd:simpleType>
+        <xsd:restriction base="dms:DateTime"/>
+      </xsd:simpleType>
+    </xsd:element>
+    <xsd:element name="PolicheckWords" ma:index="105" nillable="true" ma:displayName="Policheck Words" ma:default="" ma:internalName="PolicheckWords" ma:readOnly="false">
+      <xsd:simpleType>
+        <xsd:restriction base="dms:Text"/>
+      </xsd:simpleType>
+    </xsd:element>
+    <xsd:element name="BusinessGroup" ma:index="106" nillable="true" ma:displayName="Product Division Owner" ma:default="" ma:internalName="BusinessGroup" ma:readOnly="false">
+      <xsd:simpleType>
+        <xsd:restriction base="dms:Unknown"/>
+      </xsd:simpleType>
+    </xsd:element>
+    <xsd:element name="UAProjectedTotalWords" ma:index="107" nillable="true" ma:displayName="Projected Word Count" ma:default="" ma:internalName="UAProjectedTotalWords" ma:readOnly="false">
+      <xsd:simpleType>
+        <xsd:restriction base="dms:Unknown"/>
+      </xsd:simpleType>
+    </xsd:element>
+    <xsd:element name="Provider" ma:index="108" nillable="true" ma:displayName="Provider" ma:default="" ma:internalName="Provider" ma:readOnly="false">
+      <xsd:simpleType>
+        <xsd:restriction base="dms:Unknown"/>
+      </xsd:simpleType>
+    </xsd:element>
+    <xsd:element name="Providers" ma:index="109" nillable="true" ma:displayName="Providers" ma:default="" ma:internalName="Providers">
+      <xsd:simpleType>
+        <xsd:restriction base="dms:Unknown"/>
+      </xsd:simpleType>
+    </xsd:element>
+    <xsd:element name="PublishStatusLookup" ma:index="110" nillable="true" ma:displayName="Publish Status" ma:default="" ma:list="{9E343742-310B-4684-A24C-1D137CB4B230}" ma:internalName="PublishStatusLookup" ma:readOnly="false" ma:showField="PublishStatus" ma:web="4873beb7-5857-4685-be1f-d57550cc96cc">
+      <xsd:complexType>
+        <xsd:complexContent>
+          <xsd:extension base="dms:MultiChoiceLookup">
+            <xsd:sequence>
+              <xsd:element name="Value" type="dms:Lookup" maxOccurs="unbounded" minOccurs="0" nillable="true"/>
+            </xsd:sequence>
+          </xsd:extension>
+        </xsd:complexContent>
+      </xsd:complexType>
+    </xsd:element>
+    <xsd:element name="PublishTargets" ma:index="111" nillable="true" ma:displayName="Publish Target" ma:default="OfficeOnlineVNext" ma:internalName="PublishTargets" ma:readOnly="false">
+      <xsd:simpleType>
+        <xsd:restriction base="dms:Unknown"/>
+      </xsd:simpleType>
+    </xsd:element>
+    <xsd:element name="RecommendationsModifier" ma:index="112" nillable="true" ma:displayName="Recommendations Modifier" ma:default="" ma:internalName="RecommendationsModifier" ma:readOnly="false">
+      <xsd:simpleType>
+        <xsd:restriction base="dms:Number"/>
+      </xsd:simpleType>
+    </xsd:element>
+    <xsd:element name="ArtSampleDocs" ma:index="113" nillable="true" ma:displayName="Sample Docs" ma:default="" ma:hidden="true" ma:internalName="ArtSampleDocs" ma:readOnly="false">
+      <xsd:simpleType>
+        <xsd:restriction base="dms:Text"/>
+      </xsd:simpleType>
+    </xsd:element>
+    <xsd:element name="ScenarioTagsTaxHTField0" ma:index="115" nillable="true" ma:taxonomy="true" ma:internalName="ScenarioTagsTaxHTField0" ma:taxonomyFieldName="ScenarioTags" ma:displayName="Scenarios" ma:readOnly="false" ma:default="" ma:fieldId="{93aef74d-6c78-4815-8310-51477dceeccc}" ma:taxonomyMulti="true" ma:sspId="8f79753a-75d3-41f5-8ca3-40b843941b4f" ma:termSetId="4b7d5f16-e2f2-4fc0-bab3-6e8b931e57d6" ma:anchorId="00000000-0000-0000-0000-000000000000" ma:open="false" ma:isKeyword="false">
+      <xsd:complexType>
+        <xsd:sequence>
+          <xsd:element ref="pc:Terms" minOccurs="0" maxOccurs="1"/>
+        </xsd:sequence>
+      </xsd:complexType>
+    </xsd:element>
+    <xsd:element name="ShowIn" ma:index="117" nillable="true" ma:displayName="Show In" ma:default="Show everywhere" ma:internalName="ShowIn" ma:readOnly="false">
+      <xsd:simpleType>
+        <xsd:restriction base="dms:Choice">
+          <xsd:enumeration value="Hide on web"/>
+          <xsd:enumeration value="On Web no search"/>
+          <xsd:enumeration value="Show everywhere"/>
+          <xsd:enumeration value="Special use only"/>
+        </xsd:restriction>
+      </xsd:simpleType>
+    </xsd:element>
+    <xsd:element name="SourceTitle" ma:index="118" nillable="true" ma:displayName="Source Title" ma:default="" ma:indexed="true" ma:internalName="SourceTitle" ma:readOnly="false">
+      <xsd:simpleType>
+        <xsd:restriction base="dms:Text"/>
+      </xsd:simpleType>
+    </xsd:element>
+    <xsd:element name="CSXSubmissionDate" ma:index="119" nillable="true" ma:displayName="Submission Date" ma:default="" ma:internalName="CSXSubmissionDate" ma:readOnly="false">
+      <xsd:simpleType>
+        <xsd:restriction base="dms:DateTime"/>
+      </xsd:simpleType>
+    </xsd:element>
+    <xsd:element name="SubmitterId" ma:index="120" nillable="true" ma:displayName="Submitter ID" ma:default="" ma:internalName="SubmitterId" ma:readOnly="false">
+      <xsd:simpleType>
+        <xsd:restriction base="dms:Text"/>
+      </xsd:simpleType>
+    </xsd:element>
+    <xsd:element name="TaxCatchAll" ma:index="121" nillable="true" ma:displayName="Taxonomy Catch All Column" ma:hidden="true" ma:list="{530f955b-6704-4601-bd83-f81d87f1e440}" ma:internalName="TaxCatchAll" ma:showField="CatchAllData" ma:web="4873beb7-5857-4685-be1f-d57550cc96cc">
+      <xsd:complexType>
+        <xsd:complexContent>
+          <xsd:extension base="dms:MultiChoiceLookup">
+            <xsd:sequence>
+              <xsd:element name="Value" type="dms:Lookup" maxOccurs="unbounded" minOccurs="0" nillable="true"/>
+            </xsd:sequence>
+          </xsd:extension>
+        </xsd:complexContent>
+      </xsd:complexType>
+    </xsd:element>
+    <xsd:element name="TaxCatchAllLabel" ma:index="122" nillable="true" ma:displayName="Taxonomy Catch All Column1" ma:hidden="true" ma:list="{530f955b-6704-4601-bd83-f81d87f1e440}" ma:internalName="TaxCatchAllLabel" ma:readOnly="true" ma:showField="CatchAllDataLabel" ma:web="4873beb7-5857-4685-be1f-d57550cc96cc">
+      <xsd:complexType>
+        <xsd:complexContent>
+          <xsd:extension base="dms:MultiChoiceLookup">
+            <xsd:sequence>
+              <xsd:element name="Value" type="dms:Lookup" maxOccurs="unbounded" minOccurs="0" nillable="true"/>
+            </xsd:sequence>
+          </xsd:extension>
+        </xsd:complexContent>
+      </xsd:complexType>
+    </xsd:element>
+    <xsd:element name="TemplateStatus" ma:index="123" nillable="true" ma:displayName="Template Status" ma:default="" ma:internalName="TemplateStatus">
+      <xsd:simpleType>
+        <xsd:restriction base="dms:Unknown"/>
+      </xsd:simpleType>
+    </xsd:element>
+    <xsd:element name="TemplateTemplateType" ma:index="124" nillable="true" ma:displayName="Template Type" ma:default="" ma:internalName="TemplateTemplateType">
+      <xsd:simpleType>
+        <xsd:restriction base="dms:Unknown"/>
+      </xsd:simpleType>
+    </xsd:element>
+    <xsd:element name="ThumbnailAssetId" ma:index="125" nillable="true" ma:displayName="Thumbnail Image Asset" ma:default="" ma:internalName="ThumbnailAssetId" ma:readOnly="false">
+      <xsd:simpleType>
+        <xsd:restriction base="dms:Text"/>
+      </xsd:simpleType>
+    </xsd:element>
+    <xsd:element name="TimesCloned" ma:index="126" nillable="true" ma:displayName="Times Cloned" ma:default="" ma:internalName="TimesCloned" ma:readOnly="false">
+      <xsd:simpleType>
+        <xsd:restriction base="dms:Number"/>
+      </xsd:simpleType>
+    </xsd:element>
+    <xsd:element name="TrustLevel" ma:index="128" nillable="true" ma:displayName="Trust Level" ma:default="1 Microsoft Managed Content" ma:internalName="TrustLevel" ma:readOnly="false">
+      <xsd:simpleType>
+        <xsd:restriction base="dms:Unknown"/>
+      </xsd:simpleType>
+    </xsd:element>
+    <xsd:element name="UALocComments" ma:index="129" nillable="true" ma:displayName="UA Loc Comments" ma:default="" ma:internalName="UALocComments" ma:readOnly="false">
+      <xsd:simpleType>
+        <xsd:restriction base="dms:Note"/>
+      </xsd:simpleType>
+    </xsd:element>
+    <xsd:element name="UALocRecommendation" ma:index="130" nillable="true" ma:displayName="UA Loc Recommendation" ma:default="Localize" ma:internalName="UALocRecommendation" ma:readOnly="false">
+      <xsd:simpleType>
+        <xsd:restriction base="dms:Choice">
+          <xsd:enumeration value="Localize"/>
+          <xsd:enumeration value="Never Localize"/>
+          <xsd:enumeration value="Priority Localize"/>
+        </xsd:restriction>
+      </xsd:simpleType>
+    </xsd:element>
+    <xsd:element name="UANotes" ma:index="131" nillable="true" ma:displayName="UA Notes" ma:default="" ma:internalName="UANotes" ma:readOnly="false">
+      <xsd:simpleType>
+        <xsd:restriction base="dms:Note"/>
+      </xsd:simpleType>
+    </xsd:element>
+    <xsd:element name="TPAppVersion" ma:index="132" nillable="true" ma:displayName="Version" ma:default="" ma:internalName="TPAppVersion">
+      <xsd:simpleType>
+        <xsd:restriction base="dms:Text"/>
+      </xsd:simpleType>
+    </xsd:element>
+    <xsd:element name="VoteCount" ma:index="133" nillable="true" ma:displayName="Vote Count" ma:default="" ma:internalName="VoteCount" ma:readOnly="false">
+      <xsd:simpleType>
+        <xsd:restriction base="dms:Unknown"/>
+      </xsd:simpleType>
+    </xsd:element>
+  </xsd:schema>
+  <xsd:schema xmlns="http://schemas.openxmlformats.org/package/2006/metadata/core-properties" xmlns:xsd="http://www.w3.org/2001/XMLSchema" xmlns:xsi="http://www.w3.org/2001/XMLSchema-instance" xmlns:dc="http://purl.org/dc/elements/1.1/" xmlns:dcterms="http://purl.org/dc/terms/" xmlns:odoc="http://schemas.microsoft.com/internal/obd" targetNamespace="http://schemas.openxmlformats.org/package/2006/metadata/core-properties" elementFormDefault="qualified" attributeFormDefault="unqualified" blockDefault="#all">
+    <xsd:import namespace="http://purl.org/dc/elements/1.1/" schemaLocation="http://dublincore.org/schemas/xmls/qdc/2003/04/02/dc.xsd"/>
+    <xsd:import namespace="http://purl.org/dc/terms/" schemaLocation="http://dublincore.org/schemas/xmls/qdc/2003/04/02/dcterms.xsd"/>
+    <xsd:element name="coreProperties" type="CT_coreProperties"/>
+    <xsd:complexType name="CT_coreProperties">
+      <xsd:all>
+        <xsd:element ref="dc:creator" minOccurs="0" maxOccurs="1"/>
+        <xsd:element ref="dcterms:created" minOccurs="0" maxOccurs="1"/>
+        <xsd:element ref="dc:identifier" minOccurs="0" maxOccurs="1"/>
+        <xsd:element name="contentType" minOccurs="0" maxOccurs="1" type="xsd:string" ma:index="22" ma:displayName="Content Type"/>
+        <xsd:element ref="dc:title" minOccurs="0" maxOccurs="1" ma:index="127" ma:displayName="Title"/>
+        <xsd:element ref="dc:subject" minOccurs="0" maxOccurs="1"/>
+        <xsd:element ref="dc:description" minOccurs="0" maxOccurs="1"/>
+        <xsd:element name="keywords" minOccurs="0" maxOccurs="1" type="xsd:string"/>
+        <xsd:element ref="dc:language" minOccurs="0" maxOccurs="1"/>
+        <xsd:element name="category" minOccurs="0" maxOccurs="1" type="xsd:string"/>
+        <xsd:element name="version" minOccurs="0" maxOccurs="1" type="xsd:string"/>
+        <xsd:element name="revision" minOccurs="0" maxOccurs="1" type="xsd:string">
+          <xsd:annotation>
+            <xsd:documentation>
+                        This value indicates the number of saves or revisions. The application is responsible for updating this value after each revision.
+                    </xsd:documentation>
+          </xsd:annotation>
+        </xsd:element>
+        <xsd:element name="lastModifiedBy" minOccurs="0" maxOccurs="1" type="xsd:string"/>
+        <xsd:element ref="dcterms:modified" minOccurs="0" maxOccurs="1"/>
+        <xsd:element name="contentStatus" minOccurs="0" maxOccurs="1" type="xsd:string"/>
+      </xsd:all>
+    </xsd:complexType>
+  </xsd:schema>
+  <xs:schema xmlns:pc="http://schemas.microsoft.com/office/infopath/2007/PartnerControls" xmlns:xs="http://www.w3.org/2001/XMLSchema" targetNamespace="http://schemas.microsoft.com/office/infopath/2007/PartnerControls" elementFormDefault="qualified" attributeFormDefault="unqualified">
+    <xs:element name="Person">
+      <xs:complexType>
+        <xs:sequence>
+          <xs:element ref="pc:DisplayName" minOccurs="0"/>
+          <xs:element ref="pc:AccountId" minOccurs="0"/>
+          <xs:element ref="pc:AccountType" minOccurs="0"/>
+        </xs:sequence>
+      </xs:complexType>
+    </xs:element>
+    <xs:element name="DisplayName" type="xs:string"/>
+    <xs:element name="AccountId" type="xs:string"/>
+    <xs:element name="AccountType" type="xs:string"/>
+    <xs:element name="BDCAssociatedEntity">
+      <xs:complexType>
+        <xs:sequence>
+          <xs:element ref="pc:BDCEntity" minOccurs="0" maxOccurs="unbounded"/>
+        </xs:sequence>
+        <xs:attribute ref="pc:EntityNamespace"/>
+        <xs:attribute ref="pc:EntityName"/>
+        <xs:attribute ref="pc:SystemInstanceName"/>
+        <xs:attribute ref="pc:AssociationName"/>
+      </xs:complexType>
+    </xs:element>
+    <xs:attribute name="EntityNamespace" type="xs:string"/>
+    <xs:attribute name="EntityName" type="xs:string"/>
+    <xs:attribute name="SystemInstanceName" type="xs:string"/>
+    <xs:attribute name="AssociationName" type="xs:string"/>
+    <xs:element name="BDCEntity">
+      <xs:complexType>
+        <xs:sequence>
+          <xs:element ref="pc:EntityDisplayName" minOccurs="0"/>
+          <xs:element ref="pc:EntityInstanceReference" minOccurs="0"/>
+          <xs:element ref="pc:EntityId1" minOccurs="0"/>
+          <xs:element ref="pc:EntityId2" minOccurs="0"/>
+          <xs:element ref="pc:EntityId3" minOccurs="0"/>
+          <xs:element ref="pc:EntityId4" minOccurs="0"/>
+          <xs:element ref="pc:EntityId5" minOccurs="0"/>
+        </xs:sequence>
+      </xs:complexType>
+    </xs:element>
+    <xs:element name="EntityDisplayName" type="xs:string"/>
+    <xs:element name="EntityInstanceReference" type="xs:string"/>
+    <xs:element name="EntityId1" type="xs:string"/>
+    <xs:element name="EntityId2" type="xs:string"/>
+    <xs:element name="EntityId3" type="xs:string"/>
+    <xs:element name="EntityId4" type="xs:string"/>
+    <xs:element name="EntityId5" type="xs:string"/>
+    <xs:element name="Terms">
+      <xs:complexType>
+        <xs:sequence>
+          <xs:element ref="pc:TermInfo" minOccurs="0" maxOccurs="unbounded"/>
+        </xs:sequence>
+      </xs:complexType>
+    </xs:element>
+    <xs:element name="TermInfo">
+      <xs:complexType>
+        <xs:sequence>
+          <xs:element ref="pc:TermName" minOccurs="0"/>
+          <xs:element ref="pc:TermId" minOccurs="0"/>
+        </xs:sequence>
+      </xs:complexType>
+    </xs:element>
+    <xs:element name="TermName" type="xs:string"/>
+    <xs:element name="TermId" type="xs:string"/>
+  </xs:schema>
+</ct:contentTypeSchema>
 </file>
 
 <file path=customXml/item2.xml><?xml version="1.0" encoding="utf-8"?>
@@ -9357,1049 +10486,28 @@
 </file>
 
 <file path=customXml/item3.xml><?xml version="1.0" encoding="utf-8"?>
-<ct:contentTypeSchema xmlns:ct="http://schemas.microsoft.com/office/2006/metadata/contentType" xmlns:ma="http://schemas.microsoft.com/office/2006/metadata/properties/metaAttributes" ct:_="" ma:_="" ma:contentTypeName="TemplateFile" ma:contentTypeID="0x0101006EDDDB5EE6D98C44930B742096920B300400F5B6D36B3EF94B4E9A635CDF2A18F5B8" ma:contentTypeVersion="72" ma:contentTypeDescription="Create a new document." ma:contentTypeScope="" ma:versionID="a23e56308344d904b51738559c3d67c9">
-  <xsd:schema xmlns:xsd="http://www.w3.org/2001/XMLSchema" xmlns:xs="http://www.w3.org/2001/XMLSchema" xmlns:p="http://schemas.microsoft.com/office/2006/metadata/properties" xmlns:ns2="4873beb7-5857-4685-be1f-d57550cc96cc" targetNamespace="http://schemas.microsoft.com/office/2006/metadata/properties" ma:root="true" ma:fieldsID="cd0908cc4600e77bf5da051303e00c8d" ns2:_="">
-    <xsd:import namespace="4873beb7-5857-4685-be1f-d57550cc96cc"/>
-    <xsd:element name="properties">
-      <xsd:complexType>
-        <xsd:sequence>
-          <xsd:element name="documentManagement">
-            <xsd:complexType>
-              <xsd:all>
-                <xsd:element ref="ns2:AcquiredFrom" minOccurs="0"/>
-                <xsd:element ref="ns2:UACurrentWords" minOccurs="0"/>
-                <xsd:element ref="ns2:TPApplication" minOccurs="0"/>
-                <xsd:element ref="ns2:ApprovalLog" minOccurs="0"/>
-                <xsd:element ref="ns2:ApprovalStatus" minOccurs="0"/>
-                <xsd:element ref="ns2:AssetStart" minOccurs="0"/>
-                <xsd:element ref="ns2:AssetExpire" minOccurs="0"/>
-                <xsd:element ref="ns2:AssetId" minOccurs="0"/>
-                <xsd:element ref="ns2:IsSearchable" minOccurs="0"/>
-                <xsd:element ref="ns2:AssetType" minOccurs="0"/>
-                <xsd:element ref="ns2:APAuthor" minOccurs="0"/>
-                <xsd:element ref="ns2:AverageRating" minOccurs="0"/>
-                <xsd:element ref="ns2:BlockPublish" minOccurs="0"/>
-                <xsd:element ref="ns2:BugNumber" minOccurs="0"/>
-                <xsd:element ref="ns2:CampaignTagsTaxHTField0" minOccurs="0"/>
-                <xsd:element ref="ns2:TPClientViewer" minOccurs="0"/>
-                <xsd:element ref="ns2:ClipArtFilename" minOccurs="0"/>
-                <xsd:element ref="ns2:TPCommandLine" minOccurs="0"/>
-                <xsd:element ref="ns2:TPComponent" minOccurs="0"/>
-                <xsd:element ref="ns2:ContentItem" minOccurs="0"/>
-                <xsd:element ref="ns2:CrawlForDependencies" minOccurs="0"/>
-                <xsd:element ref="ns2:CSXHash" minOccurs="0"/>
-                <xsd:element ref="ns2:CSXSubmissionMarket" minOccurs="0"/>
-                <xsd:element ref="ns2:CSXUpdate" minOccurs="0"/>
-                <xsd:element ref="ns2:IntlLangReviewDate" minOccurs="0"/>
-                <xsd:element ref="ns2:IsDeleted" minOccurs="0"/>
-                <xsd:element ref="ns2:APDescription" minOccurs="0"/>
-                <xsd:element ref="ns2:DirectSourceMarket" minOccurs="0"/>
-                <xsd:element ref="ns2:Downloads" minOccurs="0"/>
-                <xsd:element ref="ns2:DSATActionTaken" minOccurs="0"/>
-                <xsd:element ref="ns2:APEditor" minOccurs="0"/>
-                <xsd:element ref="ns2:EditorialStatus" minOccurs="0"/>
-                <xsd:element ref="ns2:EditorialTags" minOccurs="0"/>
-                <xsd:element ref="ns2:TPExecutable" minOccurs="0"/>
-                <xsd:element ref="ns2:FeatureTagsTaxHTField0" minOccurs="0"/>
-                <xsd:element ref="ns2:TPFriendlyName" minOccurs="0"/>
-                <xsd:element ref="ns2:FriendlyTitle" minOccurs="0"/>
-                <xsd:element ref="ns2:PrimaryImageGen" minOccurs="0"/>
-                <xsd:element ref="ns2:HandoffToMSDN" minOccurs="0"/>
-                <xsd:element ref="ns2:InProjectListLookup" minOccurs="0"/>
-                <xsd:element ref="ns2:TPInstallLocation" minOccurs="0"/>
-                <xsd:element ref="ns2:InternalTagsTaxHTField0" minOccurs="0"/>
-                <xsd:element ref="ns2:IntlLangReview" minOccurs="0"/>
-                <xsd:element ref="ns2:IntlLangReviewer" minOccurs="0"/>
-                <xsd:element ref="ns2:MarketSpecific" minOccurs="0"/>
-                <xsd:element ref="ns2:LastCompleteVersionLookup" minOccurs="0"/>
-                <xsd:element ref="ns2:LastHandOff" minOccurs="0"/>
-                <xsd:element ref="ns2:LastModifiedDateTime" minOccurs="0"/>
-                <xsd:element ref="ns2:LastPreviewErrorLookup" minOccurs="0"/>
-                <xsd:element ref="ns2:LastPreviewResultLookup" minOccurs="0"/>
-                <xsd:element ref="ns2:LastPreviewAttemptDateLookup" minOccurs="0"/>
-                <xsd:element ref="ns2:LastPreviewedByLookup" minOccurs="0"/>
-                <xsd:element ref="ns2:LastPreviewTimeLookup" minOccurs="0"/>
-                <xsd:element ref="ns2:LastPreviewVersionLookup" minOccurs="0"/>
-                <xsd:element ref="ns2:LastPublishErrorLookup" minOccurs="0"/>
-                <xsd:element ref="ns2:LastPublishResultLookup" minOccurs="0"/>
-                <xsd:element ref="ns2:LastPublishAttemptDateLookup" minOccurs="0"/>
-                <xsd:element ref="ns2:LastPublishedByLookup" minOccurs="0"/>
-                <xsd:element ref="ns2:LastPublishTimeLookup" minOccurs="0"/>
-                <xsd:element ref="ns2:LastPublishVersionLookup" minOccurs="0"/>
-                <xsd:element ref="ns2:TPLaunchHelpLinkType" minOccurs="0"/>
-                <xsd:element ref="ns2:LegacyData" minOccurs="0"/>
-                <xsd:element ref="ns2:TPLaunchHelpLink" minOccurs="0"/>
-                <xsd:element ref="ns2:LocComments" minOccurs="0"/>
-                <xsd:element ref="ns2:LocLastLocAttemptVersionLookup" minOccurs="0"/>
-                <xsd:element ref="ns2:LocLastLocAttemptVersionTypeLookup" minOccurs="0"/>
-                <xsd:element ref="ns2:LocManualTestRequired" minOccurs="0"/>
-                <xsd:element ref="ns2:LocMarketGroupTiers2" minOccurs="0"/>
-                <xsd:element ref="ns2:LocNewPublishedVersionLookup" minOccurs="0"/>
-                <xsd:element ref="ns2:LocOverallHandbackStatusLookup" minOccurs="0"/>
-                <xsd:element ref="ns2:LocOverallLocStatusLookup" minOccurs="0"/>
-                <xsd:element ref="ns2:LocOverallPreviewStatusLookup" minOccurs="0"/>
-                <xsd:element ref="ns2:LocOverallPublishStatusLookup" minOccurs="0"/>
-                <xsd:element ref="ns2:IntlLocPriority" minOccurs="0"/>
-                <xsd:element ref="ns2:LocProcessedForHandoffsLookup" minOccurs="0"/>
-                <xsd:element ref="ns2:LocProcessedForMarketsLookup" minOccurs="0"/>
-                <xsd:element ref="ns2:LocPublishedDependentAssetsLookup" minOccurs="0"/>
-                <xsd:element ref="ns2:LocPublishedLinkedAssetsLookup" minOccurs="0"/>
-                <xsd:element ref="ns2:LocRecommendedHandoff" minOccurs="0"/>
-                <xsd:element ref="ns2:LocalizationTagsTaxHTField0" minOccurs="0"/>
-                <xsd:element ref="ns2:MachineTranslated" minOccurs="0"/>
-                <xsd:element ref="ns2:Manager" minOccurs="0"/>
-                <xsd:element ref="ns2:Markets" minOccurs="0"/>
-                <xsd:element ref="ns2:Milestone" minOccurs="0"/>
-                <xsd:element ref="ns2:TPNamespace" minOccurs="0"/>
-                <xsd:element ref="ns2:NumericId" minOccurs="0"/>
-                <xsd:element ref="ns2:NumOfRatingsLookup" minOccurs="0"/>
-                <xsd:element ref="ns2:OOCacheId" minOccurs="0"/>
-                <xsd:element ref="ns2:OpenTemplate" minOccurs="0"/>
-                <xsd:element ref="ns2:OriginAsset" minOccurs="0"/>
-                <xsd:element ref="ns2:OriginalRelease" minOccurs="0"/>
-                <xsd:element ref="ns2:OriginalSourceMarket" minOccurs="0"/>
-                <xsd:element ref="ns2:OutputCachingOn" minOccurs="0"/>
-                <xsd:element ref="ns2:ParentAssetId" minOccurs="0"/>
-                <xsd:element ref="ns2:PlannedPubDate" minOccurs="0"/>
-                <xsd:element ref="ns2:PolicheckWords" minOccurs="0"/>
-                <xsd:element ref="ns2:BusinessGroup" minOccurs="0"/>
-                <xsd:element ref="ns2:UAProjectedTotalWords" minOccurs="0"/>
-                <xsd:element ref="ns2:Provider" minOccurs="0"/>
-                <xsd:element ref="ns2:Providers" minOccurs="0"/>
-                <xsd:element ref="ns2:PublishStatusLookup" minOccurs="0"/>
-                <xsd:element ref="ns2:PublishTargets" minOccurs="0"/>
-                <xsd:element ref="ns2:RecommendationsModifier" minOccurs="0"/>
-                <xsd:element ref="ns2:ArtSampleDocs" minOccurs="0"/>
-                <xsd:element ref="ns2:ScenarioTagsTaxHTField0" minOccurs="0"/>
-                <xsd:element ref="ns2:ShowIn" minOccurs="0"/>
-                <xsd:element ref="ns2:SourceTitle" minOccurs="0"/>
-                <xsd:element ref="ns2:CSXSubmissionDate" minOccurs="0"/>
-                <xsd:element ref="ns2:SubmitterId" minOccurs="0"/>
-                <xsd:element ref="ns2:TaxCatchAll" minOccurs="0"/>
-                <xsd:element ref="ns2:TaxCatchAllLabel" minOccurs="0"/>
-                <xsd:element ref="ns2:TemplateStatus" minOccurs="0"/>
-                <xsd:element ref="ns2:TemplateTemplateType" minOccurs="0"/>
-                <xsd:element ref="ns2:ThumbnailAssetId" minOccurs="0"/>
-                <xsd:element ref="ns2:TimesCloned" minOccurs="0"/>
-                <xsd:element ref="ns2:TrustLevel" minOccurs="0"/>
-                <xsd:element ref="ns2:UALocComments" minOccurs="0"/>
-                <xsd:element ref="ns2:UALocRecommendation" minOccurs="0"/>
-                <xsd:element ref="ns2:UANotes" minOccurs="0"/>
-                <xsd:element ref="ns2:TPAppVersion" minOccurs="0"/>
-                <xsd:element ref="ns2:VoteCount" minOccurs="0"/>
-              </xsd:all>
-            </xsd:complexType>
-          </xsd:element>
-        </xsd:sequence>
-      </xsd:complexType>
-    </xsd:element>
-  </xsd:schema>
-  <xsd:schema xmlns:xsd="http://www.w3.org/2001/XMLSchema" xmlns:xs="http://www.w3.org/2001/XMLSchema" xmlns:dms="http://schemas.microsoft.com/office/2006/documentManagement/types" xmlns:pc="http://schemas.microsoft.com/office/infopath/2007/PartnerControls" targetNamespace="4873beb7-5857-4685-be1f-d57550cc96cc" elementFormDefault="qualified">
-    <xsd:import namespace="http://schemas.microsoft.com/office/2006/documentManagement/types"/>
-    <xsd:import namespace="http://schemas.microsoft.com/office/infopath/2007/PartnerControls"/>
-    <xsd:element name="AcquiredFrom" ma:index="1" nillable="true" ma:displayName="Acquired From" ma:default="Internal MS" ma:internalName="AcquiredFrom" ma:readOnly="false">
-      <xsd:simpleType>
-        <xsd:restriction base="dms:Choice">
-          <xsd:enumeration value="Internal MS"/>
-          <xsd:enumeration value="Community"/>
-          <xsd:enumeration value="MVP"/>
-          <xsd:enumeration value="Publisher"/>
-          <xsd:enumeration value="Partner"/>
-          <xsd:enumeration value="None"/>
-        </xsd:restriction>
-      </xsd:simpleType>
-    </xsd:element>
-    <xsd:element name="UACurrentWords" ma:index="2" nillable="true" ma:displayName="Actual Word Count" ma:default="" ma:internalName="UACurrentWords" ma:readOnly="false">
-      <xsd:simpleType>
-        <xsd:restriction base="dms:Unknown"/>
-      </xsd:simpleType>
-    </xsd:element>
-    <xsd:element name="TPApplication" ma:index="3" nillable="true" ma:displayName="Application to Open Template With" ma:default="" ma:internalName="TPApplication">
-      <xsd:simpleType>
-        <xsd:restriction base="dms:Text"/>
-      </xsd:simpleType>
-    </xsd:element>
-    <xsd:element name="ApprovalLog" ma:index="4" nillable="true" ma:displayName="Approval Log" ma:default="" ma:hidden="true" ma:internalName="ApprovalLog" ma:readOnly="false">
-      <xsd:simpleType>
-        <xsd:restriction base="dms:Note"/>
-      </xsd:simpleType>
-    </xsd:element>
-    <xsd:element name="ApprovalStatus" ma:index="5" nillable="true" ma:displayName="Approval Status" ma:default="InProgress" ma:internalName="ApprovalStatus" ma:readOnly="false">
-      <xsd:simpleType>
-        <xsd:restriction base="dms:Choice">
-          <xsd:enumeration value="InProgress"/>
-          <xsd:enumeration value="Rejected"/>
-          <xsd:enumeration value="Questionable"/>
-          <xsd:enumeration value="ApprovedAutomatic"/>
-          <xsd:enumeration value="ApprovedManual"/>
-          <xsd:enumeration value="On Hold"/>
-          <xsd:enumeration value="Needs Review"/>
-          <xsd:enumeration value="A Violation"/>
-          <xsd:enumeration value="Unpublished Violation"/>
-        </xsd:restriction>
-      </xsd:simpleType>
-    </xsd:element>
-    <xsd:element name="AssetStart" ma:index="6" nillable="true" ma:displayName="Asset Begin Date" ma:default="[Today]" ma:internalName="AssetStart" ma:readOnly="false">
-      <xsd:simpleType>
-        <xsd:restriction base="dms:DateTime"/>
-      </xsd:simpleType>
-    </xsd:element>
-    <xsd:element name="AssetExpire" ma:index="7" nillable="true" ma:displayName="Asset End Date" ma:default="2029-01-01T08:00:00Z" ma:format="DateTime" ma:internalName="AssetExpire" ma:readOnly="false">
-      <xsd:simpleType>
-        <xsd:restriction base="dms:DateTime"/>
-      </xsd:simpleType>
-    </xsd:element>
-    <xsd:element name="AssetId" ma:index="8" nillable="true" ma:displayName="Asset ID" ma:default="" ma:indexed="true" ma:internalName="AssetId" ma:readOnly="false">
-      <xsd:simpleType>
-        <xsd:restriction base="dms:Text">
-          <xsd:maxLength value="255"/>
-        </xsd:restriction>
-      </xsd:simpleType>
-    </xsd:element>
-    <xsd:element name="IsSearchable" ma:index="9" nillable="true" ma:displayName="Asset Searchable?" ma:default="true" ma:internalName="IsSearchable" ma:readOnly="false">
-      <xsd:simpleType>
-        <xsd:restriction base="dms:Boolean"/>
-      </xsd:simpleType>
-    </xsd:element>
-    <xsd:element name="AssetType" ma:index="10" nillable="true" ma:displayName="Asset Type" ma:default="" ma:internalName="AssetType" ma:readOnly="false">
-      <xsd:simpleType>
-        <xsd:restriction base="dms:Unknown"/>
-      </xsd:simpleType>
-    </xsd:element>
-    <xsd:element name="APAuthor" ma:index="11" nillable="true" ma:displayName="Author" ma:default="" ma:list="UserInfo" ma:internalName="APAuthor" ma:readOnly="false">
-      <xsd:complexType>
-        <xsd:complexContent>
-          <xsd:extension base="dms:User">
-            <xsd:sequence>
-              <xsd:element name="UserInfo" minOccurs="0" maxOccurs="unbounded">
-                <xsd:complexType>
-                  <xsd:sequence>
-                    <xsd:element name="DisplayName" type="xsd:string" minOccurs="0"/>
-                    <xsd:element name="AccountId" type="dms:UserId" minOccurs="0" nillable="true"/>
-                    <xsd:element name="AccountType" type="xsd:string" minOccurs="0"/>
-                  </xsd:sequence>
-                </xsd:complexType>
-              </xsd:element>
-            </xsd:sequence>
-          </xsd:extension>
-        </xsd:complexContent>
-      </xsd:complexType>
-    </xsd:element>
-    <xsd:element name="AverageRating" ma:index="12" nillable="true" ma:displayName="Average Rating" ma:internalName="AverageRating" ma:readOnly="false">
-      <xsd:simpleType>
-        <xsd:restriction base="dms:Text"/>
-      </xsd:simpleType>
-    </xsd:element>
-    <xsd:element name="BlockPublish" ma:index="13" nillable="true" ma:displayName="Block from Publishing?" ma:default="" ma:internalName="BlockPublish" ma:readOnly="false">
-      <xsd:simpleType>
-        <xsd:restriction base="dms:Boolean"/>
-      </xsd:simpleType>
-    </xsd:element>
-    <xsd:element name="BugNumber" ma:index="14" nillable="true" ma:displayName="Bug Number" ma:default="" ma:internalName="BugNumber" ma:readOnly="false">
-      <xsd:simpleType>
-        <xsd:restriction base="dms:Text"/>
-      </xsd:simpleType>
-    </xsd:element>
-    <xsd:element name="CampaignTagsTaxHTField0" ma:index="16" nillable="true" ma:taxonomy="true" ma:internalName="CampaignTagsTaxHTField0" ma:taxonomyFieldName="CampaignTags" ma:displayName="Campaigns" ma:readOnly="false" ma:default="" ma:fieldId="{1df42cc3-2301-4f11-a52a-6ead923c29ed}" ma:taxonomyMulti="true" ma:sspId="8f79753a-75d3-41f5-8ca3-40b843941b4f" ma:termSetId="ca0e50d4-faa1-44ce-961e-bb1441c60e66" ma:anchorId="00000000-0000-0000-0000-000000000000" ma:open="false" ma:isKeyword="false">
-      <xsd:complexType>
-        <xsd:sequence>
-          <xsd:element ref="pc:Terms" minOccurs="0" maxOccurs="1"/>
-        </xsd:sequence>
-      </xsd:complexType>
-    </xsd:element>
-    <xsd:element name="TPClientViewer" ma:index="17" nillable="true" ma:displayName="Client Viewer" ma:default="" ma:internalName="TPClientViewer">
-      <xsd:simpleType>
-        <xsd:restriction base="dms:Text"/>
-      </xsd:simpleType>
-    </xsd:element>
-    <xsd:element name="ClipArtFilename" ma:index="18" nillable="true" ma:displayName="Clip Art Name" ma:default="" ma:internalName="ClipArtFilename" ma:readOnly="false">
-      <xsd:simpleType>
-        <xsd:restriction base="dms:Text"/>
-      </xsd:simpleType>
-    </xsd:element>
-    <xsd:element name="TPCommandLine" ma:index="19" nillable="true" ma:displayName="Command Line" ma:default="" ma:internalName="TPCommandLine">
-      <xsd:simpleType>
-        <xsd:restriction base="dms:Text"/>
-      </xsd:simpleType>
-    </xsd:element>
-    <xsd:element name="TPComponent" ma:index="20" nillable="true" ma:displayName="Component" ma:default="" ma:internalName="TPComponent">
-      <xsd:simpleType>
-        <xsd:restriction base="dms:Text"/>
-      </xsd:simpleType>
-    </xsd:element>
-    <xsd:element name="ContentItem" ma:index="21" nillable="true" ma:displayName="Content Item" ma:default="" ma:hidden="true" ma:internalName="ContentItem" ma:readOnly="false">
-      <xsd:simpleType>
-        <xsd:restriction base="dms:Unknown"/>
-      </xsd:simpleType>
-    </xsd:element>
-    <xsd:element name="CrawlForDependencies" ma:index="23" nillable="true" ma:displayName="Crawl for Dependencies?" ma:default="true" ma:internalName="CrawlForDependencies" ma:readOnly="false">
-      <xsd:simpleType>
-        <xsd:restriction base="dms:Boolean"/>
-      </xsd:simpleType>
-    </xsd:element>
-    <xsd:element name="CSXHash" ma:index="26" nillable="true" ma:displayName="CSX Hash" ma:default="" ma:indexed="true" ma:internalName="CSXHash" ma:readOnly="false">
-      <xsd:simpleType>
-        <xsd:restriction base="dms:Text"/>
-      </xsd:simpleType>
-    </xsd:element>
-    <xsd:element name="CSXSubmissionMarket" ma:index="27" nillable="true" ma:displayName="CSX Submission Market" ma:default="" ma:list="{2FBD1B11-2ACE-4FDC-B5A3-635D4ADF6F1B}" ma:internalName="CSXSubmissionMarket" ma:readOnly="false" ma:showField="MarketName" ma:web="4873beb7-5857-4685-be1f-d57550cc96cc">
-      <xsd:simpleType>
-        <xsd:restriction base="dms:Lookup"/>
-      </xsd:simpleType>
-    </xsd:element>
-    <xsd:element name="CSXUpdate" ma:index="28" nillable="true" ma:displayName="CSX Updated?" ma:default="false" ma:internalName="CSXUpdate" ma:readOnly="false">
-      <xsd:simpleType>
-        <xsd:restriction base="dms:Boolean"/>
-      </xsd:simpleType>
-    </xsd:element>
-    <xsd:element name="IntlLangReviewDate" ma:index="29" nillable="true" ma:displayName="Date to Complete Intl QA" ma:default="" ma:internalName="IntlLangReviewDate" ma:readOnly="false">
-      <xsd:simpleType>
-        <xsd:restriction base="dms:DateTime"/>
-      </xsd:simpleType>
-    </xsd:element>
-    <xsd:element name="IsDeleted" ma:index="30" nillable="true" ma:displayName="Deleted?" ma:default="" ma:internalName="IsDeleted" ma:readOnly="false">
-      <xsd:simpleType>
-        <xsd:restriction base="dms:Boolean"/>
-      </xsd:simpleType>
-    </xsd:element>
-    <xsd:element name="APDescription" ma:index="31" nillable="true" ma:displayName="Description" ma:default="" ma:internalName="APDescription" ma:readOnly="false">
-      <xsd:simpleType>
-        <xsd:restriction base="dms:Note"/>
-      </xsd:simpleType>
-    </xsd:element>
-    <xsd:element name="DirectSourceMarket" ma:index="32" nillable="true" ma:displayName="Direct Source Market Group" ma:default="" ma:internalName="DirectSourceMarket" ma:readOnly="false">
-      <xsd:simpleType>
-        <xsd:restriction base="dms:Text"/>
-      </xsd:simpleType>
-    </xsd:element>
-    <xsd:element name="Downloads" ma:index="33" nillable="true" ma:displayName="Downloads" ma:default="0" ma:hidden="true" ma:internalName="Downloads" ma:readOnly="false">
-      <xsd:simpleType>
-        <xsd:restriction base="dms:Unknown"/>
-      </xsd:simpleType>
-    </xsd:element>
-    <xsd:element name="DSATActionTaken" ma:index="34" nillable="true" ma:displayName="DSAT Action Taken" ma:default="" ma:internalName="DSATActionTaken" ma:readOnly="false">
-      <xsd:simpleType>
-        <xsd:restriction base="dms:Choice">
-          <xsd:enumeration value="Best Bets"/>
-          <xsd:enumeration value="Expire"/>
-          <xsd:enumeration value="Hide"/>
-          <xsd:enumeration value="None"/>
-        </xsd:restriction>
-      </xsd:simpleType>
-    </xsd:element>
-    <xsd:element name="APEditor" ma:index="35" nillable="true" ma:displayName="Editor" ma:default="" ma:list="UserInfo" ma:internalName="APEditor" ma:readOnly="false">
-      <xsd:complexType>
-        <xsd:complexContent>
-          <xsd:extension base="dms:User">
-            <xsd:sequence>
-              <xsd:element name="UserInfo" minOccurs="0" maxOccurs="unbounded">
-                <xsd:complexType>
-                  <xsd:sequence>
-                    <xsd:element name="DisplayName" type="xsd:string" minOccurs="0"/>
-                    <xsd:element name="AccountId" type="dms:UserId" minOccurs="0" nillable="true"/>
-                    <xsd:element name="AccountType" type="xsd:string" minOccurs="0"/>
-                  </xsd:sequence>
-                </xsd:complexType>
-              </xsd:element>
-            </xsd:sequence>
-          </xsd:extension>
-        </xsd:complexContent>
-      </xsd:complexType>
-    </xsd:element>
-    <xsd:element name="EditorialStatus" ma:index="36" nillable="true" ma:displayName="Editorial Status" ma:default="" ma:internalName="EditorialStatus" ma:readOnly="false">
-      <xsd:simpleType>
-        <xsd:restriction base="dms:Unknown"/>
-      </xsd:simpleType>
-    </xsd:element>
-    <xsd:element name="EditorialTags" ma:index="37" nillable="true" ma:displayName="Editorial Tags" ma:default="" ma:internalName="EditorialTags">
-      <xsd:simpleType>
-        <xsd:restriction base="dms:Unknown"/>
-      </xsd:simpleType>
-    </xsd:element>
-    <xsd:element name="TPExecutable" ma:index="38" nillable="true" ma:displayName="Executable" ma:default="" ma:internalName="TPExecutable">
-      <xsd:simpleType>
-        <xsd:restriction base="dms:Text"/>
-      </xsd:simpleType>
-    </xsd:element>
-    <xsd:element name="FeatureTagsTaxHTField0" ma:index="40" nillable="true" ma:taxonomy="true" ma:internalName="FeatureTagsTaxHTField0" ma:taxonomyFieldName="FeatureTags" ma:displayName="Features" ma:readOnly="false" ma:default="" ma:fieldId="{7fc0d542-15c6-4882-a8e3-13bca44403fb}" ma:taxonomyMulti="true" ma:sspId="8f79753a-75d3-41f5-8ca3-40b843941b4f" ma:termSetId="f1ab6845-967d-4854-a0ba-4ec07f0f8113" ma:anchorId="00000000-0000-0000-0000-000000000000" ma:open="false" ma:isKeyword="false">
-      <xsd:complexType>
-        <xsd:sequence>
-          <xsd:element ref="pc:Terms" minOccurs="0" maxOccurs="1"/>
-        </xsd:sequence>
-      </xsd:complexType>
-    </xsd:element>
-    <xsd:element name="TPFriendlyName" ma:index="41" nillable="true" ma:displayName="Friendly Name" ma:default="" ma:internalName="TPFriendlyName">
-      <xsd:simpleType>
-        <xsd:restriction base="dms:Text"/>
-      </xsd:simpleType>
-    </xsd:element>
-    <xsd:element name="FriendlyTitle" ma:index="42" nillable="true" ma:displayName="Friendly Title" ma:default="" ma:description="Shorter title to be used when displaying search results" ma:internalName="FriendlyTitle" ma:readOnly="false">
-      <xsd:simpleType>
-        <xsd:restriction base="dms:Text"/>
-      </xsd:simpleType>
-    </xsd:element>
-    <xsd:element name="PrimaryImageGen" ma:index="43" nillable="true" ma:displayName="Generate Images?" ma:default="true" ma:internalName="PrimaryImageGen">
-      <xsd:simpleType>
-        <xsd:restriction base="dms:Boolean"/>
-      </xsd:simpleType>
-    </xsd:element>
-    <xsd:element name="HandoffToMSDN" ma:index="44" nillable="true" ma:displayName="Handoff To MSDN Date" ma:default="" ma:internalName="HandoffToMSDN" ma:readOnly="false">
-      <xsd:simpleType>
-        <xsd:restriction base="dms:DateTime"/>
-      </xsd:simpleType>
-    </xsd:element>
-    <xsd:element name="InProjectListLookup" ma:index="45" nillable="true" ma:displayName="InProjectListLookup" ma:list="{9E343742-310B-4684-A24C-1D137CB4B230}" ma:internalName="InProjectListLookup" ma:readOnly="true" ma:showField="InProjectList" ma:web="4873beb7-5857-4685-be1f-d57550cc96cc">
-      <xsd:complexType>
-        <xsd:complexContent>
-          <xsd:extension base="dms:MultiChoiceLookup">
-            <xsd:sequence>
-              <xsd:element name="Value" type="dms:Lookup" maxOccurs="unbounded" minOccurs="0" nillable="true"/>
-            </xsd:sequence>
-          </xsd:extension>
-        </xsd:complexContent>
-      </xsd:complexType>
-    </xsd:element>
-    <xsd:element name="TPInstallLocation" ma:index="46" nillable="true" ma:displayName="Install Location" ma:default="" ma:internalName="TPInstallLocation">
-      <xsd:simpleType>
-        <xsd:restriction base="dms:Text"/>
-      </xsd:simpleType>
-    </xsd:element>
-    <xsd:element name="InternalTagsTaxHTField0" ma:index="48" nillable="true" ma:taxonomy="true" ma:internalName="InternalTagsTaxHTField0" ma:taxonomyFieldName="InternalTags" ma:displayName="Internal Tags" ma:readOnly="false" ma:default="" ma:fieldId="{1490b8a4-2706-41ec-b5e3-73176dccf34e}" ma:taxonomyMulti="true" ma:sspId="8f79753a-75d3-41f5-8ca3-40b843941b4f" ma:termSetId="82b6639e-f7fc-4c18-ad2d-003a6e707765" ma:anchorId="00000000-0000-0000-0000-000000000000" ma:open="false" ma:isKeyword="false">
-      <xsd:complexType>
-        <xsd:sequence>
-          <xsd:element ref="pc:Terms" minOccurs="0" maxOccurs="1"/>
-        </xsd:sequence>
-      </xsd:complexType>
-    </xsd:element>
-    <xsd:element name="IntlLangReview" ma:index="49" nillable="true" ma:displayName="Intl Lang QA Review Required?" ma:default="" ma:internalName="IntlLangReview" ma:readOnly="false">
-      <xsd:simpleType>
-        <xsd:restriction base="dms:Boolean"/>
-      </xsd:simpleType>
-    </xsd:element>
-    <xsd:element name="IntlLangReviewer" ma:index="50" nillable="true" ma:displayName="Intl Lang QA Reviewer" ma:default="" ma:internalName="IntlLangReviewer" ma:readOnly="false">
-      <xsd:simpleType>
-        <xsd:restriction base="dms:Text"/>
-      </xsd:simpleType>
-    </xsd:element>
-    <xsd:element name="MarketSpecific" ma:index="51" nillable="true" ma:displayName="Is Market Specific?" ma:default="" ma:internalName="MarketSpecific" ma:readOnly="false">
-      <xsd:simpleType>
-        <xsd:restriction base="dms:Boolean"/>
-      </xsd:simpleType>
-    </xsd:element>
-    <xsd:element name="LastCompleteVersionLookup" ma:index="52" nillable="true" ma:displayName="Last Complete Version Lookup" ma:default="" ma:list="{9E343742-310B-4684-A24C-1D137CB4B230}" ma:internalName="LastCompleteVersionLookup" ma:readOnly="true" ma:showField="LastCompleteVersion" ma:web="4873beb7-5857-4685-be1f-d57550cc96cc">
-      <xsd:complexType>
-        <xsd:complexContent>
-          <xsd:extension base="dms:MultiChoiceLookup">
-            <xsd:sequence>
-              <xsd:element name="Value" type="dms:Lookup" maxOccurs="unbounded" minOccurs="0" nillable="true"/>
-            </xsd:sequence>
-          </xsd:extension>
-        </xsd:complexContent>
-      </xsd:complexType>
-    </xsd:element>
-    <xsd:element name="LastHandOff" ma:index="53" nillable="true" ma:displayName="Last Hand-off" ma:default="" ma:internalName="LastHandOff" ma:readOnly="false">
-      <xsd:simpleType>
-        <xsd:restriction base="dms:DateTime"/>
-      </xsd:simpleType>
-    </xsd:element>
-    <xsd:element name="LastModifiedDateTime" ma:index="54" nillable="true" ma:displayName="Last Modified Date" ma:default="" ma:internalName="LastModifiedDateTime" ma:readOnly="false">
-      <xsd:simpleType>
-        <xsd:restriction base="dms:DateTime"/>
-      </xsd:simpleType>
-    </xsd:element>
-    <xsd:element name="LastPreviewErrorLookup" ma:index="55" nillable="true" ma:displayName="Last Preview Attempt Error" ma:default="" ma:list="{9E343742-310B-4684-A24C-1D137CB4B230}" ma:internalName="LastPreviewErrorLookup" ma:readOnly="true" ma:showField="LastPreviewError" ma:web="4873beb7-5857-4685-be1f-d57550cc96cc">
-      <xsd:complexType>
-        <xsd:complexContent>
-          <xsd:extension base="dms:MultiChoiceLookup">
-            <xsd:sequence>
-              <xsd:element name="Value" type="dms:Lookup" maxOccurs="unbounded" minOccurs="0" nillable="true"/>
-            </xsd:sequence>
-          </xsd:extension>
-        </xsd:complexContent>
-      </xsd:complexType>
-    </xsd:element>
-    <xsd:element name="LastPreviewResultLookup" ma:index="56" nillable="true" ma:displayName="Last Preview Attempt Result" ma:default="" ma:list="{9E343742-310B-4684-A24C-1D137CB4B230}" ma:internalName="LastPreviewResultLookup" ma:readOnly="true" ma:showField="LastPreviewResult" ma:web="4873beb7-5857-4685-be1f-d57550cc96cc">
-      <xsd:complexType>
-        <xsd:complexContent>
-          <xsd:extension base="dms:MultiChoiceLookup">
-            <xsd:sequence>
-              <xsd:element name="Value" type="dms:Lookup" maxOccurs="unbounded" minOccurs="0" nillable="true"/>
-            </xsd:sequence>
-          </xsd:extension>
-        </xsd:complexContent>
-      </xsd:complexType>
-    </xsd:element>
-    <xsd:element name="LastPreviewAttemptDateLookup" ma:index="57" nillable="true" ma:displayName="Last Preview Attempted On" ma:default="" ma:list="{9E343742-310B-4684-A24C-1D137CB4B230}" ma:internalName="LastPreviewAttemptDateLookup" ma:readOnly="true" ma:showField="LastPreviewAttemptDate" ma:web="4873beb7-5857-4685-be1f-d57550cc96cc">
-      <xsd:complexType>
-        <xsd:complexContent>
-          <xsd:extension base="dms:MultiChoiceLookup">
-            <xsd:sequence>
-              <xsd:element name="Value" type="dms:Lookup" maxOccurs="unbounded" minOccurs="0" nillable="true"/>
-            </xsd:sequence>
-          </xsd:extension>
-        </xsd:complexContent>
-      </xsd:complexType>
-    </xsd:element>
-    <xsd:element name="LastPreviewedByLookup" ma:index="58" nillable="true" ma:displayName="Last Previewed By" ma:default="" ma:list="{9E343742-310B-4684-A24C-1D137CB4B230}" ma:internalName="LastPreviewedByLookup" ma:readOnly="true" ma:showField="LastPreviewedBy" ma:web="4873beb7-5857-4685-be1f-d57550cc96cc">
-      <xsd:complexType>
-        <xsd:complexContent>
-          <xsd:extension base="dms:MultiChoiceLookup">
-            <xsd:sequence>
-              <xsd:element name="Value" type="dms:Lookup" maxOccurs="unbounded" minOccurs="0" nillable="true"/>
-            </xsd:sequence>
-          </xsd:extension>
-        </xsd:complexContent>
-      </xsd:complexType>
-    </xsd:element>
-    <xsd:element name="LastPreviewTimeLookup" ma:index="59" nillable="true" ma:displayName="Last Previewed Date" ma:default="" ma:list="{9E343742-310B-4684-A24C-1D137CB4B230}" ma:internalName="LastPreviewTimeLookup" ma:readOnly="true" ma:showField="LastPreviewTime" ma:web="4873beb7-5857-4685-be1f-d57550cc96cc">
-      <xsd:complexType>
-        <xsd:complexContent>
-          <xsd:extension base="dms:MultiChoiceLookup">
-            <xsd:sequence>
-              <xsd:element name="Value" type="dms:Lookup" maxOccurs="unbounded" minOccurs="0" nillable="true"/>
-            </xsd:sequence>
-          </xsd:extension>
-        </xsd:complexContent>
-      </xsd:complexType>
-    </xsd:element>
-    <xsd:element name="LastPreviewVersionLookup" ma:index="60" nillable="true" ma:displayName="Last Previewed Version" ma:default="" ma:list="{9E343742-310B-4684-A24C-1D137CB4B230}" ma:internalName="LastPreviewVersionLookup" ma:readOnly="true" ma:showField="LastPreviewVersion" ma:web="4873beb7-5857-4685-be1f-d57550cc96cc">
-      <xsd:complexType>
-        <xsd:complexContent>
-          <xsd:extension base="dms:MultiChoiceLookup">
-            <xsd:sequence>
-              <xsd:element name="Value" type="dms:Lookup" maxOccurs="unbounded" minOccurs="0" nillable="true"/>
-            </xsd:sequence>
-          </xsd:extension>
-        </xsd:complexContent>
-      </xsd:complexType>
-    </xsd:element>
-    <xsd:element name="LastPublishErrorLookup" ma:index="61" nillable="true" ma:displayName="Last Publish Attempt Error" ma:default="" ma:list="{9E343742-310B-4684-A24C-1D137CB4B230}" ma:internalName="LastPublishErrorLookup" ma:readOnly="true" ma:showField="LastPublishError" ma:web="4873beb7-5857-4685-be1f-d57550cc96cc">
-      <xsd:complexType>
-        <xsd:complexContent>
-          <xsd:extension base="dms:MultiChoiceLookup">
-            <xsd:sequence>
-              <xsd:element name="Value" type="dms:Lookup" maxOccurs="unbounded" minOccurs="0" nillable="true"/>
-            </xsd:sequence>
-          </xsd:extension>
-        </xsd:complexContent>
-      </xsd:complexType>
-    </xsd:element>
-    <xsd:element name="LastPublishResultLookup" ma:index="62" nillable="true" ma:displayName="Last Publish Attempt Result" ma:default="" ma:list="{9E343742-310B-4684-A24C-1D137CB4B230}" ma:internalName="LastPublishResultLookup" ma:readOnly="true" ma:showField="LastPublishResult" ma:web="4873beb7-5857-4685-be1f-d57550cc96cc">
-      <xsd:complexType>
-        <xsd:complexContent>
-          <xsd:extension base="dms:MultiChoiceLookup">
-            <xsd:sequence>
-              <xsd:element name="Value" type="dms:Lookup" maxOccurs="unbounded" minOccurs="0" nillable="true"/>
-            </xsd:sequence>
-          </xsd:extension>
-        </xsd:complexContent>
-      </xsd:complexType>
-    </xsd:element>
-    <xsd:element name="LastPublishAttemptDateLookup" ma:index="63" nillable="true" ma:displayName="Last Publish Attempted On" ma:default="" ma:list="{9E343742-310B-4684-A24C-1D137CB4B230}" ma:internalName="LastPublishAttemptDateLookup" ma:readOnly="true" ma:showField="LastPublishAttemptDate" ma:web="4873beb7-5857-4685-be1f-d57550cc96cc">
-      <xsd:complexType>
-        <xsd:complexContent>
-          <xsd:extension base="dms:MultiChoiceLookup">
-            <xsd:sequence>
-              <xsd:element name="Value" type="dms:Lookup" maxOccurs="unbounded" minOccurs="0" nillable="true"/>
-            </xsd:sequence>
-          </xsd:extension>
-        </xsd:complexContent>
-      </xsd:complexType>
-    </xsd:element>
-    <xsd:element name="LastPublishedByLookup" ma:index="64" nillable="true" ma:displayName="Last Published By" ma:default="" ma:list="{9E343742-310B-4684-A24C-1D137CB4B230}" ma:internalName="LastPublishedByLookup" ma:readOnly="true" ma:showField="LastPublishedBy" ma:web="4873beb7-5857-4685-be1f-d57550cc96cc">
-      <xsd:complexType>
-        <xsd:complexContent>
-          <xsd:extension base="dms:MultiChoiceLookup">
-            <xsd:sequence>
-              <xsd:element name="Value" type="dms:Lookup" maxOccurs="unbounded" minOccurs="0" nillable="true"/>
-            </xsd:sequence>
-          </xsd:extension>
-        </xsd:complexContent>
-      </xsd:complexType>
-    </xsd:element>
-    <xsd:element name="LastPublishTimeLookup" ma:index="65" nillable="true" ma:displayName="Last Published Date" ma:default="" ma:list="{9E343742-310B-4684-A24C-1D137CB4B230}" ma:internalName="LastPublishTimeLookup" ma:readOnly="true" ma:showField="LastPublishTime" ma:web="4873beb7-5857-4685-be1f-d57550cc96cc">
-      <xsd:complexType>
-        <xsd:complexContent>
-          <xsd:extension base="dms:MultiChoiceLookup">
-            <xsd:sequence>
-              <xsd:element name="Value" type="dms:Lookup" maxOccurs="unbounded" minOccurs="0" nillable="true"/>
-            </xsd:sequence>
-          </xsd:extension>
-        </xsd:complexContent>
-      </xsd:complexType>
-    </xsd:element>
-    <xsd:element name="LastPublishVersionLookup" ma:index="66" nillable="true" ma:displayName="Last Published Version" ma:default="" ma:list="{9E343742-310B-4684-A24C-1D137CB4B230}" ma:internalName="LastPublishVersionLookup" ma:readOnly="true" ma:showField="LastPublishVersion" ma:web="4873beb7-5857-4685-be1f-d57550cc96cc">
-      <xsd:complexType>
-        <xsd:complexContent>
-          <xsd:extension base="dms:MultiChoiceLookup">
-            <xsd:sequence>
-              <xsd:element name="Value" type="dms:Lookup" maxOccurs="unbounded" minOccurs="0" nillable="true"/>
-            </xsd:sequence>
-          </xsd:extension>
-        </xsd:complexContent>
-      </xsd:complexType>
-    </xsd:element>
-    <xsd:element name="TPLaunchHelpLinkType" ma:index="67" nillable="true" ma:displayName="Launch Help Link Type" ma:default="Template" ma:internalName="TPLaunchHelpLinkType">
-      <xsd:simpleType>
-        <xsd:restriction base="dms:Choice">
-          <xsd:enumeration value="Template"/>
-          <xsd:enumeration value="Training"/>
-          <xsd:enumeration value="URL"/>
-          <xsd:enumeration value="None"/>
-        </xsd:restriction>
-      </xsd:simpleType>
-    </xsd:element>
-    <xsd:element name="LegacyData" ma:index="68" nillable="true" ma:displayName="Legacy Data" ma:default="" ma:internalName="LegacyData" ma:readOnly="false">
-      <xsd:simpleType>
-        <xsd:restriction base="dms:Note"/>
-      </xsd:simpleType>
-    </xsd:element>
-    <xsd:element name="TPLaunchHelpLink" ma:index="69" nillable="true" ma:displayName="Link to Launch Help Topic" ma:default="" ma:internalName="TPLaunchHelpLink">
-      <xsd:simpleType>
-        <xsd:restriction base="dms:Text"/>
-      </xsd:simpleType>
-    </xsd:element>
-    <xsd:element name="LocComments" ma:index="70" nillable="true" ma:displayName="Loc Approval Comments" ma:default="" ma:internalName="LocComments" ma:readOnly="false">
-      <xsd:simpleType>
-        <xsd:restriction base="dms:Note"/>
-      </xsd:simpleType>
-    </xsd:element>
-    <xsd:element name="LocLastLocAttemptVersionLookup" ma:index="71" nillable="true" ma:displayName="Loc Last Loc Attempt Version" ma:default="" ma:list="{7DD1DCEC-E449-43D3-891F-7DC62F62AD21}" ma:internalName="LocLastLocAttemptVersionLookup" ma:readOnly="false" ma:showField="LastLocAttemptVersion" ma:web="4873beb7-5857-4685-be1f-d57550cc96cc">
-      <xsd:simpleType>
-        <xsd:restriction base="dms:Lookup"/>
-      </xsd:simpleType>
-    </xsd:element>
-    <xsd:element name="LocLastLocAttemptVersionTypeLookup" ma:index="72" nillable="true" ma:displayName="Loc Last Loc Attempt Version Type" ma:default="" ma:list="{7DD1DCEC-E449-43D3-891F-7DC62F62AD21}" ma:internalName="LocLastLocAttemptVersionTypeLookup" ma:readOnly="true" ma:showField="LastLocAttemptVersionType" ma:web="4873beb7-5857-4685-be1f-d57550cc96cc">
-      <xsd:simpleType>
-        <xsd:restriction base="dms:Lookup"/>
-      </xsd:simpleType>
-    </xsd:element>
-    <xsd:element name="LocManualTestRequired" ma:index="73" nillable="true" ma:displayName="Loc Manual Test Required" ma:default="" ma:internalName="LocManualTestRequired" ma:readOnly="false">
-      <xsd:simpleType>
-        <xsd:restriction base="dms:Boolean"/>
-      </xsd:simpleType>
-    </xsd:element>
-    <xsd:element name="LocMarketGroupTiers2" ma:index="74" nillable="true" ma:displayName="Loc Market Group Tiers" ma:internalName="LocMarketGroupTiers2" ma:readOnly="false">
-      <xsd:simpleType>
-        <xsd:restriction base="dms:Unknown"/>
-      </xsd:simpleType>
-    </xsd:element>
-    <xsd:element name="LocNewPublishedVersionLookup" ma:index="75" nillable="true" ma:displayName="Loc New Published Version Lookup" ma:default="" ma:list="{7DD1DCEC-E449-43D3-891F-7DC62F62AD21}" ma:internalName="LocNewPublishedVersionLookup" ma:readOnly="true" ma:showField="NewPublishedVersion" ma:web="4873beb7-5857-4685-be1f-d57550cc96cc">
-      <xsd:simpleType>
-        <xsd:restriction base="dms:Lookup"/>
-      </xsd:simpleType>
-    </xsd:element>
-    <xsd:element name="LocOverallHandbackStatusLookup" ma:index="76" nillable="true" ma:displayName="Loc Overall Handback Status" ma:default="" ma:list="{7DD1DCEC-E449-43D3-891F-7DC62F62AD21}" ma:internalName="LocOverallHandbackStatusLookup" ma:readOnly="true" ma:showField="OverallHandbackStatus" ma:web="4873beb7-5857-4685-be1f-d57550cc96cc">
-      <xsd:simpleType>
-        <xsd:restriction base="dms:Lookup"/>
-      </xsd:simpleType>
-    </xsd:element>
-    <xsd:element name="LocOverallLocStatusLookup" ma:index="77" nillable="true" ma:displayName="Loc Overall Localize Status" ma:default="" ma:list="{7DD1DCEC-E449-43D3-891F-7DC62F62AD21}" ma:internalName="LocOverallLocStatusLookup" ma:readOnly="true" ma:showField="OverallLocStatus" ma:web="4873beb7-5857-4685-be1f-d57550cc96cc">
-      <xsd:simpleType>
-        <xsd:restriction base="dms:Lookup"/>
-      </xsd:simpleType>
-    </xsd:element>
-    <xsd:element name="LocOverallPreviewStatusLookup" ma:index="78" nillable="true" ma:displayName="Loc Overall Preview Status" ma:default="" ma:list="{7DD1DCEC-E449-43D3-891F-7DC62F62AD21}" ma:internalName="LocOverallPreviewStatusLookup" ma:readOnly="true" ma:showField="OverallPreviewStatus" ma:web="4873beb7-5857-4685-be1f-d57550cc96cc">
-      <xsd:simpleType>
-        <xsd:restriction base="dms:Lookup"/>
-      </xsd:simpleType>
-    </xsd:element>
-    <xsd:element name="LocOverallPublishStatusLookup" ma:index="79" nillable="true" ma:displayName="Loc Overall Publish Status" ma:default="" ma:list="{7DD1DCEC-E449-43D3-891F-7DC62F62AD21}" ma:internalName="LocOverallPublishStatusLookup" ma:readOnly="true" ma:showField="OverallPublishStatus" ma:web="4873beb7-5857-4685-be1f-d57550cc96cc">
-      <xsd:simpleType>
-        <xsd:restriction base="dms:Lookup"/>
-      </xsd:simpleType>
-    </xsd:element>
-    <xsd:element name="IntlLocPriority" ma:index="80" nillable="true" ma:displayName="Loc Priority" ma:default="" ma:internalName="IntlLocPriority" ma:readOnly="false">
-      <xsd:simpleType>
-        <xsd:restriction base="dms:Unknown"/>
-      </xsd:simpleType>
-    </xsd:element>
-    <xsd:element name="LocProcessedForHandoffsLookup" ma:index="81" nillable="true" ma:displayName="Loc Processed For Handoffs" ma:default="" ma:list="{7DD1DCEC-E449-43D3-891F-7DC62F62AD21}" ma:internalName="LocProcessedForHandoffsLookup" ma:readOnly="true" ma:showField="ProcessedForHandoffs" ma:web="4873beb7-5857-4685-be1f-d57550cc96cc">
-      <xsd:simpleType>
-        <xsd:restriction base="dms:Lookup"/>
-      </xsd:simpleType>
-    </xsd:element>
-    <xsd:element name="LocProcessedForMarketsLookup" ma:index="82" nillable="true" ma:displayName="Loc Processed For Markets" ma:default="" ma:list="{7DD1DCEC-E449-43D3-891F-7DC62F62AD21}" ma:internalName="LocProcessedForMarketsLookup" ma:readOnly="true" ma:showField="ProcessedForMarkets" ma:web="4873beb7-5857-4685-be1f-d57550cc96cc">
-      <xsd:simpleType>
-        <xsd:restriction base="dms:Lookup"/>
-      </xsd:simpleType>
-    </xsd:element>
-    <xsd:element name="LocPublishedDependentAssetsLookup" ma:index="83" nillable="true" ma:displayName="Loc Published Dependent Assets" ma:default="" ma:list="{7DD1DCEC-E449-43D3-891F-7DC62F62AD21}" ma:internalName="LocPublishedDependentAssetsLookup" ma:readOnly="true" ma:showField="PublishedDependentAssets" ma:web="4873beb7-5857-4685-be1f-d57550cc96cc">
-      <xsd:simpleType>
-        <xsd:restriction base="dms:Lookup"/>
-      </xsd:simpleType>
-    </xsd:element>
-    <xsd:element name="LocPublishedLinkedAssetsLookup" ma:index="84" nillable="true" ma:displayName="Loc Published Linked Assets" ma:default="" ma:list="{7DD1DCEC-E449-43D3-891F-7DC62F62AD21}" ma:internalName="LocPublishedLinkedAssetsLookup" ma:readOnly="true" ma:showField="PublishedLinkedAssets" ma:web="4873beb7-5857-4685-be1f-d57550cc96cc">
-      <xsd:simpleType>
-        <xsd:restriction base="dms:Lookup"/>
-      </xsd:simpleType>
-    </xsd:element>
-    <xsd:element name="LocRecommendedHandoff" ma:index="85" nillable="true" ma:displayName="Loc Recommended Handoff" ma:default="" ma:indexed="true" ma:internalName="LocRecommendedHandoff" ma:readOnly="false">
-      <xsd:simpleType>
-        <xsd:restriction base="dms:Text"/>
-      </xsd:simpleType>
-    </xsd:element>
-    <xsd:element name="LocalizationTagsTaxHTField0" ma:index="87" nillable="true" ma:taxonomy="true" ma:internalName="LocalizationTagsTaxHTField0" ma:taxonomyFieldName="LocalizationTags" ma:displayName="Localization Tags" ma:readOnly="false" ma:default="" ma:fieldId="{00f02cb3-2c7c-424a-9c61-10e9b6878429}" ma:taxonomyMulti="true" ma:sspId="8f79753a-75d3-41f5-8ca3-40b843941b4f" ma:termSetId="5b7703a5-8e8b-4b58-8b31-1cea35331da3" ma:anchorId="00000000-0000-0000-0000-000000000000" ma:open="false" ma:isKeyword="false">
-      <xsd:complexType>
-        <xsd:sequence>
-          <xsd:element ref="pc:Terms" minOccurs="0" maxOccurs="1"/>
-        </xsd:sequence>
-      </xsd:complexType>
-    </xsd:element>
-    <xsd:element name="MachineTranslated" ma:index="88" nillable="true" ma:displayName="Machine Translated" ma:default="" ma:internalName="MachineTranslated" ma:readOnly="false">
-      <xsd:simpleType>
-        <xsd:restriction base="dms:Boolean"/>
-      </xsd:simpleType>
-    </xsd:element>
-    <xsd:element name="Manager" ma:index="89" nillable="true" ma:displayName="Manager" ma:hidden="true" ma:internalName="Manager" ma:readOnly="false">
-      <xsd:simpleType>
-        <xsd:restriction base="dms:Text"/>
-      </xsd:simpleType>
-    </xsd:element>
-    <xsd:element name="Markets" ma:index="90" nillable="true" ma:displayName="Markets" ma:default="" ma:description="Leave blank to show in all markets" ma:list="{2FBD1B11-2ACE-4FDC-B5A3-635D4ADF6F1B}" ma:internalName="Markets" ma:readOnly="false" ma:showField="MarketName" ma:web="4873beb7-5857-4685-be1f-d57550cc96cc">
-      <xsd:complexType>
-        <xsd:complexContent>
-          <xsd:extension base="dms:MultiChoiceLookup">
-            <xsd:sequence>
-              <xsd:element name="Value" type="dms:Lookup" maxOccurs="unbounded" minOccurs="0" nillable="true"/>
-            </xsd:sequence>
-          </xsd:extension>
-        </xsd:complexContent>
-      </xsd:complexType>
-    </xsd:element>
-    <xsd:element name="Milestone" ma:index="91" nillable="true" ma:displayName="Milestone" ma:default="" ma:internalName="Milestone" ma:readOnly="false">
-      <xsd:simpleType>
-        <xsd:restriction base="dms:Unknown"/>
-      </xsd:simpleType>
-    </xsd:element>
-    <xsd:element name="TPNamespace" ma:index="94" nillable="true" ma:displayName="Namespace" ma:default="" ma:internalName="TPNamespace">
-      <xsd:simpleType>
-        <xsd:restriction base="dms:Text"/>
-      </xsd:simpleType>
-    </xsd:element>
-    <xsd:element name="NumericId" ma:index="95" nillable="true" ma:displayName="Numeric ID" ma:default="" ma:indexed="true" ma:internalName="NumericId" ma:readOnly="false">
-      <xsd:simpleType>
-        <xsd:restriction base="dms:Number"/>
-      </xsd:simpleType>
-    </xsd:element>
-    <xsd:element name="NumOfRatingsLookup" ma:index="96" nillable="true" ma:displayName="NumOfRatings" ma:default="" ma:list="{9E343742-310B-4684-A24C-1D137CB4B230}" ma:internalName="NumOfRatingsLookup" ma:readOnly="true" ma:showField="NumOfRatings" ma:web="4873beb7-5857-4685-be1f-d57550cc96cc">
-      <xsd:complexType>
-        <xsd:complexContent>
-          <xsd:extension base="dms:MultiChoiceLookup">
-            <xsd:sequence>
-              <xsd:element name="Value" type="dms:Lookup" maxOccurs="unbounded" minOccurs="0" nillable="true"/>
-            </xsd:sequence>
-          </xsd:extension>
-        </xsd:complexContent>
-      </xsd:complexType>
-    </xsd:element>
-    <xsd:element name="OOCacheId" ma:index="97" nillable="true" ma:displayName="OOCacheId" ma:internalName="OOCacheId" ma:readOnly="false">
-      <xsd:simpleType>
-        <xsd:restriction base="dms:Text"/>
-      </xsd:simpleType>
-    </xsd:element>
-    <xsd:element name="OpenTemplate" ma:index="98" nillable="true" ma:displayName="Open Template" ma:default="true" ma:internalName="OpenTemplate">
-      <xsd:simpleType>
-        <xsd:restriction base="dms:Boolean"/>
-      </xsd:simpleType>
-    </xsd:element>
-    <xsd:element name="OriginAsset" ma:index="99" nillable="true" ma:displayName="Origin Asset" ma:default="" ma:internalName="OriginAsset" ma:readOnly="false">
-      <xsd:simpleType>
-        <xsd:restriction base="dms:Text"/>
-      </xsd:simpleType>
-    </xsd:element>
-    <xsd:element name="OriginalRelease" ma:index="100" nillable="true" ma:displayName="Original Release" ma:default="15" ma:internalName="OriginalRelease" ma:readOnly="false">
-      <xsd:simpleType>
-        <xsd:restriction base="dms:Choice">
-          <xsd:enumeration value="14"/>
-          <xsd:enumeration value="15"/>
-          <xsd:enumeration value="16"/>
-        </xsd:restriction>
-      </xsd:simpleType>
-    </xsd:element>
-    <xsd:element name="OriginalSourceMarket" ma:index="101" nillable="true" ma:displayName="Original Source Market Group" ma:default="" ma:internalName="OriginalSourceMarket" ma:readOnly="false">
-      <xsd:simpleType>
-        <xsd:restriction base="dms:Text"/>
-      </xsd:simpleType>
-    </xsd:element>
-    <xsd:element name="OutputCachingOn" ma:index="102" nillable="true" ma:displayName="Output Caching" ma:default="true" ma:hidden="true" ma:internalName="OutputCachingOn" ma:readOnly="false">
-      <xsd:simpleType>
-        <xsd:restriction base="dms:Boolean"/>
-      </xsd:simpleType>
-    </xsd:element>
-    <xsd:element name="ParentAssetId" ma:index="103" nillable="true" ma:displayName="Parent Asset Id" ma:default="" ma:internalName="ParentAssetId" ma:readOnly="false">
-      <xsd:simpleType>
-        <xsd:restriction base="dms:Text"/>
-      </xsd:simpleType>
-    </xsd:element>
-    <xsd:element name="PlannedPubDate" ma:index="104" nillable="true" ma:displayName="Planned Publish Date" ma:default="" ma:indexed="true" ma:internalName="PlannedPubDate" ma:readOnly="false">
-      <xsd:simpleType>
-        <xsd:restriction base="dms:DateTime"/>
-      </xsd:simpleType>
-    </xsd:element>
-    <xsd:element name="PolicheckWords" ma:index="105" nillable="true" ma:displayName="Policheck Words" ma:default="" ma:internalName="PolicheckWords" ma:readOnly="false">
-      <xsd:simpleType>
-        <xsd:restriction base="dms:Text"/>
-      </xsd:simpleType>
-    </xsd:element>
-    <xsd:element name="BusinessGroup" ma:index="106" nillable="true" ma:displayName="Product Division Owner" ma:default="" ma:internalName="BusinessGroup" ma:readOnly="false">
-      <xsd:simpleType>
-        <xsd:restriction base="dms:Unknown"/>
-      </xsd:simpleType>
-    </xsd:element>
-    <xsd:element name="UAProjectedTotalWords" ma:index="107" nillable="true" ma:displayName="Projected Word Count" ma:default="" ma:internalName="UAProjectedTotalWords" ma:readOnly="false">
-      <xsd:simpleType>
-        <xsd:restriction base="dms:Unknown"/>
-      </xsd:simpleType>
-    </xsd:element>
-    <xsd:element name="Provider" ma:index="108" nillable="true" ma:displayName="Provider" ma:default="" ma:internalName="Provider" ma:readOnly="false">
-      <xsd:simpleType>
-        <xsd:restriction base="dms:Unknown"/>
-      </xsd:simpleType>
-    </xsd:element>
-    <xsd:element name="Providers" ma:index="109" nillable="true" ma:displayName="Providers" ma:default="" ma:internalName="Providers">
-      <xsd:simpleType>
-        <xsd:restriction base="dms:Unknown"/>
-      </xsd:simpleType>
-    </xsd:element>
-    <xsd:element name="PublishStatusLookup" ma:index="110" nillable="true" ma:displayName="Publish Status" ma:default="" ma:list="{9E343742-310B-4684-A24C-1D137CB4B230}" ma:internalName="PublishStatusLookup" ma:readOnly="false" ma:showField="PublishStatus" ma:web="4873beb7-5857-4685-be1f-d57550cc96cc">
-      <xsd:complexType>
-        <xsd:complexContent>
-          <xsd:extension base="dms:MultiChoiceLookup">
-            <xsd:sequence>
-              <xsd:element name="Value" type="dms:Lookup" maxOccurs="unbounded" minOccurs="0" nillable="true"/>
-            </xsd:sequence>
-          </xsd:extension>
-        </xsd:complexContent>
-      </xsd:complexType>
-    </xsd:element>
-    <xsd:element name="PublishTargets" ma:index="111" nillable="true" ma:displayName="Publish Target" ma:default="OfficeOnlineVNext" ma:internalName="PublishTargets" ma:readOnly="false">
-      <xsd:simpleType>
-        <xsd:restriction base="dms:Unknown"/>
-      </xsd:simpleType>
-    </xsd:element>
-    <xsd:element name="RecommendationsModifier" ma:index="112" nillable="true" ma:displayName="Recommendations Modifier" ma:default="" ma:internalName="RecommendationsModifier" ma:readOnly="false">
-      <xsd:simpleType>
-        <xsd:restriction base="dms:Number"/>
-      </xsd:simpleType>
-    </xsd:element>
-    <xsd:element name="ArtSampleDocs" ma:index="113" nillable="true" ma:displayName="Sample Docs" ma:default="" ma:hidden="true" ma:internalName="ArtSampleDocs" ma:readOnly="false">
-      <xsd:simpleType>
-        <xsd:restriction base="dms:Text"/>
-      </xsd:simpleType>
-    </xsd:element>
-    <xsd:element name="ScenarioTagsTaxHTField0" ma:index="115" nillable="true" ma:taxonomy="true" ma:internalName="ScenarioTagsTaxHTField0" ma:taxonomyFieldName="ScenarioTags" ma:displayName="Scenarios" ma:readOnly="false" ma:default="" ma:fieldId="{93aef74d-6c78-4815-8310-51477dceeccc}" ma:taxonomyMulti="true" ma:sspId="8f79753a-75d3-41f5-8ca3-40b843941b4f" ma:termSetId="4b7d5f16-e2f2-4fc0-bab3-6e8b931e57d6" ma:anchorId="00000000-0000-0000-0000-000000000000" ma:open="false" ma:isKeyword="false">
-      <xsd:complexType>
-        <xsd:sequence>
-          <xsd:element ref="pc:Terms" minOccurs="0" maxOccurs="1"/>
-        </xsd:sequence>
-      </xsd:complexType>
-    </xsd:element>
-    <xsd:element name="ShowIn" ma:index="117" nillable="true" ma:displayName="Show In" ma:default="Show everywhere" ma:internalName="ShowIn" ma:readOnly="false">
-      <xsd:simpleType>
-        <xsd:restriction base="dms:Choice">
-          <xsd:enumeration value="Hide on web"/>
-          <xsd:enumeration value="On Web no search"/>
-          <xsd:enumeration value="Show everywhere"/>
-          <xsd:enumeration value="Special use only"/>
-        </xsd:restriction>
-      </xsd:simpleType>
-    </xsd:element>
-    <xsd:element name="SourceTitle" ma:index="118" nillable="true" ma:displayName="Source Title" ma:default="" ma:indexed="true" ma:internalName="SourceTitle" ma:readOnly="false">
-      <xsd:simpleType>
-        <xsd:restriction base="dms:Text"/>
-      </xsd:simpleType>
-    </xsd:element>
-    <xsd:element name="CSXSubmissionDate" ma:index="119" nillable="true" ma:displayName="Submission Date" ma:default="" ma:internalName="CSXSubmissionDate" ma:readOnly="false">
-      <xsd:simpleType>
-        <xsd:restriction base="dms:DateTime"/>
-      </xsd:simpleType>
-    </xsd:element>
-    <xsd:element name="SubmitterId" ma:index="120" nillable="true" ma:displayName="Submitter ID" ma:default="" ma:internalName="SubmitterId" ma:readOnly="false">
-      <xsd:simpleType>
-        <xsd:restriction base="dms:Text"/>
-      </xsd:simpleType>
-    </xsd:element>
-    <xsd:element name="TaxCatchAll" ma:index="121" nillable="true" ma:displayName="Taxonomy Catch All Column" ma:hidden="true" ma:list="{530f955b-6704-4601-bd83-f81d87f1e440}" ma:internalName="TaxCatchAll" ma:showField="CatchAllData" ma:web="4873beb7-5857-4685-be1f-d57550cc96cc">
-      <xsd:complexType>
-        <xsd:complexContent>
-          <xsd:extension base="dms:MultiChoiceLookup">
-            <xsd:sequence>
-              <xsd:element name="Value" type="dms:Lookup" maxOccurs="unbounded" minOccurs="0" nillable="true"/>
-            </xsd:sequence>
-          </xsd:extension>
-        </xsd:complexContent>
-      </xsd:complexType>
-    </xsd:element>
-    <xsd:element name="TaxCatchAllLabel" ma:index="122" nillable="true" ma:displayName="Taxonomy Catch All Column1" ma:hidden="true" ma:list="{530f955b-6704-4601-bd83-f81d87f1e440}" ma:internalName="TaxCatchAllLabel" ma:readOnly="true" ma:showField="CatchAllDataLabel" ma:web="4873beb7-5857-4685-be1f-d57550cc96cc">
-      <xsd:complexType>
-        <xsd:complexContent>
-          <xsd:extension base="dms:MultiChoiceLookup">
-            <xsd:sequence>
-              <xsd:element name="Value" type="dms:Lookup" maxOccurs="unbounded" minOccurs="0" nillable="true"/>
-            </xsd:sequence>
-          </xsd:extension>
-        </xsd:complexContent>
-      </xsd:complexType>
-    </xsd:element>
-    <xsd:element name="TemplateStatus" ma:index="123" nillable="true" ma:displayName="Template Status" ma:default="" ma:internalName="TemplateStatus">
-      <xsd:simpleType>
-        <xsd:restriction base="dms:Unknown"/>
-      </xsd:simpleType>
-    </xsd:element>
-    <xsd:element name="TemplateTemplateType" ma:index="124" nillable="true" ma:displayName="Template Type" ma:default="" ma:internalName="TemplateTemplateType">
-      <xsd:simpleType>
-        <xsd:restriction base="dms:Unknown"/>
-      </xsd:simpleType>
-    </xsd:element>
-    <xsd:element name="ThumbnailAssetId" ma:index="125" nillable="true" ma:displayName="Thumbnail Image Asset" ma:default="" ma:internalName="ThumbnailAssetId" ma:readOnly="false">
-      <xsd:simpleType>
-        <xsd:restriction base="dms:Text"/>
-      </xsd:simpleType>
-    </xsd:element>
-    <xsd:element name="TimesCloned" ma:index="126" nillable="true" ma:displayName="Times Cloned" ma:default="" ma:internalName="TimesCloned" ma:readOnly="false">
-      <xsd:simpleType>
-        <xsd:restriction base="dms:Number"/>
-      </xsd:simpleType>
-    </xsd:element>
-    <xsd:element name="TrustLevel" ma:index="128" nillable="true" ma:displayName="Trust Level" ma:default="1 Microsoft Managed Content" ma:internalName="TrustLevel" ma:readOnly="false">
-      <xsd:simpleType>
-        <xsd:restriction base="dms:Unknown"/>
-      </xsd:simpleType>
-    </xsd:element>
-    <xsd:element name="UALocComments" ma:index="129" nillable="true" ma:displayName="UA Loc Comments" ma:default="" ma:internalName="UALocComments" ma:readOnly="false">
-      <xsd:simpleType>
-        <xsd:restriction base="dms:Note"/>
-      </xsd:simpleType>
-    </xsd:element>
-    <xsd:element name="UALocRecommendation" ma:index="130" nillable="true" ma:displayName="UA Loc Recommendation" ma:default="Localize" ma:internalName="UALocRecommendation" ma:readOnly="false">
-      <xsd:simpleType>
-        <xsd:restriction base="dms:Choice">
-          <xsd:enumeration value="Localize"/>
-          <xsd:enumeration value="Never Localize"/>
-          <xsd:enumeration value="Priority Localize"/>
-        </xsd:restriction>
-      </xsd:simpleType>
-    </xsd:element>
-    <xsd:element name="UANotes" ma:index="131" nillable="true" ma:displayName="UA Notes" ma:default="" ma:internalName="UANotes" ma:readOnly="false">
-      <xsd:simpleType>
-        <xsd:restriction base="dms:Note"/>
-      </xsd:simpleType>
-    </xsd:element>
-    <xsd:element name="TPAppVersion" ma:index="132" nillable="true" ma:displayName="Version" ma:default="" ma:internalName="TPAppVersion">
-      <xsd:simpleType>
-        <xsd:restriction base="dms:Text"/>
-      </xsd:simpleType>
-    </xsd:element>
-    <xsd:element name="VoteCount" ma:index="133" nillable="true" ma:displayName="Vote Count" ma:default="" ma:internalName="VoteCount" ma:readOnly="false">
-      <xsd:simpleType>
-        <xsd:restriction base="dms:Unknown"/>
-      </xsd:simpleType>
-    </xsd:element>
-  </xsd:schema>
-  <xsd:schema xmlns="http://schemas.openxmlformats.org/package/2006/metadata/core-properties" xmlns:xsd="http://www.w3.org/2001/XMLSchema" xmlns:xsi="http://www.w3.org/2001/XMLSchema-instance" xmlns:dc="http://purl.org/dc/elements/1.1/" xmlns:dcterms="http://purl.org/dc/terms/" xmlns:odoc="http://schemas.microsoft.com/internal/obd" targetNamespace="http://schemas.openxmlformats.org/package/2006/metadata/core-properties" elementFormDefault="qualified" attributeFormDefault="unqualified" blockDefault="#all">
-    <xsd:import namespace="http://purl.org/dc/elements/1.1/" schemaLocation="http://dublincore.org/schemas/xmls/qdc/2003/04/02/dc.xsd"/>
-    <xsd:import namespace="http://purl.org/dc/terms/" schemaLocation="http://dublincore.org/schemas/xmls/qdc/2003/04/02/dcterms.xsd"/>
-    <xsd:element name="coreProperties" type="CT_coreProperties"/>
-    <xsd:complexType name="CT_coreProperties">
-      <xsd:all>
-        <xsd:element ref="dc:creator" minOccurs="0" maxOccurs="1"/>
-        <xsd:element ref="dcterms:created" minOccurs="0" maxOccurs="1"/>
-        <xsd:element ref="dc:identifier" minOccurs="0" maxOccurs="1"/>
-        <xsd:element name="contentType" minOccurs="0" maxOccurs="1" type="xsd:string" ma:index="22" ma:displayName="Content Type"/>
-        <xsd:element ref="dc:title" minOccurs="0" maxOccurs="1" ma:index="127" ma:displayName="Title"/>
-        <xsd:element ref="dc:subject" minOccurs="0" maxOccurs="1"/>
-        <xsd:element ref="dc:description" minOccurs="0" maxOccurs="1"/>
-        <xsd:element name="keywords" minOccurs="0" maxOccurs="1" type="xsd:string"/>
-        <xsd:element ref="dc:language" minOccurs="0" maxOccurs="1"/>
-        <xsd:element name="category" minOccurs="0" maxOccurs="1" type="xsd:string"/>
-        <xsd:element name="version" minOccurs="0" maxOccurs="1" type="xsd:string"/>
-        <xsd:element name="revision" minOccurs="0" maxOccurs="1" type="xsd:string">
-          <xsd:annotation>
-            <xsd:documentation>
-                        This value indicates the number of saves or revisions. The application is responsible for updating this value after each revision.
-                    </xsd:documentation>
-          </xsd:annotation>
-        </xsd:element>
-        <xsd:element name="lastModifiedBy" minOccurs="0" maxOccurs="1" type="xsd:string"/>
-        <xsd:element ref="dcterms:modified" minOccurs="0" maxOccurs="1"/>
-        <xsd:element name="contentStatus" minOccurs="0" maxOccurs="1" type="xsd:string"/>
-      </xsd:all>
-    </xsd:complexType>
-  </xsd:schema>
-  <xs:schema xmlns:pc="http://schemas.microsoft.com/office/infopath/2007/PartnerControls" xmlns:xs="http://www.w3.org/2001/XMLSchema" targetNamespace="http://schemas.microsoft.com/office/infopath/2007/PartnerControls" elementFormDefault="qualified" attributeFormDefault="unqualified">
-    <xs:element name="Person">
-      <xs:complexType>
-        <xs:sequence>
-          <xs:element ref="pc:DisplayName" minOccurs="0"/>
-          <xs:element ref="pc:AccountId" minOccurs="0"/>
-          <xs:element ref="pc:AccountType" minOccurs="0"/>
-        </xs:sequence>
-      </xs:complexType>
-    </xs:element>
-    <xs:element name="DisplayName" type="xs:string"/>
-    <xs:element name="AccountId" type="xs:string"/>
-    <xs:element name="AccountType" type="xs:string"/>
-    <xs:element name="BDCAssociatedEntity">
-      <xs:complexType>
-        <xs:sequence>
-          <xs:element ref="pc:BDCEntity" minOccurs="0" maxOccurs="unbounded"/>
-        </xs:sequence>
-        <xs:attribute ref="pc:EntityNamespace"/>
-        <xs:attribute ref="pc:EntityName"/>
-        <xs:attribute ref="pc:SystemInstanceName"/>
-        <xs:attribute ref="pc:AssociationName"/>
-      </xs:complexType>
-    </xs:element>
-    <xs:attribute name="EntityNamespace" type="xs:string"/>
-    <xs:attribute name="EntityName" type="xs:string"/>
-    <xs:attribute name="SystemInstanceName" type="xs:string"/>
-    <xs:attribute name="AssociationName" type="xs:string"/>
-    <xs:element name="BDCEntity">
-      <xs:complexType>
-        <xs:sequence>
-          <xs:element ref="pc:EntityDisplayName" minOccurs="0"/>
-          <xs:element ref="pc:EntityInstanceReference" minOccurs="0"/>
-          <xs:element ref="pc:EntityId1" minOccurs="0"/>
-          <xs:element ref="pc:EntityId2" minOccurs="0"/>
-          <xs:element ref="pc:EntityId3" minOccurs="0"/>
-          <xs:element ref="pc:EntityId4" minOccurs="0"/>
-          <xs:element ref="pc:EntityId5" minOccurs="0"/>
-        </xs:sequence>
-      </xs:complexType>
-    </xs:element>
-    <xs:element name="EntityDisplayName" type="xs:string"/>
-    <xs:element name="EntityInstanceReference" type="xs:string"/>
-    <xs:element name="EntityId1" type="xs:string"/>
-    <xs:element name="EntityId2" type="xs:string"/>
-    <xs:element name="EntityId3" type="xs:string"/>
-    <xs:element name="EntityId4" type="xs:string"/>
-    <xs:element name="EntityId5" type="xs:string"/>
-    <xs:element name="Terms">
-      <xs:complexType>
-        <xs:sequence>
-          <xs:element ref="pc:TermInfo" minOccurs="0" maxOccurs="unbounded"/>
-        </xs:sequence>
-      </xs:complexType>
-    </xs:element>
-    <xs:element name="TermInfo">
-      <xs:complexType>
-        <xs:sequence>
-          <xs:element ref="pc:TermName" minOccurs="0"/>
-          <xs:element ref="pc:TermId" minOccurs="0"/>
-        </xs:sequence>
-      </xs:complexType>
-    </xs:element>
-    <xs:element name="TermName" type="xs:string"/>
-    <xs:element name="TermId" type="xs:string"/>
-  </xs:schema>
-</ct:contentTypeSchema>
+<?mso-contentType ?>
+<FormTemplates xmlns="http://schemas.microsoft.com/sharepoint/v3/contenttype/forms">
+  <Display>DocumentLibraryForm</Display>
+  <Edit>AssetEditForm</Edit>
+  <New>DocumentLibraryForm</New>
+</FormTemplates>
 </file>
 
 <file path=customXml/itemProps1.xml><?xml version="1.0" encoding="utf-8"?>
-<ds:datastoreItem xmlns:ds="http://schemas.openxmlformats.org/officeDocument/2006/customXml" ds:itemID="{3836F65B-1B07-41EE-A0E8-BC6EF3855225}">
+<ds:datastoreItem xmlns:ds="http://schemas.openxmlformats.org/officeDocument/2006/customXml" ds:itemID="{A09BF4D4-EF60-4196-BFC3-9462D607978C}">
   <ds:schemaRefs>
-    <ds:schemaRef ds:uri="http://schemas.microsoft.com/sharepoint/v3/contenttype/forms"/>
+    <ds:schemaRef ds:uri="http://schemas.microsoft.com/office/2006/metadata/contentType"/>
+    <ds:schemaRef ds:uri="http://schemas.microsoft.com/office/2006/metadata/properties/metaAttributes"/>
+    <ds:schemaRef ds:uri="http://www.w3.org/2001/XMLSchema"/>
+    <ds:schemaRef ds:uri="http://schemas.microsoft.com/office/2006/metadata/properties"/>
+    <ds:schemaRef ds:uri="4873beb7-5857-4685-be1f-d57550cc96cc"/>
+    <ds:schemaRef ds:uri="http://schemas.microsoft.com/office/2006/documentManagement/types"/>
+    <ds:schemaRef ds:uri="http://schemas.microsoft.com/office/infopath/2007/PartnerControls"/>
+    <ds:schemaRef ds:uri="http://schemas.openxmlformats.org/package/2006/metadata/core-properties"/>
+    <ds:schemaRef ds:uri="http://purl.org/dc/elements/1.1/"/>
+    <ds:schemaRef ds:uri="http://purl.org/dc/terms/"/>
+    <ds:schemaRef ds:uri="http://schemas.microsoft.com/internal/obd"/>
   </ds:schemaRefs>
 </ds:datastoreItem>
 </file>
@@ -10421,19 +10529,9 @@
 </file>
 
 <file path=customXml/itemProps3.xml><?xml version="1.0" encoding="utf-8"?>
-<ds:datastoreItem xmlns:ds="http://schemas.openxmlformats.org/officeDocument/2006/customXml" ds:itemID="{A09BF4D4-EF60-4196-BFC3-9462D607978C}">
+<ds:datastoreItem xmlns:ds="http://schemas.openxmlformats.org/officeDocument/2006/customXml" ds:itemID="{3836F65B-1B07-41EE-A0E8-BC6EF3855225}">
   <ds:schemaRefs>
-    <ds:schemaRef ds:uri="http://schemas.microsoft.com/office/2006/metadata/contentType"/>
-    <ds:schemaRef ds:uri="http://schemas.microsoft.com/office/2006/metadata/properties/metaAttributes"/>
-    <ds:schemaRef ds:uri="http://www.w3.org/2001/XMLSchema"/>
-    <ds:schemaRef ds:uri="http://schemas.microsoft.com/office/2006/metadata/properties"/>
-    <ds:schemaRef ds:uri="4873beb7-5857-4685-be1f-d57550cc96cc"/>
-    <ds:schemaRef ds:uri="http://schemas.microsoft.com/office/2006/documentManagement/types"/>
-    <ds:schemaRef ds:uri="http://schemas.microsoft.com/office/infopath/2007/PartnerControls"/>
-    <ds:schemaRef ds:uri="http://schemas.openxmlformats.org/package/2006/metadata/core-properties"/>
-    <ds:schemaRef ds:uri="http://purl.org/dc/elements/1.1/"/>
-    <ds:schemaRef ds:uri="http://purl.org/dc/terms/"/>
-    <ds:schemaRef ds:uri="http://schemas.microsoft.com/internal/obd"/>
+    <ds:schemaRef ds:uri="http://schemas.microsoft.com/sharepoint/v3/contenttype/forms"/>
   </ds:schemaRefs>
 </ds:datastoreItem>
 </file>